--- a/demo_sketch.pptx
+++ b/demo_sketch.pptx
@@ -2997,6 +2997,11 @@
               <a:avLst/>
             </a:prstGeom>
             <a:noFill/>
+            <a:ln>
+              <a:solidFill>
+                <a:srgbClr val="00FA00"/>
+              </a:solidFill>
+            </a:ln>
           </p:spPr>
           <p:style>
             <a:lnRef idx="2">
@@ -3040,6 +3045,11 @@
               <a:avLst/>
             </a:prstGeom>
             <a:noFill/>
+            <a:ln>
+              <a:solidFill>
+                <a:srgbClr val="00FA00"/>
+              </a:solidFill>
+            </a:ln>
           </p:spPr>
           <p:style>
             <a:lnRef idx="2">
@@ -3089,6 +3099,9 @@
               <a:avLst/>
             </a:prstGeom>
             <a:noFill/>
+            <a:ln>
+              <a:noFill/>
+            </a:ln>
           </p:spPr>
           <p:txBody>
             <a:bodyPr wrap="square" rtlCol="0">
@@ -3151,6 +3164,11 @@
               <a:avLst/>
             </a:prstGeom>
             <a:noFill/>
+            <a:ln>
+              <a:solidFill>
+                <a:srgbClr val="00FA00"/>
+              </a:solidFill>
+            </a:ln>
           </p:spPr>
           <p:style>
             <a:lnRef idx="2">
@@ -3194,6 +3212,11 @@
               <a:avLst/>
             </a:prstGeom>
             <a:noFill/>
+            <a:ln>
+              <a:solidFill>
+                <a:srgbClr val="00FA00"/>
+              </a:solidFill>
+            </a:ln>
           </p:spPr>
           <p:style>
             <a:lnRef idx="2">
@@ -3243,6 +3266,9 @@
               <a:avLst/>
             </a:prstGeom>
             <a:noFill/>
+            <a:ln>
+              <a:noFill/>
+            </a:ln>
           </p:spPr>
           <p:txBody>
             <a:bodyPr wrap="square" rtlCol="0">
@@ -3290,13 +3316,16 @@
         </p:nvCxnSpPr>
         <p:spPr>
           <a:xfrm flipH="1">
-            <a:off x="7637360" y="1640740"/>
+            <a:off x="7637360" y="1560499"/>
             <a:ext cx="1599235" cy="9262"/>
           </a:xfrm>
           <a:prstGeom prst="straightConnector1">
             <a:avLst/>
           </a:prstGeom>
           <a:ln>
+            <a:solidFill>
+              <a:srgbClr val="00FA00"/>
+            </a:solidFill>
             <a:headEnd type="triangle"/>
             <a:tailEnd type="triangle"/>
           </a:ln>
@@ -3359,6 +3388,11 @@
                 <a:avLst/>
               </a:prstGeom>
               <a:noFill/>
+              <a:ln>
+                <a:solidFill>
+                  <a:srgbClr val="00FA00"/>
+                </a:solidFill>
+              </a:ln>
             </p:spPr>
             <p:style>
               <a:lnRef idx="2">
@@ -3402,6 +3436,11 @@
                 <a:avLst/>
               </a:prstGeom>
               <a:noFill/>
+              <a:ln>
+                <a:solidFill>
+                  <a:srgbClr val="00FA00"/>
+                </a:solidFill>
+              </a:ln>
             </p:spPr>
             <p:style>
               <a:lnRef idx="2">
@@ -3457,6 +3496,9 @@
                 <a:avLst/>
               </a:prstGeom>
               <a:noFill/>
+              <a:ln>
+                <a:noFill/>
+              </a:ln>
             </p:spPr>
             <p:txBody>
               <a:bodyPr wrap="square" rtlCol="0">
@@ -3499,6 +3541,11 @@
               <a:avLst/>
             </a:prstGeom>
             <a:noFill/>
+            <a:ln>
+              <a:solidFill>
+                <a:srgbClr val="00FA00"/>
+              </a:solidFill>
+            </a:ln>
           </p:spPr>
           <p:style>
             <a:lnRef idx="2">
@@ -3554,6 +3601,11 @@
               <a:avLst/>
             </a:prstGeom>
             <a:noFill/>
+            <a:ln>
+              <a:solidFill>
+                <a:srgbClr val="00FA00"/>
+              </a:solidFill>
+            </a:ln>
           </p:spPr>
           <p:style>
             <a:lnRef idx="2">
@@ -3609,6 +3661,11 @@
               <a:avLst/>
             </a:prstGeom>
             <a:noFill/>
+            <a:ln>
+              <a:solidFill>
+                <a:srgbClr val="00FA00"/>
+              </a:solidFill>
+            </a:ln>
           </p:spPr>
           <p:style>
             <a:lnRef idx="2">
@@ -3667,6 +3724,9 @@
               <a:avLst/>
             </a:prstGeom>
             <a:ln>
+              <a:solidFill>
+                <a:srgbClr val="00FA00"/>
+              </a:solidFill>
               <a:headEnd type="triangle"/>
               <a:tailEnd type="triangle"/>
             </a:ln>
@@ -3704,6 +3764,9 @@
               <a:avLst/>
             </a:prstGeom>
             <a:ln>
+              <a:solidFill>
+                <a:srgbClr val="00FA00"/>
+              </a:solidFill>
               <a:headEnd type="triangle"/>
               <a:tailEnd type="triangle"/>
             </a:ln>
@@ -3741,6 +3804,9 @@
               <a:avLst/>
             </a:prstGeom>
             <a:ln>
+              <a:solidFill>
+                <a:srgbClr val="00FA00"/>
+              </a:solidFill>
               <a:headEnd type="triangle"/>
               <a:tailEnd type="triangle"/>
             </a:ln>
@@ -3778,6 +3844,9 @@
               <a:avLst/>
             </a:prstGeom>
             <a:ln>
+              <a:solidFill>
+                <a:srgbClr val="00FA00"/>
+              </a:solidFill>
               <a:headEnd type="triangle"/>
               <a:tailEnd type="triangle"/>
             </a:ln>
@@ -3812,6 +3881,9 @@
               <a:avLst/>
             </a:prstGeom>
             <a:ln>
+              <a:solidFill>
+                <a:srgbClr val="00FA00"/>
+              </a:solidFill>
               <a:headEnd type="triangle"/>
               <a:tailEnd type="triangle"/>
             </a:ln>
@@ -3846,6 +3918,9 @@
               <a:avLst/>
             </a:prstGeom>
             <a:ln>
+              <a:solidFill>
+                <a:srgbClr val="00FA00"/>
+              </a:solidFill>
               <a:headEnd type="triangle"/>
               <a:tailEnd type="triangle"/>
             </a:ln>
@@ -3883,6 +3958,9 @@
             <a:avLst/>
           </a:prstGeom>
           <a:ln>
+            <a:solidFill>
+              <a:srgbClr val="00FA00"/>
+            </a:solidFill>
             <a:headEnd type="triangle"/>
             <a:tailEnd type="triangle"/>
           </a:ln>
@@ -3917,6 +3995,9 @@
             <a:avLst/>
           </a:prstGeom>
           <a:noFill/>
+          <a:ln>
+            <a:noFill/>
+          </a:ln>
         </p:spPr>
         <p:txBody>
           <a:bodyPr wrap="square" rtlCol="0">
@@ -3980,6 +4061,11 @@
                 <a:avLst/>
               </a:prstGeom>
               <a:noFill/>
+              <a:ln>
+                <a:solidFill>
+                  <a:srgbClr val="00FA00"/>
+                </a:solidFill>
+              </a:ln>
             </p:spPr>
             <p:style>
               <a:lnRef idx="2">
@@ -4016,13 +4102,18 @@
             </p:nvSpPr>
             <p:spPr>
               <a:xfrm>
-                <a:off x="4734045" y="2304326"/>
-                <a:ext cx="2176041" cy="553448"/>
+                <a:off x="4734045" y="2257884"/>
+                <a:ext cx="2176041" cy="495172"/>
               </a:xfrm>
               <a:prstGeom prst="rect">
                 <a:avLst/>
               </a:prstGeom>
               <a:noFill/>
+              <a:ln>
+                <a:solidFill>
+                  <a:srgbClr val="00FA00"/>
+                </a:solidFill>
+              </a:ln>
             </p:spPr>
             <p:style>
               <a:lnRef idx="2">
@@ -4072,6 +4163,11 @@
                 <a:avLst/>
               </a:prstGeom>
               <a:noFill/>
+              <a:ln>
+                <a:solidFill>
+                  <a:srgbClr val="00FA00"/>
+                </a:solidFill>
+              </a:ln>
             </p:spPr>
             <p:style>
               <a:lnRef idx="2">
@@ -4121,6 +4217,9 @@
                 <a:avLst/>
               </a:prstGeom>
               <a:noFill/>
+              <a:ln>
+                <a:noFill/>
+              </a:ln>
             </p:spPr>
             <p:txBody>
               <a:bodyPr wrap="square" rtlCol="0">
@@ -4133,7 +4232,7 @@
                   <a:rPr lang="en-US" dirty="0" smtClean="0">
                     <a:latin typeface="+mj-lt"/>
                   </a:rPr>
-                  <a:t>HP Laptop</a:t>
+                  <a:t>Brand Server</a:t>
                 </a:r>
                 <a:endParaRPr lang="en-US" dirty="0">
                   <a:latin typeface="+mj-lt"/>
@@ -4150,13 +4249,18 @@
           </p:nvSpPr>
           <p:spPr>
             <a:xfrm>
-              <a:off x="5186417" y="1970428"/>
-              <a:ext cx="2176041" cy="581130"/>
+              <a:off x="5186417" y="1800828"/>
+              <a:ext cx="2176041" cy="750730"/>
             </a:xfrm>
             <a:prstGeom prst="rect">
               <a:avLst/>
             </a:prstGeom>
             <a:noFill/>
+            <a:ln>
+              <a:solidFill>
+                <a:srgbClr val="00FA00"/>
+              </a:solidFill>
+            </a:ln>
           </p:spPr>
           <p:style>
             <a:lnRef idx="2">
@@ -4235,6 +4339,11 @@
                 <a:avLst/>
               </a:prstGeom>
               <a:noFill/>
+              <a:ln>
+                <a:solidFill>
+                  <a:srgbClr val="00FA00"/>
+                </a:solidFill>
+              </a:ln>
             </p:spPr>
             <p:style>
               <a:lnRef idx="2">
@@ -4280,6 +4389,11 @@
               <a:solidFill>
                 <a:schemeClr val="bg1"/>
               </a:solidFill>
+              <a:ln>
+                <a:solidFill>
+                  <a:srgbClr val="00FA00"/>
+                </a:solidFill>
+              </a:ln>
             </p:spPr>
             <p:style>
               <a:lnRef idx="2">
@@ -4323,6 +4437,9 @@
                 <a:avLst/>
               </a:prstGeom>
               <a:noFill/>
+              <a:ln>
+                <a:noFill/>
+              </a:ln>
             </p:spPr>
             <p:txBody>
               <a:bodyPr wrap="square" rtlCol="0">
@@ -4361,6 +4478,11 @@
             <a:solidFill>
               <a:schemeClr val="bg1"/>
             </a:solidFill>
+            <a:ln>
+              <a:solidFill>
+                <a:srgbClr val="00FA00"/>
+              </a:solidFill>
+            </a:ln>
           </p:spPr>
           <p:style>
             <a:lnRef idx="2">
@@ -4412,6 +4534,11 @@
             <a:solidFill>
               <a:schemeClr val="bg1"/>
             </a:solidFill>
+            <a:ln>
+              <a:solidFill>
+                <a:srgbClr val="00FA00"/>
+              </a:solidFill>
+            </a:ln>
           </p:spPr>
           <p:style>
             <a:lnRef idx="2">
@@ -4455,13 +4582,16 @@
         </p:nvCxnSpPr>
         <p:spPr>
           <a:xfrm flipV="1">
-            <a:off x="3807350" y="2757657"/>
+            <a:off x="3807350" y="2682583"/>
             <a:ext cx="1634674" cy="13555"/>
           </a:xfrm>
           <a:prstGeom prst="straightConnector1">
             <a:avLst/>
           </a:prstGeom>
           <a:ln>
+            <a:solidFill>
+              <a:srgbClr val="00FA00"/>
+            </a:solidFill>
             <a:headEnd type="triangle"/>
             <a:tailEnd type="triangle"/>
           </a:ln>
@@ -4496,6 +4626,9 @@
             <a:avLst/>
           </a:prstGeom>
           <a:noFill/>
+          <a:ln>
+            <a:noFill/>
+          </a:ln>
         </p:spPr>
         <p:txBody>
           <a:bodyPr wrap="square" rtlCol="0">
@@ -4528,20 +4661,21 @@
       <p:cxnSp>
         <p:nvCxnSpPr>
           <p:cNvPr id="75" name="Elbow Connector 74"/>
-          <p:cNvCxnSpPr>
-            <a:stCxn id="19" idx="1"/>
-          </p:cNvCxnSpPr>
+          <p:cNvCxnSpPr/>
           <p:nvPr/>
         </p:nvCxnSpPr>
         <p:spPr>
           <a:xfrm rot="10800000">
-            <a:off x="7637360" y="2007535"/>
+            <a:off x="7637360" y="1903049"/>
             <a:ext cx="1578014" cy="1320157"/>
           </a:xfrm>
           <a:prstGeom prst="bentConnector3">
             <a:avLst/>
           </a:prstGeom>
           <a:ln>
+            <a:solidFill>
+              <a:srgbClr val="00FA00"/>
+            </a:solidFill>
             <a:headEnd type="triangle"/>
             <a:tailEnd type="triangle"/>
           </a:ln>

--- a/demo_sketch.pptx
+++ b/demo_sketch.pptx
@@ -4287,7 +4287,13 @@
                 <a:rPr lang="en-US" dirty="0" smtClean="0">
                   <a:latin typeface="+mj-lt"/>
                 </a:rPr>
-                <a:t>RESTful App for Brand</a:t>
+                <a:t>RESTful App </a:t>
+              </a:r>
+              <a:r>
+                <a:rPr lang="en-US" smtClean="0">
+                  <a:latin typeface="+mj-lt"/>
+                </a:rPr>
+                <a:t>for Brand devices</a:t>
               </a:r>
               <a:endParaRPr lang="en-US" dirty="0">
                 <a:latin typeface="+mj-lt"/>

--- a/demo_sketch.pptx
+++ b/demo_sketch.pptx
@@ -4,8 +4,14 @@
   <p:sldMasterIdLst>
     <p:sldMasterId id="2147483660" r:id="rId1"/>
   </p:sldMasterIdLst>
+  <p:notesMasterIdLst>
+    <p:notesMasterId r:id="rId6"/>
+  </p:notesMasterIdLst>
   <p:sldIdLst>
-    <p:sldId id="256" r:id="rId2"/>
+    <p:sldId id="259" r:id="rId2"/>
+    <p:sldId id="260" r:id="rId3"/>
+    <p:sldId id="257" r:id="rId4"/>
+    <p:sldId id="258" r:id="rId5"/>
   </p:sldIdLst>
   <p:sldSz cx="12192000" cy="6858000"/>
   <p:notesSz cx="6858000" cy="9144000"/>
@@ -104,7 +110,554 @@
       </a:defRPr>
     </a:lvl9pPr>
   </p:defaultTextStyle>
+  <p:extLst>
+    <p:ext uri="{EFAFB233-063F-42B5-8137-9DF3F51BA10A}">
+      <p15:sldGuideLst xmlns:p15="http://schemas.microsoft.com/office/powerpoint/2012/main"/>
+    </p:ext>
+  </p:extLst>
 </p:presentation>
+</file>
+
+<file path=ppt/notesMasters/notesMaster1.xml><?xml version="1.0" encoding="utf-8"?>
+<p:notesMaster xmlns:a="http://schemas.openxmlformats.org/drawingml/2006/main" xmlns:r="http://schemas.openxmlformats.org/officeDocument/2006/relationships" xmlns:p="http://schemas.openxmlformats.org/presentationml/2006/main">
+  <p:cSld>
+    <p:bg>
+      <p:bgRef idx="1001">
+        <a:schemeClr val="bg1"/>
+      </p:bgRef>
+    </p:bg>
+    <p:spTree>
+      <p:nvGrpSpPr>
+        <p:cNvPr id="1" name=""/>
+        <p:cNvGrpSpPr/>
+        <p:nvPr/>
+      </p:nvGrpSpPr>
+      <p:grpSpPr>
+        <a:xfrm>
+          <a:off x="0" y="0"/>
+          <a:ext cx="0" cy="0"/>
+          <a:chOff x="0" y="0"/>
+          <a:chExt cx="0" cy="0"/>
+        </a:xfrm>
+      </p:grpSpPr>
+      <p:sp>
+        <p:nvSpPr>
+          <p:cNvPr id="2" name="Header Placeholder 1"/>
+          <p:cNvSpPr>
+            <a:spLocks noGrp="1"/>
+          </p:cNvSpPr>
+          <p:nvPr>
+            <p:ph type="hdr" sz="quarter"/>
+          </p:nvPr>
+        </p:nvSpPr>
+        <p:spPr>
+          <a:xfrm>
+            <a:off x="0" y="0"/>
+            <a:ext cx="2971800" cy="458788"/>
+          </a:xfrm>
+          <a:prstGeom prst="rect">
+            <a:avLst/>
+          </a:prstGeom>
+        </p:spPr>
+        <p:txBody>
+          <a:bodyPr vert="horz" lIns="91440" tIns="45720" rIns="91440" bIns="45720" rtlCol="0"/>
+          <a:lstStyle>
+            <a:lvl1pPr algn="l">
+              <a:defRPr sz="1200"/>
+            </a:lvl1pPr>
+          </a:lstStyle>
+          <a:p>
+            <a:endParaRPr lang="en-US"/>
+          </a:p>
+        </p:txBody>
+      </p:sp>
+      <p:sp>
+        <p:nvSpPr>
+          <p:cNvPr id="3" name="Date Placeholder 2"/>
+          <p:cNvSpPr>
+            <a:spLocks noGrp="1"/>
+          </p:cNvSpPr>
+          <p:nvPr>
+            <p:ph type="dt" idx="1"/>
+          </p:nvPr>
+        </p:nvSpPr>
+        <p:spPr>
+          <a:xfrm>
+            <a:off x="3884613" y="0"/>
+            <a:ext cx="2971800" cy="458788"/>
+          </a:xfrm>
+          <a:prstGeom prst="rect">
+            <a:avLst/>
+          </a:prstGeom>
+        </p:spPr>
+        <p:txBody>
+          <a:bodyPr vert="horz" lIns="91440" tIns="45720" rIns="91440" bIns="45720" rtlCol="0"/>
+          <a:lstStyle>
+            <a:lvl1pPr algn="r">
+              <a:defRPr sz="1200"/>
+            </a:lvl1pPr>
+          </a:lstStyle>
+          <a:p>
+            <a:fld id="{80B9FBD4-4FC2-BC4D-A792-8314FDDF2CBA}" type="datetimeFigureOut">
+              <a:rPr lang="en-US" smtClean="0"/>
+              <a:t>11/24/16</a:t>
+            </a:fld>
+            <a:endParaRPr lang="en-US"/>
+          </a:p>
+        </p:txBody>
+      </p:sp>
+      <p:sp>
+        <p:nvSpPr>
+          <p:cNvPr id="4" name="Slide Image Placeholder 3"/>
+          <p:cNvSpPr>
+            <a:spLocks noGrp="1" noRot="1" noChangeAspect="1"/>
+          </p:cNvSpPr>
+          <p:nvPr>
+            <p:ph type="sldImg" idx="2"/>
+          </p:nvPr>
+        </p:nvSpPr>
+        <p:spPr>
+          <a:xfrm>
+            <a:off x="685800" y="1143000"/>
+            <a:ext cx="5486400" cy="3086100"/>
+          </a:xfrm>
+          <a:prstGeom prst="rect">
+            <a:avLst/>
+          </a:prstGeom>
+          <a:noFill/>
+          <a:ln w="12700">
+            <a:solidFill>
+              <a:prstClr val="black"/>
+            </a:solidFill>
+          </a:ln>
+        </p:spPr>
+        <p:txBody>
+          <a:bodyPr vert="horz" lIns="91440" tIns="45720" rIns="91440" bIns="45720" rtlCol="0" anchor="ctr"/>
+          <a:lstStyle/>
+          <a:p>
+            <a:endParaRPr lang="en-US"/>
+          </a:p>
+        </p:txBody>
+      </p:sp>
+      <p:sp>
+        <p:nvSpPr>
+          <p:cNvPr id="5" name="Notes Placeholder 4"/>
+          <p:cNvSpPr>
+            <a:spLocks noGrp="1"/>
+          </p:cNvSpPr>
+          <p:nvPr>
+            <p:ph type="body" sz="quarter" idx="3"/>
+          </p:nvPr>
+        </p:nvSpPr>
+        <p:spPr>
+          <a:xfrm>
+            <a:off x="685800" y="4400550"/>
+            <a:ext cx="5486400" cy="3600450"/>
+          </a:xfrm>
+          <a:prstGeom prst="rect">
+            <a:avLst/>
+          </a:prstGeom>
+        </p:spPr>
+        <p:txBody>
+          <a:bodyPr vert="horz" lIns="91440" tIns="45720" rIns="91440" bIns="45720" rtlCol="0"/>
+          <a:lstStyle/>
+          <a:p>
+            <a:pPr lvl="0"/>
+            <a:r>
+              <a:rPr lang="en-US" smtClean="0"/>
+              <a:t>Click to edit Master text styles</a:t>
+            </a:r>
+          </a:p>
+          <a:p>
+            <a:pPr lvl="1"/>
+            <a:r>
+              <a:rPr lang="en-US" smtClean="0"/>
+              <a:t>Second level</a:t>
+            </a:r>
+          </a:p>
+          <a:p>
+            <a:pPr lvl="2"/>
+            <a:r>
+              <a:rPr lang="en-US" smtClean="0"/>
+              <a:t>Third level</a:t>
+            </a:r>
+          </a:p>
+          <a:p>
+            <a:pPr lvl="3"/>
+            <a:r>
+              <a:rPr lang="en-US" smtClean="0"/>
+              <a:t>Fourth level</a:t>
+            </a:r>
+          </a:p>
+          <a:p>
+            <a:pPr lvl="4"/>
+            <a:r>
+              <a:rPr lang="en-US" smtClean="0"/>
+              <a:t>Fifth level</a:t>
+            </a:r>
+            <a:endParaRPr lang="en-US"/>
+          </a:p>
+        </p:txBody>
+      </p:sp>
+      <p:sp>
+        <p:nvSpPr>
+          <p:cNvPr id="6" name="Footer Placeholder 5"/>
+          <p:cNvSpPr>
+            <a:spLocks noGrp="1"/>
+          </p:cNvSpPr>
+          <p:nvPr>
+            <p:ph type="ftr" sz="quarter" idx="4"/>
+          </p:nvPr>
+        </p:nvSpPr>
+        <p:spPr>
+          <a:xfrm>
+            <a:off x="0" y="8685213"/>
+            <a:ext cx="2971800" cy="458787"/>
+          </a:xfrm>
+          <a:prstGeom prst="rect">
+            <a:avLst/>
+          </a:prstGeom>
+        </p:spPr>
+        <p:txBody>
+          <a:bodyPr vert="horz" lIns="91440" tIns="45720" rIns="91440" bIns="45720" rtlCol="0" anchor="b"/>
+          <a:lstStyle>
+            <a:lvl1pPr algn="l">
+              <a:defRPr sz="1200"/>
+            </a:lvl1pPr>
+          </a:lstStyle>
+          <a:p>
+            <a:endParaRPr lang="en-US"/>
+          </a:p>
+        </p:txBody>
+      </p:sp>
+      <p:sp>
+        <p:nvSpPr>
+          <p:cNvPr id="7" name="Slide Number Placeholder 6"/>
+          <p:cNvSpPr>
+            <a:spLocks noGrp="1"/>
+          </p:cNvSpPr>
+          <p:nvPr>
+            <p:ph type="sldNum" sz="quarter" idx="5"/>
+          </p:nvPr>
+        </p:nvSpPr>
+        <p:spPr>
+          <a:xfrm>
+            <a:off x="3884613" y="8685213"/>
+            <a:ext cx="2971800" cy="458787"/>
+          </a:xfrm>
+          <a:prstGeom prst="rect">
+            <a:avLst/>
+          </a:prstGeom>
+        </p:spPr>
+        <p:txBody>
+          <a:bodyPr vert="horz" lIns="91440" tIns="45720" rIns="91440" bIns="45720" rtlCol="0" anchor="b"/>
+          <a:lstStyle>
+            <a:lvl1pPr algn="r">
+              <a:defRPr sz="1200"/>
+            </a:lvl1pPr>
+          </a:lstStyle>
+          <a:p>
+            <a:fld id="{9C1440CE-CEC5-014A-AE83-52F67847DCB1}" type="slidenum">
+              <a:rPr lang="en-US" smtClean="0"/>
+              <a:t>‹#›</a:t>
+            </a:fld>
+            <a:endParaRPr lang="en-US"/>
+          </a:p>
+        </p:txBody>
+      </p:sp>
+    </p:spTree>
+    <p:extLst>
+      <p:ext uri="{BB962C8B-B14F-4D97-AF65-F5344CB8AC3E}">
+        <p14:creationId xmlns:p14="http://schemas.microsoft.com/office/powerpoint/2010/main" val="37112616"/>
+      </p:ext>
+    </p:extLst>
+  </p:cSld>
+  <p:clrMap bg1="lt1" tx1="dk1" bg2="lt2" tx2="dk2" accent1="accent1" accent2="accent2" accent3="accent3" accent4="accent4" accent5="accent5" accent6="accent6" hlink="hlink" folHlink="folHlink"/>
+  <p:notesStyle>
+    <a:lvl1pPr marL="0" algn="l" defTabSz="914400" rtl="0" eaLnBrk="1" latinLnBrk="0" hangingPunct="1">
+      <a:defRPr sz="1200" kern="1200">
+        <a:solidFill>
+          <a:schemeClr val="tx1"/>
+        </a:solidFill>
+        <a:latin typeface="+mn-lt"/>
+        <a:ea typeface="+mn-ea"/>
+        <a:cs typeface="+mn-cs"/>
+      </a:defRPr>
+    </a:lvl1pPr>
+    <a:lvl2pPr marL="457200" algn="l" defTabSz="914400" rtl="0" eaLnBrk="1" latinLnBrk="0" hangingPunct="1">
+      <a:defRPr sz="1200" kern="1200">
+        <a:solidFill>
+          <a:schemeClr val="tx1"/>
+        </a:solidFill>
+        <a:latin typeface="+mn-lt"/>
+        <a:ea typeface="+mn-ea"/>
+        <a:cs typeface="+mn-cs"/>
+      </a:defRPr>
+    </a:lvl2pPr>
+    <a:lvl3pPr marL="914400" algn="l" defTabSz="914400" rtl="0" eaLnBrk="1" latinLnBrk="0" hangingPunct="1">
+      <a:defRPr sz="1200" kern="1200">
+        <a:solidFill>
+          <a:schemeClr val="tx1"/>
+        </a:solidFill>
+        <a:latin typeface="+mn-lt"/>
+        <a:ea typeface="+mn-ea"/>
+        <a:cs typeface="+mn-cs"/>
+      </a:defRPr>
+    </a:lvl3pPr>
+    <a:lvl4pPr marL="1371600" algn="l" defTabSz="914400" rtl="0" eaLnBrk="1" latinLnBrk="0" hangingPunct="1">
+      <a:defRPr sz="1200" kern="1200">
+        <a:solidFill>
+          <a:schemeClr val="tx1"/>
+        </a:solidFill>
+        <a:latin typeface="+mn-lt"/>
+        <a:ea typeface="+mn-ea"/>
+        <a:cs typeface="+mn-cs"/>
+      </a:defRPr>
+    </a:lvl4pPr>
+    <a:lvl5pPr marL="1828800" algn="l" defTabSz="914400" rtl="0" eaLnBrk="1" latinLnBrk="0" hangingPunct="1">
+      <a:defRPr sz="1200" kern="1200">
+        <a:solidFill>
+          <a:schemeClr val="tx1"/>
+        </a:solidFill>
+        <a:latin typeface="+mn-lt"/>
+        <a:ea typeface="+mn-ea"/>
+        <a:cs typeface="+mn-cs"/>
+      </a:defRPr>
+    </a:lvl5pPr>
+    <a:lvl6pPr marL="2286000" algn="l" defTabSz="914400" rtl="0" eaLnBrk="1" latinLnBrk="0" hangingPunct="1">
+      <a:defRPr sz="1200" kern="1200">
+        <a:solidFill>
+          <a:schemeClr val="tx1"/>
+        </a:solidFill>
+        <a:latin typeface="+mn-lt"/>
+        <a:ea typeface="+mn-ea"/>
+        <a:cs typeface="+mn-cs"/>
+      </a:defRPr>
+    </a:lvl6pPr>
+    <a:lvl7pPr marL="2743200" algn="l" defTabSz="914400" rtl="0" eaLnBrk="1" latinLnBrk="0" hangingPunct="1">
+      <a:defRPr sz="1200" kern="1200">
+        <a:solidFill>
+          <a:schemeClr val="tx1"/>
+        </a:solidFill>
+        <a:latin typeface="+mn-lt"/>
+        <a:ea typeface="+mn-ea"/>
+        <a:cs typeface="+mn-cs"/>
+      </a:defRPr>
+    </a:lvl7pPr>
+    <a:lvl8pPr marL="3200400" algn="l" defTabSz="914400" rtl="0" eaLnBrk="1" latinLnBrk="0" hangingPunct="1">
+      <a:defRPr sz="1200" kern="1200">
+        <a:solidFill>
+          <a:schemeClr val="tx1"/>
+        </a:solidFill>
+        <a:latin typeface="+mn-lt"/>
+        <a:ea typeface="+mn-ea"/>
+        <a:cs typeface="+mn-cs"/>
+      </a:defRPr>
+    </a:lvl8pPr>
+    <a:lvl9pPr marL="3657600" algn="l" defTabSz="914400" rtl="0" eaLnBrk="1" latinLnBrk="0" hangingPunct="1">
+      <a:defRPr sz="1200" kern="1200">
+        <a:solidFill>
+          <a:schemeClr val="tx1"/>
+        </a:solidFill>
+        <a:latin typeface="+mn-lt"/>
+        <a:ea typeface="+mn-ea"/>
+        <a:cs typeface="+mn-cs"/>
+      </a:defRPr>
+    </a:lvl9pPr>
+  </p:notesStyle>
+</p:notesMaster>
+</file>
+
+<file path=ppt/notesSlides/notesSlide1.xml><?xml version="1.0" encoding="utf-8"?>
+<p:notes xmlns:a="http://schemas.openxmlformats.org/drawingml/2006/main" xmlns:r="http://schemas.openxmlformats.org/officeDocument/2006/relationships" xmlns:p="http://schemas.openxmlformats.org/presentationml/2006/main">
+  <p:cSld>
+    <p:spTree>
+      <p:nvGrpSpPr>
+        <p:cNvPr id="1" name=""/>
+        <p:cNvGrpSpPr/>
+        <p:nvPr/>
+      </p:nvGrpSpPr>
+      <p:grpSpPr>
+        <a:xfrm>
+          <a:off x="0" y="0"/>
+          <a:ext cx="0" cy="0"/>
+          <a:chOff x="0" y="0"/>
+          <a:chExt cx="0" cy="0"/>
+        </a:xfrm>
+      </p:grpSpPr>
+      <p:sp>
+        <p:nvSpPr>
+          <p:cNvPr id="2" name="Slide Image Placeholder 1"/>
+          <p:cNvSpPr>
+            <a:spLocks noGrp="1" noRot="1" noChangeAspect="1"/>
+          </p:cNvSpPr>
+          <p:nvPr>
+            <p:ph type="sldImg"/>
+          </p:nvPr>
+        </p:nvSpPr>
+        <p:spPr/>
+      </p:sp>
+      <p:sp>
+        <p:nvSpPr>
+          <p:cNvPr id="3" name="Notes Placeholder 2"/>
+          <p:cNvSpPr>
+            <a:spLocks noGrp="1"/>
+          </p:cNvSpPr>
+          <p:nvPr>
+            <p:ph type="body" idx="1"/>
+          </p:nvPr>
+        </p:nvSpPr>
+        <p:spPr/>
+        <p:txBody>
+          <a:bodyPr/>
+          <a:lstStyle/>
+          <a:p>
+            <a:r>
+              <a:rPr lang="en-US" dirty="0" smtClean="0"/>
+              <a:t>User servers issue</a:t>
+            </a:r>
+            <a:r>
+              <a:rPr lang="en-US" baseline="0" dirty="0" smtClean="0"/>
+              <a:t> the Register and Validate commands to the </a:t>
+            </a:r>
+            <a:r>
+              <a:rPr lang="en-US" baseline="0" dirty="0" err="1" smtClean="0"/>
+              <a:t>blockchain</a:t>
+            </a:r>
+            <a:endParaRPr lang="en-US" dirty="0"/>
+          </a:p>
+        </p:txBody>
+      </p:sp>
+      <p:sp>
+        <p:nvSpPr>
+          <p:cNvPr id="4" name="Slide Number Placeholder 3"/>
+          <p:cNvSpPr>
+            <a:spLocks noGrp="1"/>
+          </p:cNvSpPr>
+          <p:nvPr>
+            <p:ph type="sldNum" sz="quarter" idx="10"/>
+          </p:nvPr>
+        </p:nvSpPr>
+        <p:spPr/>
+        <p:txBody>
+          <a:bodyPr/>
+          <a:lstStyle/>
+          <a:p>
+            <a:fld id="{9C1440CE-CEC5-014A-AE83-52F67847DCB1}" type="slidenum">
+              <a:rPr lang="en-US" smtClean="0"/>
+              <a:t>1</a:t>
+            </a:fld>
+            <a:endParaRPr lang="en-US"/>
+          </a:p>
+        </p:txBody>
+      </p:sp>
+    </p:spTree>
+    <p:extLst>
+      <p:ext uri="{BB962C8B-B14F-4D97-AF65-F5344CB8AC3E}">
+        <p14:creationId xmlns:p14="http://schemas.microsoft.com/office/powerpoint/2010/main" val="981479482"/>
+      </p:ext>
+    </p:extLst>
+  </p:cSld>
+  <p:clrMapOvr>
+    <a:masterClrMapping/>
+  </p:clrMapOvr>
+</p:notes>
+</file>
+
+<file path=ppt/notesSlides/notesSlide2.xml><?xml version="1.0" encoding="utf-8"?>
+<p:notes xmlns:a="http://schemas.openxmlformats.org/drawingml/2006/main" xmlns:r="http://schemas.openxmlformats.org/officeDocument/2006/relationships" xmlns:p="http://schemas.openxmlformats.org/presentationml/2006/main">
+  <p:cSld>
+    <p:spTree>
+      <p:nvGrpSpPr>
+        <p:cNvPr id="1" name=""/>
+        <p:cNvGrpSpPr/>
+        <p:nvPr/>
+      </p:nvGrpSpPr>
+      <p:grpSpPr>
+        <a:xfrm>
+          <a:off x="0" y="0"/>
+          <a:ext cx="0" cy="0"/>
+          <a:chOff x="0" y="0"/>
+          <a:chExt cx="0" cy="0"/>
+        </a:xfrm>
+      </p:grpSpPr>
+      <p:sp>
+        <p:nvSpPr>
+          <p:cNvPr id="2" name="Slide Image Placeholder 1"/>
+          <p:cNvSpPr>
+            <a:spLocks noGrp="1" noRot="1" noChangeAspect="1"/>
+          </p:cNvSpPr>
+          <p:nvPr>
+            <p:ph type="sldImg"/>
+          </p:nvPr>
+        </p:nvSpPr>
+        <p:spPr/>
+      </p:sp>
+      <p:sp>
+        <p:nvSpPr>
+          <p:cNvPr id="3" name="Notes Placeholder 2"/>
+          <p:cNvSpPr>
+            <a:spLocks noGrp="1"/>
+          </p:cNvSpPr>
+          <p:nvPr>
+            <p:ph type="body" idx="1"/>
+          </p:nvPr>
+        </p:nvSpPr>
+        <p:spPr/>
+        <p:txBody>
+          <a:bodyPr/>
+          <a:lstStyle/>
+          <a:p>
+            <a:r>
+              <a:rPr lang="en-US" dirty="0" smtClean="0"/>
+              <a:t>User servers issue</a:t>
+            </a:r>
+            <a:r>
+              <a:rPr lang="en-US" baseline="0" dirty="0" smtClean="0"/>
+              <a:t> the Register and Validate commands to the </a:t>
+            </a:r>
+            <a:r>
+              <a:rPr lang="en-US" baseline="0" smtClean="0"/>
+              <a:t>blockchain</a:t>
+            </a:r>
+            <a:endParaRPr lang="en-US"/>
+          </a:p>
+        </p:txBody>
+      </p:sp>
+      <p:sp>
+        <p:nvSpPr>
+          <p:cNvPr id="4" name="Slide Number Placeholder 3"/>
+          <p:cNvSpPr>
+            <a:spLocks noGrp="1"/>
+          </p:cNvSpPr>
+          <p:nvPr>
+            <p:ph type="sldNum" sz="quarter" idx="10"/>
+          </p:nvPr>
+        </p:nvSpPr>
+        <p:spPr/>
+        <p:txBody>
+          <a:bodyPr/>
+          <a:lstStyle/>
+          <a:p>
+            <a:fld id="{9C1440CE-CEC5-014A-AE83-52F67847DCB1}" type="slidenum">
+              <a:rPr lang="en-US" smtClean="0"/>
+              <a:t>2</a:t>
+            </a:fld>
+            <a:endParaRPr lang="en-US"/>
+          </a:p>
+        </p:txBody>
+      </p:sp>
+    </p:spTree>
+    <p:extLst>
+      <p:ext uri="{BB962C8B-B14F-4D97-AF65-F5344CB8AC3E}">
+        <p14:creationId xmlns:p14="http://schemas.microsoft.com/office/powerpoint/2010/main" val="1407543236"/>
+      </p:ext>
+    </p:extLst>
+  </p:cSld>
+  <p:clrMapOvr>
+    <a:masterClrMapping/>
+  </p:clrMapOvr>
+</p:notes>
 </file>
 
 <file path=ppt/slideLayouts/slideLayout1.xml><?xml version="1.0" encoding="utf-8"?>
@@ -238,7 +791,7 @@
           <a:p>
             <a:fld id="{2D03411C-558B-E14E-8765-4C1C9507317D}" type="datetimeFigureOut">
               <a:rPr lang="en-US" smtClean="0"/>
-              <a:t>11/8/16</a:t>
+              <a:t>11/24/16</a:t>
             </a:fld>
             <a:endParaRPr lang="en-US"/>
           </a:p>
@@ -408,7 +961,7 @@
           <a:p>
             <a:fld id="{2D03411C-558B-E14E-8765-4C1C9507317D}" type="datetimeFigureOut">
               <a:rPr lang="en-US" smtClean="0"/>
-              <a:t>11/8/16</a:t>
+              <a:t>11/24/16</a:t>
             </a:fld>
             <a:endParaRPr lang="en-US"/>
           </a:p>
@@ -588,7 +1141,7 @@
           <a:p>
             <a:fld id="{2D03411C-558B-E14E-8765-4C1C9507317D}" type="datetimeFigureOut">
               <a:rPr lang="en-US" smtClean="0"/>
-              <a:t>11/8/16</a:t>
+              <a:t>11/24/16</a:t>
             </a:fld>
             <a:endParaRPr lang="en-US"/>
           </a:p>
@@ -758,7 +1311,7 @@
           <a:p>
             <a:fld id="{2D03411C-558B-E14E-8765-4C1C9507317D}" type="datetimeFigureOut">
               <a:rPr lang="en-US" smtClean="0"/>
-              <a:t>11/8/16</a:t>
+              <a:t>11/24/16</a:t>
             </a:fld>
             <a:endParaRPr lang="en-US"/>
           </a:p>
@@ -1004,7 +1557,7 @@
           <a:p>
             <a:fld id="{2D03411C-558B-E14E-8765-4C1C9507317D}" type="datetimeFigureOut">
               <a:rPr lang="en-US" smtClean="0"/>
-              <a:t>11/8/16</a:t>
+              <a:t>11/24/16</a:t>
             </a:fld>
             <a:endParaRPr lang="en-US"/>
           </a:p>
@@ -1236,7 +1789,7 @@
           <a:p>
             <a:fld id="{2D03411C-558B-E14E-8765-4C1C9507317D}" type="datetimeFigureOut">
               <a:rPr lang="en-US" smtClean="0"/>
-              <a:t>11/8/16</a:t>
+              <a:t>11/24/16</a:t>
             </a:fld>
             <a:endParaRPr lang="en-US"/>
           </a:p>
@@ -1603,7 +2156,7 @@
           <a:p>
             <a:fld id="{2D03411C-558B-E14E-8765-4C1C9507317D}" type="datetimeFigureOut">
               <a:rPr lang="en-US" smtClean="0"/>
-              <a:t>11/8/16</a:t>
+              <a:t>11/24/16</a:t>
             </a:fld>
             <a:endParaRPr lang="en-US"/>
           </a:p>
@@ -1721,7 +2274,7 @@
           <a:p>
             <a:fld id="{2D03411C-558B-E14E-8765-4C1C9507317D}" type="datetimeFigureOut">
               <a:rPr lang="en-US" smtClean="0"/>
-              <a:t>11/8/16</a:t>
+              <a:t>11/24/16</a:t>
             </a:fld>
             <a:endParaRPr lang="en-US"/>
           </a:p>
@@ -1816,7 +2369,7 @@
           <a:p>
             <a:fld id="{2D03411C-558B-E14E-8765-4C1C9507317D}" type="datetimeFigureOut">
               <a:rPr lang="en-US" smtClean="0"/>
-              <a:t>11/8/16</a:t>
+              <a:t>11/24/16</a:t>
             </a:fld>
             <a:endParaRPr lang="en-US"/>
           </a:p>
@@ -2093,7 +2646,7 @@
           <a:p>
             <a:fld id="{2D03411C-558B-E14E-8765-4C1C9507317D}" type="datetimeFigureOut">
               <a:rPr lang="en-US" smtClean="0"/>
-              <a:t>11/8/16</a:t>
+              <a:t>11/24/16</a:t>
             </a:fld>
             <a:endParaRPr lang="en-US"/>
           </a:p>
@@ -2350,7 +2903,7 @@
           <a:p>
             <a:fld id="{2D03411C-558B-E14E-8765-4C1C9507317D}" type="datetimeFigureOut">
               <a:rPr lang="en-US" smtClean="0"/>
-              <a:t>11/8/16</a:t>
+              <a:t>11/24/16</a:t>
             </a:fld>
             <a:endParaRPr lang="en-US"/>
           </a:p>
@@ -2563,7 +3116,7 @@
           <a:p>
             <a:fld id="{2D03411C-558B-E14E-8765-4C1C9507317D}" type="datetimeFigureOut">
               <a:rPr lang="en-US" smtClean="0"/>
-              <a:t>11/8/16</a:t>
+              <a:t>11/24/16</a:t>
             </a:fld>
             <a:endParaRPr lang="en-US"/>
           </a:p>
@@ -2968,6 +3521,3912 @@
           <a:chExt cx="0" cy="0"/>
         </a:xfrm>
       </p:grpSpPr>
+      <p:sp>
+        <p:nvSpPr>
+          <p:cNvPr id="69" name="TextBox 68"/>
+          <p:cNvSpPr txBox="1"/>
+          <p:nvPr/>
+        </p:nvSpPr>
+        <p:spPr>
+          <a:xfrm>
+            <a:off x="416689" y="324091"/>
+            <a:ext cx="4375229" cy="830997"/>
+          </a:xfrm>
+          <a:prstGeom prst="rect">
+            <a:avLst/>
+          </a:prstGeom>
+          <a:noFill/>
+          <a:ln>
+            <a:noFill/>
+          </a:ln>
+        </p:spPr>
+        <p:txBody>
+          <a:bodyPr wrap="square" rtlCol="0">
+            <a:spAutoFit/>
+          </a:bodyPr>
+          <a:lstStyle/>
+          <a:p>
+            <a:r>
+              <a:rPr lang="en-US" sz="2400" dirty="0" smtClean="0"/>
+              <a:t>Demo overview</a:t>
+            </a:r>
+          </a:p>
+          <a:p>
+            <a:r>
+              <a:rPr lang="en-US" sz="2400" dirty="0" smtClean="0"/>
+              <a:t>“Virtual implementation”</a:t>
+            </a:r>
+            <a:endParaRPr lang="en-US" sz="2400" dirty="0"/>
+          </a:p>
+        </p:txBody>
+      </p:sp>
+      <p:sp>
+        <p:nvSpPr>
+          <p:cNvPr id="51" name="TextBox 50"/>
+          <p:cNvSpPr txBox="1"/>
+          <p:nvPr/>
+        </p:nvSpPr>
+        <p:spPr>
+          <a:xfrm>
+            <a:off x="9613557" y="6459853"/>
+            <a:ext cx="2173525" cy="307777"/>
+          </a:xfrm>
+          <a:prstGeom prst="rect">
+            <a:avLst/>
+          </a:prstGeom>
+          <a:noFill/>
+        </p:spPr>
+        <p:txBody>
+          <a:bodyPr wrap="square" rtlCol="0">
+            <a:spAutoFit/>
+          </a:bodyPr>
+          <a:lstStyle/>
+          <a:p>
+            <a:r>
+              <a:rPr lang="en-US" sz="1400" dirty="0" smtClean="0"/>
+              <a:t>*Pictures from the internet</a:t>
+            </a:r>
+            <a:endParaRPr lang="en-US" sz="1400" dirty="0"/>
+          </a:p>
+        </p:txBody>
+      </p:sp>
+      <p:grpSp>
+        <p:nvGrpSpPr>
+          <p:cNvPr id="212" name="Group 211"/>
+          <p:cNvGrpSpPr/>
+          <p:nvPr/>
+        </p:nvGrpSpPr>
+        <p:grpSpPr>
+          <a:xfrm>
+            <a:off x="1488673" y="1334150"/>
+            <a:ext cx="8612871" cy="5448869"/>
+            <a:chOff x="1488673" y="1334150"/>
+            <a:chExt cx="8612871" cy="5448869"/>
+          </a:xfrm>
+        </p:grpSpPr>
+        <p:sp>
+          <p:nvSpPr>
+            <p:cNvPr id="81" name="Cloud 80"/>
+            <p:cNvSpPr/>
+            <p:nvPr/>
+          </p:nvSpPr>
+          <p:spPr>
+            <a:xfrm>
+              <a:off x="5577214" y="3046493"/>
+              <a:ext cx="1110931" cy="711372"/>
+            </a:xfrm>
+            <a:prstGeom prst="cloud">
+              <a:avLst/>
+            </a:prstGeom>
+            <a:solidFill>
+              <a:schemeClr val="bg1"/>
+            </a:solidFill>
+            <a:ln>
+              <a:solidFill>
+                <a:srgbClr val="00FA00"/>
+              </a:solidFill>
+              <a:prstDash val="solid"/>
+            </a:ln>
+          </p:spPr>
+          <p:style>
+            <a:lnRef idx="2">
+              <a:schemeClr val="accent1">
+                <a:shade val="50000"/>
+              </a:schemeClr>
+            </a:lnRef>
+            <a:fillRef idx="1">
+              <a:schemeClr val="accent1"/>
+            </a:fillRef>
+            <a:effectRef idx="0">
+              <a:schemeClr val="accent1"/>
+            </a:effectRef>
+            <a:fontRef idx="minor">
+              <a:schemeClr val="lt1"/>
+            </a:fontRef>
+          </p:style>
+          <p:txBody>
+            <a:bodyPr rtlCol="0" anchor="ctr"/>
+            <a:lstStyle/>
+            <a:p>
+              <a:pPr algn="ctr"/>
+              <a:endParaRPr lang="en-US"/>
+            </a:p>
+          </p:txBody>
+        </p:sp>
+        <p:pic>
+          <p:nvPicPr>
+            <p:cNvPr id="40" name="Picture 39"/>
+            <p:cNvPicPr>
+              <a:picLocks noChangeAspect="1"/>
+            </p:cNvPicPr>
+            <p:nvPr/>
+          </p:nvPicPr>
+          <p:blipFill>
+            <a:blip r:embed="rId3"/>
+            <a:stretch>
+              <a:fillRect/>
+            </a:stretch>
+          </p:blipFill>
+          <p:spPr>
+            <a:xfrm>
+              <a:off x="2403585" y="1349623"/>
+              <a:ext cx="1242219" cy="1205138"/>
+            </a:xfrm>
+            <a:prstGeom prst="rect">
+              <a:avLst/>
+            </a:prstGeom>
+          </p:spPr>
+        </p:pic>
+        <p:pic>
+          <p:nvPicPr>
+            <p:cNvPr id="42" name="Picture 41"/>
+            <p:cNvPicPr>
+              <a:picLocks noChangeAspect="1"/>
+            </p:cNvPicPr>
+            <p:nvPr/>
+          </p:nvPicPr>
+          <p:blipFill>
+            <a:blip r:embed="rId4"/>
+            <a:stretch>
+              <a:fillRect/>
+            </a:stretch>
+          </p:blipFill>
+          <p:spPr>
+            <a:xfrm>
+              <a:off x="1488673" y="2978914"/>
+              <a:ext cx="1124911" cy="913990"/>
+            </a:xfrm>
+            <a:prstGeom prst="rect">
+              <a:avLst/>
+            </a:prstGeom>
+          </p:spPr>
+        </p:pic>
+        <p:pic>
+          <p:nvPicPr>
+            <p:cNvPr id="47" name="Picture 46"/>
+            <p:cNvPicPr>
+              <a:picLocks noChangeAspect="1"/>
+            </p:cNvPicPr>
+            <p:nvPr/>
+          </p:nvPicPr>
+          <p:blipFill>
+            <a:blip r:embed="rId5"/>
+            <a:stretch>
+              <a:fillRect/>
+            </a:stretch>
+          </p:blipFill>
+          <p:spPr>
+            <a:xfrm>
+              <a:off x="8482951" y="1429984"/>
+              <a:ext cx="1441377" cy="1044415"/>
+            </a:xfrm>
+            <a:prstGeom prst="rect">
+              <a:avLst/>
+            </a:prstGeom>
+          </p:spPr>
+        </p:pic>
+        <p:grpSp>
+          <p:nvGrpSpPr>
+            <p:cNvPr id="149" name="Group 148"/>
+            <p:cNvGrpSpPr/>
+            <p:nvPr/>
+          </p:nvGrpSpPr>
+          <p:grpSpPr>
+            <a:xfrm>
+              <a:off x="4708973" y="4289989"/>
+              <a:ext cx="2600374" cy="1752147"/>
+              <a:chOff x="4661559" y="4834086"/>
+              <a:chExt cx="2600374" cy="1752147"/>
+            </a:xfrm>
+          </p:grpSpPr>
+          <p:sp>
+            <p:nvSpPr>
+              <p:cNvPr id="55" name="Rounded Rectangle 54"/>
+              <p:cNvSpPr/>
+              <p:nvPr/>
+            </p:nvSpPr>
+            <p:spPr>
+              <a:xfrm>
+                <a:off x="4661559" y="5727693"/>
+                <a:ext cx="331470" cy="331470"/>
+              </a:xfrm>
+              <a:prstGeom prst="roundRect">
+                <a:avLst/>
+              </a:prstGeom>
+            </p:spPr>
+            <p:style>
+              <a:lnRef idx="0">
+                <a:schemeClr val="accent3"/>
+              </a:lnRef>
+              <a:fillRef idx="3">
+                <a:schemeClr val="accent3"/>
+              </a:fillRef>
+              <a:effectRef idx="3">
+                <a:schemeClr val="accent3"/>
+              </a:effectRef>
+              <a:fontRef idx="minor">
+                <a:schemeClr val="lt1"/>
+              </a:fontRef>
+            </p:style>
+            <p:txBody>
+              <a:bodyPr rtlCol="0" anchor="ctr"/>
+              <a:lstStyle/>
+              <a:p>
+                <a:pPr algn="ctr"/>
+                <a:r>
+                  <a:rPr lang="en-US" dirty="0" smtClean="0"/>
+                  <a:t>e</a:t>
+                </a:r>
+                <a:endParaRPr lang="en-US" dirty="0"/>
+              </a:p>
+            </p:txBody>
+          </p:sp>
+          <p:sp>
+            <p:nvSpPr>
+              <p:cNvPr id="76" name="Rounded Rectangle 75"/>
+              <p:cNvSpPr/>
+              <p:nvPr/>
+            </p:nvSpPr>
+            <p:spPr>
+              <a:xfrm>
+                <a:off x="5328782" y="6094169"/>
+                <a:ext cx="331470" cy="331470"/>
+              </a:xfrm>
+              <a:prstGeom prst="roundRect">
+                <a:avLst/>
+              </a:prstGeom>
+            </p:spPr>
+            <p:style>
+              <a:lnRef idx="0">
+                <a:schemeClr val="accent3"/>
+              </a:lnRef>
+              <a:fillRef idx="3">
+                <a:schemeClr val="accent3"/>
+              </a:fillRef>
+              <a:effectRef idx="3">
+                <a:schemeClr val="accent3"/>
+              </a:effectRef>
+              <a:fontRef idx="minor">
+                <a:schemeClr val="lt1"/>
+              </a:fontRef>
+            </p:style>
+            <p:txBody>
+              <a:bodyPr rtlCol="0" anchor="ctr"/>
+              <a:lstStyle/>
+              <a:p>
+                <a:pPr algn="ctr"/>
+                <a:r>
+                  <a:rPr lang="en-US" dirty="0" smtClean="0"/>
+                  <a:t>e</a:t>
+                </a:r>
+                <a:endParaRPr lang="en-US" dirty="0"/>
+              </a:p>
+            </p:txBody>
+          </p:sp>
+          <p:sp>
+            <p:nvSpPr>
+              <p:cNvPr id="77" name="Rounded Rectangle 76"/>
+              <p:cNvSpPr/>
+              <p:nvPr/>
+            </p:nvSpPr>
+            <p:spPr>
+              <a:xfrm>
+                <a:off x="4903315" y="4915413"/>
+                <a:ext cx="331470" cy="331470"/>
+              </a:xfrm>
+              <a:prstGeom prst="roundRect">
+                <a:avLst/>
+              </a:prstGeom>
+            </p:spPr>
+            <p:style>
+              <a:lnRef idx="0">
+                <a:schemeClr val="accent3"/>
+              </a:lnRef>
+              <a:fillRef idx="3">
+                <a:schemeClr val="accent3"/>
+              </a:fillRef>
+              <a:effectRef idx="3">
+                <a:schemeClr val="accent3"/>
+              </a:effectRef>
+              <a:fontRef idx="minor">
+                <a:schemeClr val="lt1"/>
+              </a:fontRef>
+            </p:style>
+            <p:txBody>
+              <a:bodyPr rtlCol="0" anchor="ctr"/>
+              <a:lstStyle/>
+              <a:p>
+                <a:pPr algn="ctr"/>
+                <a:r>
+                  <a:rPr lang="en-US" dirty="0"/>
+                  <a:t>e</a:t>
+                </a:r>
+              </a:p>
+            </p:txBody>
+          </p:sp>
+          <p:sp>
+            <p:nvSpPr>
+              <p:cNvPr id="78" name="Rounded Rectangle 77"/>
+              <p:cNvSpPr/>
+              <p:nvPr/>
+            </p:nvSpPr>
+            <p:spPr>
+              <a:xfrm>
+                <a:off x="5975333" y="5646366"/>
+                <a:ext cx="331470" cy="331470"/>
+              </a:xfrm>
+              <a:prstGeom prst="roundRect">
+                <a:avLst/>
+              </a:prstGeom>
+            </p:spPr>
+            <p:style>
+              <a:lnRef idx="0">
+                <a:schemeClr val="accent3"/>
+              </a:lnRef>
+              <a:fillRef idx="3">
+                <a:schemeClr val="accent3"/>
+              </a:fillRef>
+              <a:effectRef idx="3">
+                <a:schemeClr val="accent3"/>
+              </a:effectRef>
+              <a:fontRef idx="minor">
+                <a:schemeClr val="lt1"/>
+              </a:fontRef>
+            </p:style>
+            <p:txBody>
+              <a:bodyPr rtlCol="0" anchor="ctr"/>
+              <a:lstStyle/>
+              <a:p>
+                <a:pPr algn="ctr"/>
+                <a:r>
+                  <a:rPr lang="en-US" dirty="0" smtClean="0"/>
+                  <a:t>e</a:t>
+                </a:r>
+                <a:endParaRPr lang="en-US" dirty="0"/>
+              </a:p>
+            </p:txBody>
+          </p:sp>
+          <p:sp>
+            <p:nvSpPr>
+              <p:cNvPr id="79" name="Rounded Rectangle 78"/>
+              <p:cNvSpPr/>
+              <p:nvPr/>
+            </p:nvSpPr>
+            <p:spPr>
+              <a:xfrm>
+                <a:off x="6472538" y="6254763"/>
+                <a:ext cx="331470" cy="331470"/>
+              </a:xfrm>
+              <a:prstGeom prst="roundRect">
+                <a:avLst/>
+              </a:prstGeom>
+            </p:spPr>
+            <p:style>
+              <a:lnRef idx="0">
+                <a:schemeClr val="accent3"/>
+              </a:lnRef>
+              <a:fillRef idx="3">
+                <a:schemeClr val="accent3"/>
+              </a:fillRef>
+              <a:effectRef idx="3">
+                <a:schemeClr val="accent3"/>
+              </a:effectRef>
+              <a:fontRef idx="minor">
+                <a:schemeClr val="lt1"/>
+              </a:fontRef>
+            </p:style>
+            <p:txBody>
+              <a:bodyPr rtlCol="0" anchor="ctr"/>
+              <a:lstStyle/>
+              <a:p>
+                <a:pPr algn="ctr"/>
+                <a:r>
+                  <a:rPr lang="en-US" dirty="0" smtClean="0"/>
+                  <a:t>e</a:t>
+                </a:r>
+                <a:endParaRPr lang="en-US" dirty="0"/>
+              </a:p>
+            </p:txBody>
+          </p:sp>
+          <p:sp>
+            <p:nvSpPr>
+              <p:cNvPr id="80" name="Rounded Rectangle 79"/>
+              <p:cNvSpPr/>
+              <p:nvPr/>
+            </p:nvSpPr>
+            <p:spPr>
+              <a:xfrm>
+                <a:off x="5919932" y="4834086"/>
+                <a:ext cx="331470" cy="331470"/>
+              </a:xfrm>
+              <a:prstGeom prst="roundRect">
+                <a:avLst/>
+              </a:prstGeom>
+            </p:spPr>
+            <p:style>
+              <a:lnRef idx="0">
+                <a:schemeClr val="accent3"/>
+              </a:lnRef>
+              <a:fillRef idx="3">
+                <a:schemeClr val="accent3"/>
+              </a:fillRef>
+              <a:effectRef idx="3">
+                <a:schemeClr val="accent3"/>
+              </a:effectRef>
+              <a:fontRef idx="minor">
+                <a:schemeClr val="lt1"/>
+              </a:fontRef>
+            </p:style>
+            <p:txBody>
+              <a:bodyPr rtlCol="0" anchor="ctr"/>
+              <a:lstStyle/>
+              <a:p>
+                <a:pPr algn="ctr"/>
+                <a:r>
+                  <a:rPr lang="en-US" dirty="0" smtClean="0"/>
+                  <a:t>e</a:t>
+                </a:r>
+                <a:endParaRPr lang="en-US" dirty="0"/>
+              </a:p>
+            </p:txBody>
+          </p:sp>
+          <p:sp>
+            <p:nvSpPr>
+              <p:cNvPr id="82" name="Rounded Rectangle 81"/>
+              <p:cNvSpPr/>
+              <p:nvPr/>
+            </p:nvSpPr>
+            <p:spPr>
+              <a:xfrm>
+                <a:off x="6930463" y="5200623"/>
+                <a:ext cx="331470" cy="331470"/>
+              </a:xfrm>
+              <a:prstGeom prst="roundRect">
+                <a:avLst/>
+              </a:prstGeom>
+            </p:spPr>
+            <p:style>
+              <a:lnRef idx="0">
+                <a:schemeClr val="accent3"/>
+              </a:lnRef>
+              <a:fillRef idx="3">
+                <a:schemeClr val="accent3"/>
+              </a:fillRef>
+              <a:effectRef idx="3">
+                <a:schemeClr val="accent3"/>
+              </a:effectRef>
+              <a:fontRef idx="minor">
+                <a:schemeClr val="lt1"/>
+              </a:fontRef>
+            </p:style>
+            <p:txBody>
+              <a:bodyPr rtlCol="0" anchor="ctr"/>
+              <a:lstStyle/>
+              <a:p>
+                <a:pPr algn="ctr"/>
+                <a:r>
+                  <a:rPr lang="en-US" dirty="0" smtClean="0"/>
+                  <a:t>e</a:t>
+                </a:r>
+                <a:endParaRPr lang="en-US" dirty="0"/>
+              </a:p>
+            </p:txBody>
+          </p:sp>
+          <p:cxnSp>
+            <p:nvCxnSpPr>
+              <p:cNvPr id="86" name="Straight Connector 85"/>
+              <p:cNvCxnSpPr>
+                <a:stCxn id="55" idx="0"/>
+                <a:endCxn id="77" idx="2"/>
+              </p:cNvCxnSpPr>
+              <p:nvPr/>
+            </p:nvCxnSpPr>
+            <p:spPr>
+              <a:xfrm flipV="1">
+                <a:off x="4827294" y="5246883"/>
+                <a:ext cx="241756" cy="480810"/>
+              </a:xfrm>
+              <a:prstGeom prst="line">
+                <a:avLst/>
+              </a:prstGeom>
+              <a:ln>
+                <a:solidFill>
+                  <a:srgbClr val="00FA00"/>
+                </a:solidFill>
+                <a:prstDash val="dash"/>
+                <a:tailEnd type="none"/>
+              </a:ln>
+            </p:spPr>
+            <p:style>
+              <a:lnRef idx="1">
+                <a:schemeClr val="accent1"/>
+              </a:lnRef>
+              <a:fillRef idx="0">
+                <a:schemeClr val="accent1"/>
+              </a:fillRef>
+              <a:effectRef idx="0">
+                <a:schemeClr val="accent1"/>
+              </a:effectRef>
+              <a:fontRef idx="minor">
+                <a:schemeClr val="tx1"/>
+              </a:fontRef>
+            </p:style>
+          </p:cxnSp>
+          <p:cxnSp>
+            <p:nvCxnSpPr>
+              <p:cNvPr id="88" name="Straight Connector 87"/>
+              <p:cNvCxnSpPr>
+                <a:stCxn id="77" idx="3"/>
+                <a:endCxn id="80" idx="1"/>
+              </p:cNvCxnSpPr>
+              <p:nvPr/>
+            </p:nvCxnSpPr>
+            <p:spPr>
+              <a:xfrm flipV="1">
+                <a:off x="5234785" y="4999821"/>
+                <a:ext cx="685147" cy="81327"/>
+              </a:xfrm>
+              <a:prstGeom prst="line">
+                <a:avLst/>
+              </a:prstGeom>
+              <a:ln>
+                <a:solidFill>
+                  <a:srgbClr val="00FA00"/>
+                </a:solidFill>
+                <a:prstDash val="dash"/>
+                <a:tailEnd type="none"/>
+              </a:ln>
+            </p:spPr>
+            <p:style>
+              <a:lnRef idx="1">
+                <a:schemeClr val="accent1"/>
+              </a:lnRef>
+              <a:fillRef idx="0">
+                <a:schemeClr val="accent1"/>
+              </a:fillRef>
+              <a:effectRef idx="0">
+                <a:schemeClr val="accent1"/>
+              </a:effectRef>
+              <a:fontRef idx="minor">
+                <a:schemeClr val="tx1"/>
+              </a:fontRef>
+            </p:style>
+          </p:cxnSp>
+          <p:cxnSp>
+            <p:nvCxnSpPr>
+              <p:cNvPr id="90" name="Straight Connector 89"/>
+              <p:cNvCxnSpPr>
+                <a:stCxn id="80" idx="3"/>
+                <a:endCxn id="82" idx="1"/>
+              </p:cNvCxnSpPr>
+              <p:nvPr/>
+            </p:nvCxnSpPr>
+            <p:spPr>
+              <a:xfrm>
+                <a:off x="6251402" y="4999821"/>
+                <a:ext cx="679061" cy="366537"/>
+              </a:xfrm>
+              <a:prstGeom prst="line">
+                <a:avLst/>
+              </a:prstGeom>
+              <a:ln>
+                <a:solidFill>
+                  <a:srgbClr val="00FA00"/>
+                </a:solidFill>
+                <a:prstDash val="dash"/>
+                <a:tailEnd type="none"/>
+              </a:ln>
+            </p:spPr>
+            <p:style>
+              <a:lnRef idx="1">
+                <a:schemeClr val="accent1"/>
+              </a:lnRef>
+              <a:fillRef idx="0">
+                <a:schemeClr val="accent1"/>
+              </a:fillRef>
+              <a:effectRef idx="0">
+                <a:schemeClr val="accent1"/>
+              </a:effectRef>
+              <a:fontRef idx="minor">
+                <a:schemeClr val="tx1"/>
+              </a:fontRef>
+            </p:style>
+          </p:cxnSp>
+          <p:cxnSp>
+            <p:nvCxnSpPr>
+              <p:cNvPr id="92" name="Straight Connector 91"/>
+              <p:cNvCxnSpPr>
+                <a:stCxn id="79" idx="0"/>
+                <a:endCxn id="82" idx="2"/>
+              </p:cNvCxnSpPr>
+              <p:nvPr/>
+            </p:nvCxnSpPr>
+            <p:spPr>
+              <a:xfrm flipV="1">
+                <a:off x="6638273" y="5532093"/>
+                <a:ext cx="457925" cy="722670"/>
+              </a:xfrm>
+              <a:prstGeom prst="line">
+                <a:avLst/>
+              </a:prstGeom>
+              <a:ln>
+                <a:solidFill>
+                  <a:srgbClr val="00FA00"/>
+                </a:solidFill>
+                <a:prstDash val="dash"/>
+                <a:tailEnd type="none"/>
+              </a:ln>
+            </p:spPr>
+            <p:style>
+              <a:lnRef idx="1">
+                <a:schemeClr val="accent1"/>
+              </a:lnRef>
+              <a:fillRef idx="0">
+                <a:schemeClr val="accent1"/>
+              </a:fillRef>
+              <a:effectRef idx="0">
+                <a:schemeClr val="accent1"/>
+              </a:effectRef>
+              <a:fontRef idx="minor">
+                <a:schemeClr val="tx1"/>
+              </a:fontRef>
+            </p:style>
+          </p:cxnSp>
+          <p:cxnSp>
+            <p:nvCxnSpPr>
+              <p:cNvPr id="94" name="Straight Connector 93"/>
+              <p:cNvCxnSpPr>
+                <a:stCxn id="78" idx="2"/>
+                <a:endCxn id="79" idx="0"/>
+              </p:cNvCxnSpPr>
+              <p:nvPr/>
+            </p:nvCxnSpPr>
+            <p:spPr>
+              <a:xfrm>
+                <a:off x="6141068" y="5977836"/>
+                <a:ext cx="497205" cy="276927"/>
+              </a:xfrm>
+              <a:prstGeom prst="line">
+                <a:avLst/>
+              </a:prstGeom>
+              <a:ln>
+                <a:solidFill>
+                  <a:srgbClr val="00FA00"/>
+                </a:solidFill>
+                <a:prstDash val="dash"/>
+                <a:tailEnd type="none"/>
+              </a:ln>
+            </p:spPr>
+            <p:style>
+              <a:lnRef idx="1">
+                <a:schemeClr val="accent1"/>
+              </a:lnRef>
+              <a:fillRef idx="0">
+                <a:schemeClr val="accent1"/>
+              </a:fillRef>
+              <a:effectRef idx="0">
+                <a:schemeClr val="accent1"/>
+              </a:effectRef>
+              <a:fontRef idx="minor">
+                <a:schemeClr val="tx1"/>
+              </a:fontRef>
+            </p:style>
+          </p:cxnSp>
+          <p:cxnSp>
+            <p:nvCxnSpPr>
+              <p:cNvPr id="96" name="Straight Connector 95"/>
+              <p:cNvCxnSpPr>
+                <a:stCxn id="55" idx="2"/>
+                <a:endCxn id="76" idx="1"/>
+              </p:cNvCxnSpPr>
+              <p:nvPr/>
+            </p:nvCxnSpPr>
+            <p:spPr>
+              <a:xfrm>
+                <a:off x="4827294" y="6059163"/>
+                <a:ext cx="501488" cy="200741"/>
+              </a:xfrm>
+              <a:prstGeom prst="line">
+                <a:avLst/>
+              </a:prstGeom>
+              <a:ln>
+                <a:solidFill>
+                  <a:srgbClr val="00FA00"/>
+                </a:solidFill>
+                <a:prstDash val="dash"/>
+                <a:tailEnd type="none"/>
+              </a:ln>
+            </p:spPr>
+            <p:style>
+              <a:lnRef idx="1">
+                <a:schemeClr val="accent1"/>
+              </a:lnRef>
+              <a:fillRef idx="0">
+                <a:schemeClr val="accent1"/>
+              </a:fillRef>
+              <a:effectRef idx="0">
+                <a:schemeClr val="accent1"/>
+              </a:effectRef>
+              <a:fontRef idx="minor">
+                <a:schemeClr val="tx1"/>
+              </a:fontRef>
+            </p:style>
+          </p:cxnSp>
+          <p:cxnSp>
+            <p:nvCxnSpPr>
+              <p:cNvPr id="103" name="Straight Arrow Connector 102"/>
+              <p:cNvCxnSpPr>
+                <a:stCxn id="76" idx="3"/>
+                <a:endCxn id="78" idx="2"/>
+              </p:cNvCxnSpPr>
+              <p:nvPr/>
+            </p:nvCxnSpPr>
+            <p:spPr>
+              <a:xfrm flipV="1">
+                <a:off x="5660252" y="5977836"/>
+                <a:ext cx="480816" cy="282068"/>
+              </a:xfrm>
+              <a:prstGeom prst="straightConnector1">
+                <a:avLst/>
+              </a:prstGeom>
+              <a:ln>
+                <a:solidFill>
+                  <a:srgbClr val="00FA00"/>
+                </a:solidFill>
+                <a:prstDash val="dash"/>
+                <a:tailEnd type="none"/>
+              </a:ln>
+            </p:spPr>
+            <p:style>
+              <a:lnRef idx="1">
+                <a:schemeClr val="accent1"/>
+              </a:lnRef>
+              <a:fillRef idx="0">
+                <a:schemeClr val="accent1"/>
+              </a:fillRef>
+              <a:effectRef idx="0">
+                <a:schemeClr val="accent1"/>
+              </a:effectRef>
+              <a:fontRef idx="minor">
+                <a:schemeClr val="tx1"/>
+              </a:fontRef>
+            </p:style>
+          </p:cxnSp>
+          <p:cxnSp>
+            <p:nvCxnSpPr>
+              <p:cNvPr id="105" name="Straight Connector 104"/>
+              <p:cNvCxnSpPr>
+                <a:stCxn id="78" idx="1"/>
+                <a:endCxn id="77" idx="2"/>
+              </p:cNvCxnSpPr>
+              <p:nvPr/>
+            </p:nvCxnSpPr>
+            <p:spPr>
+              <a:xfrm flipH="1" flipV="1">
+                <a:off x="5069050" y="5246883"/>
+                <a:ext cx="906283" cy="565218"/>
+              </a:xfrm>
+              <a:prstGeom prst="line">
+                <a:avLst/>
+              </a:prstGeom>
+              <a:ln>
+                <a:solidFill>
+                  <a:srgbClr val="00FA00"/>
+                </a:solidFill>
+                <a:prstDash val="dash"/>
+                <a:tailEnd type="none"/>
+              </a:ln>
+            </p:spPr>
+            <p:style>
+              <a:lnRef idx="1">
+                <a:schemeClr val="accent1"/>
+              </a:lnRef>
+              <a:fillRef idx="0">
+                <a:schemeClr val="accent1"/>
+              </a:fillRef>
+              <a:effectRef idx="0">
+                <a:schemeClr val="accent1"/>
+              </a:effectRef>
+              <a:fontRef idx="minor">
+                <a:schemeClr val="tx1"/>
+              </a:fontRef>
+            </p:style>
+          </p:cxnSp>
+          <p:cxnSp>
+            <p:nvCxnSpPr>
+              <p:cNvPr id="107" name="Straight Connector 106"/>
+              <p:cNvCxnSpPr>
+                <a:stCxn id="55" idx="3"/>
+                <a:endCxn id="78" idx="1"/>
+              </p:cNvCxnSpPr>
+              <p:nvPr/>
+            </p:nvCxnSpPr>
+            <p:spPr>
+              <a:xfrm flipV="1">
+                <a:off x="4993029" y="5812101"/>
+                <a:ext cx="982304" cy="81327"/>
+              </a:xfrm>
+              <a:prstGeom prst="line">
+                <a:avLst/>
+              </a:prstGeom>
+              <a:ln>
+                <a:solidFill>
+                  <a:srgbClr val="00FA00"/>
+                </a:solidFill>
+                <a:prstDash val="dash"/>
+                <a:tailEnd type="none"/>
+              </a:ln>
+            </p:spPr>
+            <p:style>
+              <a:lnRef idx="1">
+                <a:schemeClr val="accent1"/>
+              </a:lnRef>
+              <a:fillRef idx="0">
+                <a:schemeClr val="accent1"/>
+              </a:fillRef>
+              <a:effectRef idx="0">
+                <a:schemeClr val="accent1"/>
+              </a:effectRef>
+              <a:fontRef idx="minor">
+                <a:schemeClr val="tx1"/>
+              </a:fontRef>
+            </p:style>
+          </p:cxnSp>
+          <p:cxnSp>
+            <p:nvCxnSpPr>
+              <p:cNvPr id="109" name="Straight Connector 108"/>
+              <p:cNvCxnSpPr>
+                <a:stCxn id="55" idx="3"/>
+                <a:endCxn id="80" idx="1"/>
+              </p:cNvCxnSpPr>
+              <p:nvPr/>
+            </p:nvCxnSpPr>
+            <p:spPr>
+              <a:xfrm flipV="1">
+                <a:off x="4993029" y="4999821"/>
+                <a:ext cx="926903" cy="893607"/>
+              </a:xfrm>
+              <a:prstGeom prst="line">
+                <a:avLst/>
+              </a:prstGeom>
+              <a:ln>
+                <a:solidFill>
+                  <a:srgbClr val="00FA00"/>
+                </a:solidFill>
+                <a:prstDash val="dash"/>
+                <a:tailEnd type="none"/>
+              </a:ln>
+            </p:spPr>
+            <p:style>
+              <a:lnRef idx="1">
+                <a:schemeClr val="accent1"/>
+              </a:lnRef>
+              <a:fillRef idx="0">
+                <a:schemeClr val="accent1"/>
+              </a:fillRef>
+              <a:effectRef idx="0">
+                <a:schemeClr val="accent1"/>
+              </a:effectRef>
+              <a:fontRef idx="minor">
+                <a:schemeClr val="tx1"/>
+              </a:fontRef>
+            </p:style>
+          </p:cxnSp>
+          <p:cxnSp>
+            <p:nvCxnSpPr>
+              <p:cNvPr id="111" name="Straight Connector 110"/>
+              <p:cNvCxnSpPr>
+                <a:stCxn id="76" idx="0"/>
+                <a:endCxn id="77" idx="2"/>
+              </p:cNvCxnSpPr>
+              <p:nvPr/>
+            </p:nvCxnSpPr>
+            <p:spPr>
+              <a:xfrm flipH="1" flipV="1">
+                <a:off x="5069050" y="5246883"/>
+                <a:ext cx="425467" cy="847286"/>
+              </a:xfrm>
+              <a:prstGeom prst="line">
+                <a:avLst/>
+              </a:prstGeom>
+              <a:ln>
+                <a:solidFill>
+                  <a:srgbClr val="00FA00"/>
+                </a:solidFill>
+                <a:prstDash val="dash"/>
+                <a:tailEnd type="none"/>
+              </a:ln>
+            </p:spPr>
+            <p:style>
+              <a:lnRef idx="1">
+                <a:schemeClr val="accent1"/>
+              </a:lnRef>
+              <a:fillRef idx="0">
+                <a:schemeClr val="accent1"/>
+              </a:fillRef>
+              <a:effectRef idx="0">
+                <a:schemeClr val="accent1"/>
+              </a:effectRef>
+              <a:fontRef idx="minor">
+                <a:schemeClr val="tx1"/>
+              </a:fontRef>
+            </p:style>
+          </p:cxnSp>
+          <p:cxnSp>
+            <p:nvCxnSpPr>
+              <p:cNvPr id="117" name="Straight Connector 116"/>
+              <p:cNvCxnSpPr>
+                <a:stCxn id="80" idx="2"/>
+                <a:endCxn id="78" idx="0"/>
+              </p:cNvCxnSpPr>
+              <p:nvPr/>
+            </p:nvCxnSpPr>
+            <p:spPr>
+              <a:xfrm>
+                <a:off x="6085667" y="5165556"/>
+                <a:ext cx="55401" cy="480810"/>
+              </a:xfrm>
+              <a:prstGeom prst="line">
+                <a:avLst/>
+              </a:prstGeom>
+              <a:ln>
+                <a:solidFill>
+                  <a:srgbClr val="00FA00"/>
+                </a:solidFill>
+                <a:prstDash val="dash"/>
+                <a:tailEnd type="none"/>
+              </a:ln>
+            </p:spPr>
+            <p:style>
+              <a:lnRef idx="1">
+                <a:schemeClr val="accent1"/>
+              </a:lnRef>
+              <a:fillRef idx="0">
+                <a:schemeClr val="accent1"/>
+              </a:fillRef>
+              <a:effectRef idx="0">
+                <a:schemeClr val="accent1"/>
+              </a:effectRef>
+              <a:fontRef idx="minor">
+                <a:schemeClr val="tx1"/>
+              </a:fontRef>
+            </p:style>
+          </p:cxnSp>
+          <p:cxnSp>
+            <p:nvCxnSpPr>
+              <p:cNvPr id="119" name="Straight Connector 118"/>
+              <p:cNvCxnSpPr>
+                <a:stCxn id="79" idx="1"/>
+                <a:endCxn id="76" idx="3"/>
+              </p:cNvCxnSpPr>
+              <p:nvPr/>
+            </p:nvCxnSpPr>
+            <p:spPr>
+              <a:xfrm flipH="1" flipV="1">
+                <a:off x="5660252" y="6259904"/>
+                <a:ext cx="812286" cy="160594"/>
+              </a:xfrm>
+              <a:prstGeom prst="line">
+                <a:avLst/>
+              </a:prstGeom>
+              <a:ln>
+                <a:solidFill>
+                  <a:srgbClr val="00FA00"/>
+                </a:solidFill>
+                <a:prstDash val="dash"/>
+                <a:tailEnd type="none"/>
+              </a:ln>
+            </p:spPr>
+            <p:style>
+              <a:lnRef idx="1">
+                <a:schemeClr val="accent1"/>
+              </a:lnRef>
+              <a:fillRef idx="0">
+                <a:schemeClr val="accent1"/>
+              </a:fillRef>
+              <a:effectRef idx="0">
+                <a:schemeClr val="accent1"/>
+              </a:effectRef>
+              <a:fontRef idx="minor">
+                <a:schemeClr val="tx1"/>
+              </a:fontRef>
+            </p:style>
+          </p:cxnSp>
+          <p:cxnSp>
+            <p:nvCxnSpPr>
+              <p:cNvPr id="121" name="Straight Connector 120"/>
+              <p:cNvCxnSpPr>
+                <a:stCxn id="78" idx="3"/>
+                <a:endCxn id="82" idx="1"/>
+              </p:cNvCxnSpPr>
+              <p:nvPr/>
+            </p:nvCxnSpPr>
+            <p:spPr>
+              <a:xfrm flipV="1">
+                <a:off x="6306803" y="5366358"/>
+                <a:ext cx="623660" cy="445743"/>
+              </a:xfrm>
+              <a:prstGeom prst="line">
+                <a:avLst/>
+              </a:prstGeom>
+              <a:ln>
+                <a:solidFill>
+                  <a:srgbClr val="00FA00"/>
+                </a:solidFill>
+                <a:prstDash val="dash"/>
+                <a:tailEnd type="none"/>
+              </a:ln>
+            </p:spPr>
+            <p:style>
+              <a:lnRef idx="1">
+                <a:schemeClr val="accent1"/>
+              </a:lnRef>
+              <a:fillRef idx="0">
+                <a:schemeClr val="accent1"/>
+              </a:fillRef>
+              <a:effectRef idx="0">
+                <a:schemeClr val="accent1"/>
+              </a:effectRef>
+              <a:fontRef idx="minor">
+                <a:schemeClr val="tx1"/>
+              </a:fontRef>
+            </p:style>
+          </p:cxnSp>
+        </p:grpSp>
+        <p:pic>
+          <p:nvPicPr>
+            <p:cNvPr id="151" name="Picture 150"/>
+            <p:cNvPicPr>
+              <a:picLocks noChangeAspect="1"/>
+            </p:cNvPicPr>
+            <p:nvPr/>
+          </p:nvPicPr>
+          <p:blipFill>
+            <a:blip r:embed="rId4"/>
+            <a:stretch>
+              <a:fillRect/>
+            </a:stretch>
+          </p:blipFill>
+          <p:spPr>
+            <a:xfrm>
+              <a:off x="2403585" y="3373142"/>
+              <a:ext cx="1124911" cy="913990"/>
+            </a:xfrm>
+            <a:prstGeom prst="rect">
+              <a:avLst/>
+            </a:prstGeom>
+          </p:spPr>
+        </p:pic>
+        <p:pic>
+          <p:nvPicPr>
+            <p:cNvPr id="152" name="Picture 151"/>
+            <p:cNvPicPr>
+              <a:picLocks noChangeAspect="1"/>
+            </p:cNvPicPr>
+            <p:nvPr/>
+          </p:nvPicPr>
+          <p:blipFill>
+            <a:blip r:embed="rId4"/>
+            <a:stretch>
+              <a:fillRect/>
+            </a:stretch>
+          </p:blipFill>
+          <p:spPr>
+            <a:xfrm>
+              <a:off x="3377246" y="3229267"/>
+              <a:ext cx="1124911" cy="913990"/>
+            </a:xfrm>
+            <a:prstGeom prst="rect">
+              <a:avLst/>
+            </a:prstGeom>
+          </p:spPr>
+        </p:pic>
+        <p:cxnSp>
+          <p:nvCxnSpPr>
+            <p:cNvPr id="154" name="Straight Arrow Connector 153"/>
+            <p:cNvCxnSpPr/>
+            <p:nvPr/>
+          </p:nvCxnSpPr>
+          <p:spPr>
+            <a:xfrm>
+              <a:off x="6022747" y="2398033"/>
+              <a:ext cx="0" cy="691045"/>
+            </a:xfrm>
+            <a:prstGeom prst="straightConnector1">
+              <a:avLst/>
+            </a:prstGeom>
+            <a:ln>
+              <a:solidFill>
+                <a:srgbClr val="00FA00"/>
+              </a:solidFill>
+              <a:tailEnd type="triangle"/>
+            </a:ln>
+          </p:spPr>
+          <p:style>
+            <a:lnRef idx="1">
+              <a:schemeClr val="accent1"/>
+            </a:lnRef>
+            <a:fillRef idx="0">
+              <a:schemeClr val="accent1"/>
+            </a:fillRef>
+            <a:effectRef idx="0">
+              <a:schemeClr val="accent1"/>
+            </a:effectRef>
+            <a:fontRef idx="minor">
+              <a:schemeClr val="tx1"/>
+            </a:fontRef>
+          </p:style>
+        </p:cxnSp>
+        <p:cxnSp>
+          <p:nvCxnSpPr>
+            <p:cNvPr id="156" name="Straight Arrow Connector 155"/>
+            <p:cNvCxnSpPr/>
+            <p:nvPr/>
+          </p:nvCxnSpPr>
+          <p:spPr>
+            <a:xfrm flipV="1">
+              <a:off x="6192965" y="2440619"/>
+              <a:ext cx="2500" cy="605874"/>
+            </a:xfrm>
+            <a:prstGeom prst="straightConnector1">
+              <a:avLst/>
+            </a:prstGeom>
+            <a:ln>
+              <a:solidFill>
+                <a:srgbClr val="00FA00"/>
+              </a:solidFill>
+              <a:prstDash val="dash"/>
+              <a:tailEnd type="triangle"/>
+            </a:ln>
+          </p:spPr>
+          <p:style>
+            <a:lnRef idx="1">
+              <a:schemeClr val="accent1"/>
+            </a:lnRef>
+            <a:fillRef idx="0">
+              <a:schemeClr val="accent1"/>
+            </a:fillRef>
+            <a:effectRef idx="0">
+              <a:schemeClr val="accent1"/>
+            </a:effectRef>
+            <a:fontRef idx="minor">
+              <a:schemeClr val="tx1"/>
+            </a:fontRef>
+          </p:style>
+        </p:cxnSp>
+        <p:cxnSp>
+          <p:nvCxnSpPr>
+            <p:cNvPr id="172" name="Straight Arrow Connector 171"/>
+            <p:cNvCxnSpPr/>
+            <p:nvPr/>
+          </p:nvCxnSpPr>
+          <p:spPr>
+            <a:xfrm>
+              <a:off x="6030997" y="3746125"/>
+              <a:ext cx="0" cy="538723"/>
+            </a:xfrm>
+            <a:prstGeom prst="straightConnector1">
+              <a:avLst/>
+            </a:prstGeom>
+            <a:ln>
+              <a:solidFill>
+                <a:srgbClr val="00FA00"/>
+              </a:solidFill>
+              <a:tailEnd type="triangle"/>
+            </a:ln>
+          </p:spPr>
+          <p:style>
+            <a:lnRef idx="1">
+              <a:schemeClr val="accent1"/>
+            </a:lnRef>
+            <a:fillRef idx="0">
+              <a:schemeClr val="accent1"/>
+            </a:fillRef>
+            <a:effectRef idx="0">
+              <a:schemeClr val="accent1"/>
+            </a:effectRef>
+            <a:fontRef idx="minor">
+              <a:schemeClr val="tx1"/>
+            </a:fontRef>
+          </p:style>
+        </p:cxnSp>
+        <p:cxnSp>
+          <p:nvCxnSpPr>
+            <p:cNvPr id="173" name="Straight Arrow Connector 172"/>
+            <p:cNvCxnSpPr/>
+            <p:nvPr/>
+          </p:nvCxnSpPr>
+          <p:spPr>
+            <a:xfrm flipV="1">
+              <a:off x="6203715" y="3788711"/>
+              <a:ext cx="0" cy="496137"/>
+            </a:xfrm>
+            <a:prstGeom prst="straightConnector1">
+              <a:avLst/>
+            </a:prstGeom>
+            <a:ln>
+              <a:solidFill>
+                <a:srgbClr val="00FA00"/>
+              </a:solidFill>
+              <a:prstDash val="dash"/>
+              <a:tailEnd type="triangle"/>
+            </a:ln>
+          </p:spPr>
+          <p:style>
+            <a:lnRef idx="1">
+              <a:schemeClr val="accent1"/>
+            </a:lnRef>
+            <a:fillRef idx="0">
+              <a:schemeClr val="accent1"/>
+            </a:fillRef>
+            <a:effectRef idx="0">
+              <a:schemeClr val="accent1"/>
+            </a:effectRef>
+            <a:fontRef idx="minor">
+              <a:schemeClr val="tx1"/>
+            </a:fontRef>
+          </p:style>
+        </p:cxnSp>
+        <p:cxnSp>
+          <p:nvCxnSpPr>
+            <p:cNvPr id="180" name="Straight Arrow Connector 179"/>
+            <p:cNvCxnSpPr/>
+            <p:nvPr/>
+          </p:nvCxnSpPr>
+          <p:spPr>
+            <a:xfrm flipH="1">
+              <a:off x="7064072" y="2031212"/>
+              <a:ext cx="1418879" cy="0"/>
+            </a:xfrm>
+            <a:prstGeom prst="straightConnector1">
+              <a:avLst/>
+            </a:prstGeom>
+            <a:ln>
+              <a:solidFill>
+                <a:srgbClr val="00FA00"/>
+              </a:solidFill>
+              <a:tailEnd type="triangle"/>
+            </a:ln>
+          </p:spPr>
+          <p:style>
+            <a:lnRef idx="1">
+              <a:schemeClr val="accent1"/>
+            </a:lnRef>
+            <a:fillRef idx="0">
+              <a:schemeClr val="accent1"/>
+            </a:fillRef>
+            <a:effectRef idx="0">
+              <a:schemeClr val="accent1"/>
+            </a:effectRef>
+            <a:fontRef idx="minor">
+              <a:schemeClr val="tx1"/>
+            </a:fontRef>
+          </p:style>
+        </p:cxnSp>
+        <p:cxnSp>
+          <p:nvCxnSpPr>
+            <p:cNvPr id="182" name="Straight Arrow Connector 181"/>
+            <p:cNvCxnSpPr/>
+            <p:nvPr/>
+          </p:nvCxnSpPr>
+          <p:spPr>
+            <a:xfrm>
+              <a:off x="7064072" y="1835273"/>
+              <a:ext cx="1418879" cy="0"/>
+            </a:xfrm>
+            <a:prstGeom prst="straightConnector1">
+              <a:avLst/>
+            </a:prstGeom>
+            <a:ln>
+              <a:solidFill>
+                <a:srgbClr val="00FA00"/>
+              </a:solidFill>
+              <a:prstDash val="dash"/>
+              <a:tailEnd type="triangle"/>
+            </a:ln>
+          </p:spPr>
+          <p:style>
+            <a:lnRef idx="1">
+              <a:schemeClr val="accent1"/>
+            </a:lnRef>
+            <a:fillRef idx="0">
+              <a:schemeClr val="accent1"/>
+            </a:fillRef>
+            <a:effectRef idx="0">
+              <a:schemeClr val="accent1"/>
+            </a:effectRef>
+            <a:fontRef idx="minor">
+              <a:schemeClr val="tx1"/>
+            </a:fontRef>
+          </p:style>
+        </p:cxnSp>
+        <p:cxnSp>
+          <p:nvCxnSpPr>
+            <p:cNvPr id="186" name="Straight Arrow Connector 185"/>
+            <p:cNvCxnSpPr>
+              <a:endCxn id="42" idx="0"/>
+            </p:cNvCxnSpPr>
+            <p:nvPr/>
+          </p:nvCxnSpPr>
+          <p:spPr>
+            <a:xfrm flipH="1">
+              <a:off x="2051129" y="2387511"/>
+              <a:ext cx="973566" cy="591403"/>
+            </a:xfrm>
+            <a:prstGeom prst="straightConnector1">
+              <a:avLst/>
+            </a:prstGeom>
+            <a:ln>
+              <a:solidFill>
+                <a:srgbClr val="00FA00"/>
+              </a:solidFill>
+              <a:tailEnd type="triangle"/>
+            </a:ln>
+          </p:spPr>
+          <p:style>
+            <a:lnRef idx="1">
+              <a:schemeClr val="accent1"/>
+            </a:lnRef>
+            <a:fillRef idx="0">
+              <a:schemeClr val="accent1"/>
+            </a:fillRef>
+            <a:effectRef idx="0">
+              <a:schemeClr val="accent1"/>
+            </a:effectRef>
+            <a:fontRef idx="minor">
+              <a:schemeClr val="tx1"/>
+            </a:fontRef>
+          </p:style>
+        </p:cxnSp>
+        <p:cxnSp>
+          <p:nvCxnSpPr>
+            <p:cNvPr id="189" name="Straight Arrow Connector 188"/>
+            <p:cNvCxnSpPr>
+              <a:endCxn id="151" idx="0"/>
+            </p:cNvCxnSpPr>
+            <p:nvPr/>
+          </p:nvCxnSpPr>
+          <p:spPr>
+            <a:xfrm flipH="1">
+              <a:off x="2966041" y="2387511"/>
+              <a:ext cx="58654" cy="985631"/>
+            </a:xfrm>
+            <a:prstGeom prst="straightConnector1">
+              <a:avLst/>
+            </a:prstGeom>
+            <a:ln>
+              <a:solidFill>
+                <a:srgbClr val="00FA00"/>
+              </a:solidFill>
+              <a:tailEnd type="triangle"/>
+            </a:ln>
+          </p:spPr>
+          <p:style>
+            <a:lnRef idx="1">
+              <a:schemeClr val="accent1"/>
+            </a:lnRef>
+            <a:fillRef idx="0">
+              <a:schemeClr val="accent1"/>
+            </a:fillRef>
+            <a:effectRef idx="0">
+              <a:schemeClr val="accent1"/>
+            </a:effectRef>
+            <a:fontRef idx="minor">
+              <a:schemeClr val="tx1"/>
+            </a:fontRef>
+          </p:style>
+        </p:cxnSp>
+        <p:cxnSp>
+          <p:nvCxnSpPr>
+            <p:cNvPr id="192" name="Straight Arrow Connector 191"/>
+            <p:cNvCxnSpPr>
+              <a:endCxn id="152" idx="0"/>
+            </p:cNvCxnSpPr>
+            <p:nvPr/>
+          </p:nvCxnSpPr>
+          <p:spPr>
+            <a:xfrm>
+              <a:off x="3024695" y="2398033"/>
+              <a:ext cx="915007" cy="831234"/>
+            </a:xfrm>
+            <a:prstGeom prst="straightConnector1">
+              <a:avLst/>
+            </a:prstGeom>
+            <a:ln>
+              <a:solidFill>
+                <a:srgbClr val="00FA00"/>
+              </a:solidFill>
+              <a:tailEnd type="triangle"/>
+            </a:ln>
+          </p:spPr>
+          <p:style>
+            <a:lnRef idx="1">
+              <a:schemeClr val="accent1"/>
+            </a:lnRef>
+            <a:fillRef idx="0">
+              <a:schemeClr val="accent1"/>
+            </a:fillRef>
+            <a:effectRef idx="0">
+              <a:schemeClr val="accent1"/>
+            </a:effectRef>
+            <a:fontRef idx="minor">
+              <a:schemeClr val="tx1"/>
+            </a:fontRef>
+          </p:style>
+        </p:cxnSp>
+        <p:sp>
+          <p:nvSpPr>
+            <p:cNvPr id="201" name="TextBox 200"/>
+            <p:cNvSpPr txBox="1"/>
+            <p:nvPr/>
+          </p:nvSpPr>
+          <p:spPr>
+            <a:xfrm>
+              <a:off x="8305733" y="2558889"/>
+              <a:ext cx="1795811" cy="369332"/>
+            </a:xfrm>
+            <a:prstGeom prst="rect">
+              <a:avLst/>
+            </a:prstGeom>
+            <a:noFill/>
+          </p:spPr>
+          <p:txBody>
+            <a:bodyPr wrap="square" rtlCol="0">
+              <a:spAutoFit/>
+            </a:bodyPr>
+            <a:lstStyle/>
+            <a:p>
+              <a:pPr algn="ctr"/>
+              <a:r>
+                <a:rPr lang="en-US" dirty="0" smtClean="0"/>
+                <a:t>Web interface</a:t>
+              </a:r>
+            </a:p>
+          </p:txBody>
+        </p:sp>
+        <p:sp>
+          <p:nvSpPr>
+            <p:cNvPr id="203" name="TextBox 202"/>
+            <p:cNvSpPr txBox="1"/>
+            <p:nvPr/>
+          </p:nvSpPr>
+          <p:spPr>
+            <a:xfrm>
+              <a:off x="4995586" y="6136688"/>
+              <a:ext cx="2268904" cy="646331"/>
+            </a:xfrm>
+            <a:prstGeom prst="rect">
+              <a:avLst/>
+            </a:prstGeom>
+            <a:noFill/>
+          </p:spPr>
+          <p:txBody>
+            <a:bodyPr wrap="square" rtlCol="0">
+              <a:spAutoFit/>
+            </a:bodyPr>
+            <a:lstStyle/>
+            <a:p>
+              <a:pPr algn="ctr"/>
+              <a:r>
+                <a:rPr lang="en-US" dirty="0" err="1" smtClean="0"/>
+                <a:t>Blockchain</a:t>
+              </a:r>
+              <a:r>
+                <a:rPr lang="en-US" dirty="0" smtClean="0"/>
+                <a:t> on Amazon Servers</a:t>
+              </a:r>
+              <a:endParaRPr lang="en-US" dirty="0"/>
+            </a:p>
+          </p:txBody>
+        </p:sp>
+        <p:grpSp>
+          <p:nvGrpSpPr>
+            <p:cNvPr id="208" name="Group 207"/>
+            <p:cNvGrpSpPr/>
+            <p:nvPr/>
+          </p:nvGrpSpPr>
+          <p:grpSpPr>
+            <a:xfrm>
+              <a:off x="4928239" y="1334150"/>
+              <a:ext cx="2127132" cy="1129136"/>
+              <a:chOff x="4928239" y="1720649"/>
+              <a:chExt cx="2127132" cy="1129136"/>
+            </a:xfrm>
+          </p:grpSpPr>
+          <p:sp>
+            <p:nvSpPr>
+              <p:cNvPr id="209" name="Rounded Rectangle 208"/>
+              <p:cNvSpPr/>
+              <p:nvPr/>
+            </p:nvSpPr>
+            <p:spPr>
+              <a:xfrm>
+                <a:off x="4928239" y="1720649"/>
+                <a:ext cx="1898129" cy="889169"/>
+              </a:xfrm>
+              <a:prstGeom prst="roundRect">
+                <a:avLst/>
+              </a:prstGeom>
+              <a:solidFill>
+                <a:schemeClr val="bg1"/>
+              </a:solidFill>
+              <a:ln>
+                <a:solidFill>
+                  <a:srgbClr val="00FA00"/>
+                </a:solidFill>
+              </a:ln>
+            </p:spPr>
+            <p:style>
+              <a:lnRef idx="2">
+                <a:schemeClr val="accent1">
+                  <a:shade val="50000"/>
+                </a:schemeClr>
+              </a:lnRef>
+              <a:fillRef idx="1">
+                <a:schemeClr val="accent1"/>
+              </a:fillRef>
+              <a:effectRef idx="0">
+                <a:schemeClr val="accent1"/>
+              </a:effectRef>
+              <a:fontRef idx="minor">
+                <a:schemeClr val="lt1"/>
+              </a:fontRef>
+            </p:style>
+            <p:txBody>
+              <a:bodyPr rtlCol="0" anchor="ctr"/>
+              <a:lstStyle/>
+              <a:p>
+                <a:pPr algn="ctr"/>
+                <a:endParaRPr lang="en-US" dirty="0"/>
+              </a:p>
+            </p:txBody>
+          </p:sp>
+          <p:sp>
+            <p:nvSpPr>
+              <p:cNvPr id="210" name="Rounded Rectangle 209"/>
+              <p:cNvSpPr/>
+              <p:nvPr/>
+            </p:nvSpPr>
+            <p:spPr>
+              <a:xfrm>
+                <a:off x="5049469" y="1849659"/>
+                <a:ext cx="1898129" cy="889169"/>
+              </a:xfrm>
+              <a:prstGeom prst="roundRect">
+                <a:avLst/>
+              </a:prstGeom>
+              <a:solidFill>
+                <a:schemeClr val="bg1"/>
+              </a:solidFill>
+              <a:ln>
+                <a:solidFill>
+                  <a:srgbClr val="00FA00"/>
+                </a:solidFill>
+              </a:ln>
+            </p:spPr>
+            <p:style>
+              <a:lnRef idx="2">
+                <a:schemeClr val="accent1">
+                  <a:shade val="50000"/>
+                </a:schemeClr>
+              </a:lnRef>
+              <a:fillRef idx="1">
+                <a:schemeClr val="accent1"/>
+              </a:fillRef>
+              <a:effectRef idx="0">
+                <a:schemeClr val="accent1"/>
+              </a:effectRef>
+              <a:fontRef idx="minor">
+                <a:schemeClr val="lt1"/>
+              </a:fontRef>
+            </p:style>
+            <p:txBody>
+              <a:bodyPr rtlCol="0" anchor="ctr"/>
+              <a:lstStyle/>
+              <a:p>
+                <a:pPr algn="ctr"/>
+                <a:endParaRPr lang="en-US" dirty="0"/>
+              </a:p>
+            </p:txBody>
+          </p:sp>
+          <p:sp>
+            <p:nvSpPr>
+              <p:cNvPr id="211" name="Rounded Rectangle 210"/>
+              <p:cNvSpPr/>
+              <p:nvPr/>
+            </p:nvSpPr>
+            <p:spPr>
+              <a:xfrm>
+                <a:off x="5157242" y="1960616"/>
+                <a:ext cx="1898129" cy="889169"/>
+              </a:xfrm>
+              <a:prstGeom prst="roundRect">
+                <a:avLst/>
+              </a:prstGeom>
+              <a:solidFill>
+                <a:schemeClr val="bg1"/>
+              </a:solidFill>
+              <a:ln>
+                <a:solidFill>
+                  <a:srgbClr val="00FA00"/>
+                </a:solidFill>
+              </a:ln>
+            </p:spPr>
+            <p:style>
+              <a:lnRef idx="2">
+                <a:schemeClr val="accent1">
+                  <a:shade val="50000"/>
+                </a:schemeClr>
+              </a:lnRef>
+              <a:fillRef idx="1">
+                <a:schemeClr val="accent1"/>
+              </a:fillRef>
+              <a:effectRef idx="0">
+                <a:schemeClr val="accent1"/>
+              </a:effectRef>
+              <a:fontRef idx="minor">
+                <a:schemeClr val="lt1"/>
+              </a:fontRef>
+            </p:style>
+            <p:txBody>
+              <a:bodyPr rtlCol="0" anchor="ctr"/>
+              <a:lstStyle/>
+              <a:p>
+                <a:pPr algn="ctr"/>
+                <a:r>
+                  <a:rPr lang="en-US" dirty="0" smtClean="0"/>
+                  <a:t>User Servers</a:t>
+                </a:r>
+                <a:endParaRPr lang="en-US" dirty="0"/>
+              </a:p>
+            </p:txBody>
+          </p:sp>
+        </p:grpSp>
+        <p:cxnSp>
+          <p:nvCxnSpPr>
+            <p:cNvPr id="184" name="Straight Arrow Connector 183"/>
+            <p:cNvCxnSpPr/>
+            <p:nvPr/>
+          </p:nvCxnSpPr>
+          <p:spPr>
+            <a:xfrm>
+              <a:off x="3528496" y="1835273"/>
+              <a:ext cx="1637447" cy="0"/>
+            </a:xfrm>
+            <a:prstGeom prst="straightConnector1">
+              <a:avLst/>
+            </a:prstGeom>
+            <a:ln>
+              <a:solidFill>
+                <a:srgbClr val="00FA00"/>
+              </a:solidFill>
+              <a:prstDash val="dash"/>
+              <a:tailEnd type="triangle"/>
+            </a:ln>
+          </p:spPr>
+          <p:style>
+            <a:lnRef idx="1">
+              <a:schemeClr val="accent1"/>
+            </a:lnRef>
+            <a:fillRef idx="0">
+              <a:schemeClr val="accent1"/>
+            </a:fillRef>
+            <a:effectRef idx="0">
+              <a:schemeClr val="accent1"/>
+            </a:effectRef>
+            <a:fontRef idx="minor">
+              <a:schemeClr val="tx1"/>
+            </a:fontRef>
+          </p:style>
+        </p:cxnSp>
+        <p:cxnSp>
+          <p:nvCxnSpPr>
+            <p:cNvPr id="183" name="Straight Arrow Connector 182"/>
+            <p:cNvCxnSpPr/>
+            <p:nvPr/>
+          </p:nvCxnSpPr>
+          <p:spPr>
+            <a:xfrm flipH="1">
+              <a:off x="3482198" y="2031212"/>
+              <a:ext cx="1683746" cy="0"/>
+            </a:xfrm>
+            <a:prstGeom prst="straightConnector1">
+              <a:avLst/>
+            </a:prstGeom>
+            <a:ln>
+              <a:solidFill>
+                <a:srgbClr val="00FA00"/>
+              </a:solidFill>
+              <a:tailEnd type="triangle"/>
+            </a:ln>
+          </p:spPr>
+          <p:style>
+            <a:lnRef idx="1">
+              <a:schemeClr val="accent1"/>
+            </a:lnRef>
+            <a:fillRef idx="0">
+              <a:schemeClr val="accent1"/>
+            </a:fillRef>
+            <a:effectRef idx="0">
+              <a:schemeClr val="accent1"/>
+            </a:effectRef>
+            <a:fontRef idx="minor">
+              <a:schemeClr val="tx1"/>
+            </a:fontRef>
+          </p:style>
+        </p:cxnSp>
+      </p:grpSp>
+    </p:spTree>
+    <p:extLst>
+      <p:ext uri="{BB962C8B-B14F-4D97-AF65-F5344CB8AC3E}">
+        <p14:creationId xmlns:p14="http://schemas.microsoft.com/office/powerpoint/2010/main" val="1046743316"/>
+      </p:ext>
+    </p:extLst>
+  </p:cSld>
+  <p:clrMapOvr>
+    <a:masterClrMapping/>
+  </p:clrMapOvr>
+  <p:timing>
+    <p:tnLst>
+      <p:par>
+        <p:cTn id="1" dur="indefinite" restart="never" nodeType="tmRoot"/>
+      </p:par>
+    </p:tnLst>
+  </p:timing>
+</p:sld>
+</file>
+
+<file path=ppt/slides/slide2.xml><?xml version="1.0" encoding="utf-8"?>
+<p:sld xmlns:a="http://schemas.openxmlformats.org/drawingml/2006/main" xmlns:r="http://schemas.openxmlformats.org/officeDocument/2006/relationships" xmlns:p="http://schemas.openxmlformats.org/presentationml/2006/main">
+  <p:cSld>
+    <p:spTree>
+      <p:nvGrpSpPr>
+        <p:cNvPr id="1" name=""/>
+        <p:cNvGrpSpPr/>
+        <p:nvPr/>
+      </p:nvGrpSpPr>
+      <p:grpSpPr>
+        <a:xfrm>
+          <a:off x="0" y="0"/>
+          <a:ext cx="0" cy="0"/>
+          <a:chOff x="0" y="0"/>
+          <a:chExt cx="0" cy="0"/>
+        </a:xfrm>
+      </p:grpSpPr>
+      <p:sp>
+        <p:nvSpPr>
+          <p:cNvPr id="108" name="Oval 107"/>
+          <p:cNvSpPr/>
+          <p:nvPr/>
+        </p:nvSpPr>
+        <p:spPr>
+          <a:xfrm>
+            <a:off x="7701668" y="4659978"/>
+            <a:ext cx="1077380" cy="1077380"/>
+          </a:xfrm>
+          <a:prstGeom prst="ellipse">
+            <a:avLst/>
+          </a:prstGeom>
+          <a:blipFill>
+            <a:blip r:embed="rId3"/>
+            <a:srcRect/>
+            <a:stretch>
+              <a:fillRect l="-20784" r="-39216" b="1575"/>
+            </a:stretch>
+          </a:blipFill>
+          <a:ln>
+            <a:solidFill>
+              <a:srgbClr val="00FA00"/>
+            </a:solidFill>
+          </a:ln>
+        </p:spPr>
+        <p:style>
+          <a:lnRef idx="2">
+            <a:schemeClr val="accent1">
+              <a:shade val="50000"/>
+            </a:schemeClr>
+          </a:lnRef>
+          <a:fillRef idx="1">
+            <a:schemeClr val="accent1"/>
+          </a:fillRef>
+          <a:effectRef idx="0">
+            <a:schemeClr val="accent1"/>
+          </a:effectRef>
+          <a:fontRef idx="minor">
+            <a:schemeClr val="lt1"/>
+          </a:fontRef>
+        </p:style>
+        <p:txBody>
+          <a:bodyPr rtlCol="0" anchor="ctr"/>
+          <a:lstStyle/>
+          <a:p>
+            <a:pPr algn="ctr"/>
+            <a:endParaRPr lang="en-US" dirty="0"/>
+          </a:p>
+        </p:txBody>
+      </p:sp>
+      <p:sp>
+        <p:nvSpPr>
+          <p:cNvPr id="104" name="Oval 103"/>
+          <p:cNvSpPr/>
+          <p:nvPr/>
+        </p:nvSpPr>
+        <p:spPr>
+          <a:xfrm>
+            <a:off x="8779048" y="3745988"/>
+            <a:ext cx="1077380" cy="1077380"/>
+          </a:xfrm>
+          <a:prstGeom prst="ellipse">
+            <a:avLst/>
+          </a:prstGeom>
+          <a:blipFill>
+            <a:blip r:embed="rId4"/>
+            <a:srcRect/>
+            <a:stretch>
+              <a:fillRect l="-18672" r="-51328" b="1575"/>
+            </a:stretch>
+          </a:blipFill>
+          <a:ln>
+            <a:solidFill>
+              <a:srgbClr val="00FA00"/>
+            </a:solidFill>
+          </a:ln>
+        </p:spPr>
+        <p:style>
+          <a:lnRef idx="2">
+            <a:schemeClr val="accent1">
+              <a:shade val="50000"/>
+            </a:schemeClr>
+          </a:lnRef>
+          <a:fillRef idx="1">
+            <a:schemeClr val="accent1"/>
+          </a:fillRef>
+          <a:effectRef idx="0">
+            <a:schemeClr val="accent1"/>
+          </a:effectRef>
+          <a:fontRef idx="minor">
+            <a:schemeClr val="lt1"/>
+          </a:fontRef>
+        </p:style>
+        <p:txBody>
+          <a:bodyPr rtlCol="0" anchor="ctr"/>
+          <a:lstStyle/>
+          <a:p>
+            <a:pPr algn="ctr"/>
+            <a:endParaRPr lang="en-US" dirty="0"/>
+          </a:p>
+        </p:txBody>
+      </p:sp>
+      <p:sp>
+        <p:nvSpPr>
+          <p:cNvPr id="69" name="TextBox 68"/>
+          <p:cNvSpPr txBox="1"/>
+          <p:nvPr/>
+        </p:nvSpPr>
+        <p:spPr>
+          <a:xfrm>
+            <a:off x="416689" y="324091"/>
+            <a:ext cx="4375229" cy="830997"/>
+          </a:xfrm>
+          <a:prstGeom prst="rect">
+            <a:avLst/>
+          </a:prstGeom>
+          <a:noFill/>
+          <a:ln>
+            <a:noFill/>
+          </a:ln>
+        </p:spPr>
+        <p:txBody>
+          <a:bodyPr wrap="square" rtlCol="0">
+            <a:spAutoFit/>
+          </a:bodyPr>
+          <a:lstStyle/>
+          <a:p>
+            <a:r>
+              <a:rPr lang="en-US" sz="2400" dirty="0" smtClean="0"/>
+              <a:t>Demo overview</a:t>
+            </a:r>
+          </a:p>
+          <a:p>
+            <a:r>
+              <a:rPr lang="en-US" sz="2400" dirty="0" smtClean="0"/>
+              <a:t>“Tangible implementation”</a:t>
+            </a:r>
+            <a:endParaRPr lang="en-US" sz="2400" dirty="0"/>
+          </a:p>
+        </p:txBody>
+      </p:sp>
+      <p:sp>
+        <p:nvSpPr>
+          <p:cNvPr id="51" name="TextBox 50"/>
+          <p:cNvSpPr txBox="1"/>
+          <p:nvPr/>
+        </p:nvSpPr>
+        <p:spPr>
+          <a:xfrm>
+            <a:off x="8732520" y="6331415"/>
+            <a:ext cx="2868929" cy="369332"/>
+          </a:xfrm>
+          <a:prstGeom prst="rect">
+            <a:avLst/>
+          </a:prstGeom>
+          <a:noFill/>
+        </p:spPr>
+        <p:txBody>
+          <a:bodyPr wrap="square" rtlCol="0">
+            <a:spAutoFit/>
+          </a:bodyPr>
+          <a:lstStyle/>
+          <a:p>
+            <a:r>
+              <a:rPr lang="en-US" dirty="0" smtClean="0"/>
+              <a:t>*Pictures from the internet</a:t>
+            </a:r>
+            <a:endParaRPr lang="en-US" dirty="0"/>
+          </a:p>
+        </p:txBody>
+      </p:sp>
+      <p:pic>
+        <p:nvPicPr>
+          <p:cNvPr id="37" name="Picture 36"/>
+          <p:cNvPicPr>
+            <a:picLocks noChangeAspect="1"/>
+          </p:cNvPicPr>
+          <p:nvPr/>
+        </p:nvPicPr>
+        <p:blipFill>
+          <a:blip r:embed="rId5"/>
+          <a:stretch>
+            <a:fillRect/>
+          </a:stretch>
+        </p:blipFill>
+        <p:spPr>
+          <a:xfrm>
+            <a:off x="2394884" y="1811897"/>
+            <a:ext cx="1242219" cy="1205138"/>
+          </a:xfrm>
+          <a:prstGeom prst="rect">
+            <a:avLst/>
+          </a:prstGeom>
+        </p:spPr>
+      </p:pic>
+      <p:pic>
+        <p:nvPicPr>
+          <p:cNvPr id="38" name="Picture 37"/>
+          <p:cNvPicPr>
+            <a:picLocks noChangeAspect="1"/>
+          </p:cNvPicPr>
+          <p:nvPr/>
+        </p:nvPicPr>
+        <p:blipFill>
+          <a:blip r:embed="rId6"/>
+          <a:stretch>
+            <a:fillRect/>
+          </a:stretch>
+        </p:blipFill>
+        <p:spPr>
+          <a:xfrm>
+            <a:off x="1479972" y="3441188"/>
+            <a:ext cx="1124911" cy="913990"/>
+          </a:xfrm>
+          <a:prstGeom prst="rect">
+            <a:avLst/>
+          </a:prstGeom>
+        </p:spPr>
+      </p:pic>
+      <p:pic>
+        <p:nvPicPr>
+          <p:cNvPr id="39" name="Picture 38"/>
+          <p:cNvPicPr>
+            <a:picLocks noChangeAspect="1"/>
+          </p:cNvPicPr>
+          <p:nvPr/>
+        </p:nvPicPr>
+        <p:blipFill>
+          <a:blip r:embed="rId7"/>
+          <a:stretch>
+            <a:fillRect/>
+          </a:stretch>
+        </p:blipFill>
+        <p:spPr>
+          <a:xfrm>
+            <a:off x="8474248" y="1775339"/>
+            <a:ext cx="1441377" cy="1044415"/>
+          </a:xfrm>
+          <a:prstGeom prst="rect">
+            <a:avLst/>
+          </a:prstGeom>
+        </p:spPr>
+      </p:pic>
+      <p:grpSp>
+        <p:nvGrpSpPr>
+          <p:cNvPr id="41" name="Group 40"/>
+          <p:cNvGrpSpPr/>
+          <p:nvPr/>
+        </p:nvGrpSpPr>
+        <p:grpSpPr>
+          <a:xfrm>
+            <a:off x="4476243" y="3630309"/>
+            <a:ext cx="2600374" cy="1752147"/>
+            <a:chOff x="4661559" y="4834086"/>
+            <a:chExt cx="2600374" cy="1752147"/>
+          </a:xfrm>
+        </p:grpSpPr>
+        <p:sp>
+          <p:nvSpPr>
+            <p:cNvPr id="61" name="Rounded Rectangle 60"/>
+            <p:cNvSpPr/>
+            <p:nvPr/>
+          </p:nvSpPr>
+          <p:spPr>
+            <a:xfrm>
+              <a:off x="4661559" y="5727693"/>
+              <a:ext cx="331470" cy="331470"/>
+            </a:xfrm>
+            <a:prstGeom prst="roundRect">
+              <a:avLst/>
+            </a:prstGeom>
+          </p:spPr>
+          <p:style>
+            <a:lnRef idx="0">
+              <a:schemeClr val="accent3"/>
+            </a:lnRef>
+            <a:fillRef idx="3">
+              <a:schemeClr val="accent3"/>
+            </a:fillRef>
+            <a:effectRef idx="3">
+              <a:schemeClr val="accent3"/>
+            </a:effectRef>
+            <a:fontRef idx="minor">
+              <a:schemeClr val="lt1"/>
+            </a:fontRef>
+          </p:style>
+          <p:txBody>
+            <a:bodyPr rtlCol="0" anchor="ctr"/>
+            <a:lstStyle/>
+            <a:p>
+              <a:pPr algn="ctr"/>
+              <a:r>
+                <a:rPr lang="en-US" dirty="0" smtClean="0"/>
+                <a:t>e</a:t>
+              </a:r>
+              <a:endParaRPr lang="en-US" dirty="0"/>
+            </a:p>
+          </p:txBody>
+        </p:sp>
+        <p:sp>
+          <p:nvSpPr>
+            <p:cNvPr id="62" name="Rounded Rectangle 61"/>
+            <p:cNvSpPr/>
+            <p:nvPr/>
+          </p:nvSpPr>
+          <p:spPr>
+            <a:xfrm>
+              <a:off x="5328782" y="6094169"/>
+              <a:ext cx="331470" cy="331470"/>
+            </a:xfrm>
+            <a:prstGeom prst="roundRect">
+              <a:avLst/>
+            </a:prstGeom>
+          </p:spPr>
+          <p:style>
+            <a:lnRef idx="0">
+              <a:schemeClr val="accent3"/>
+            </a:lnRef>
+            <a:fillRef idx="3">
+              <a:schemeClr val="accent3"/>
+            </a:fillRef>
+            <a:effectRef idx="3">
+              <a:schemeClr val="accent3"/>
+            </a:effectRef>
+            <a:fontRef idx="minor">
+              <a:schemeClr val="lt1"/>
+            </a:fontRef>
+          </p:style>
+          <p:txBody>
+            <a:bodyPr rtlCol="0" anchor="ctr"/>
+            <a:lstStyle/>
+            <a:p>
+              <a:pPr algn="ctr"/>
+              <a:r>
+                <a:rPr lang="en-US" dirty="0" smtClean="0"/>
+                <a:t>e</a:t>
+              </a:r>
+              <a:endParaRPr lang="en-US" dirty="0"/>
+            </a:p>
+          </p:txBody>
+        </p:sp>
+        <p:sp>
+          <p:nvSpPr>
+            <p:cNvPr id="63" name="Rounded Rectangle 62"/>
+            <p:cNvSpPr/>
+            <p:nvPr/>
+          </p:nvSpPr>
+          <p:spPr>
+            <a:xfrm>
+              <a:off x="4903315" y="4915413"/>
+              <a:ext cx="331470" cy="331470"/>
+            </a:xfrm>
+            <a:prstGeom prst="roundRect">
+              <a:avLst/>
+            </a:prstGeom>
+          </p:spPr>
+          <p:style>
+            <a:lnRef idx="0">
+              <a:schemeClr val="accent3"/>
+            </a:lnRef>
+            <a:fillRef idx="3">
+              <a:schemeClr val="accent3"/>
+            </a:fillRef>
+            <a:effectRef idx="3">
+              <a:schemeClr val="accent3"/>
+            </a:effectRef>
+            <a:fontRef idx="minor">
+              <a:schemeClr val="lt1"/>
+            </a:fontRef>
+          </p:style>
+          <p:txBody>
+            <a:bodyPr rtlCol="0" anchor="ctr"/>
+            <a:lstStyle/>
+            <a:p>
+              <a:pPr algn="ctr"/>
+              <a:r>
+                <a:rPr lang="en-US" dirty="0"/>
+                <a:t>e</a:t>
+              </a:r>
+            </a:p>
+          </p:txBody>
+        </p:sp>
+        <p:sp>
+          <p:nvSpPr>
+            <p:cNvPr id="64" name="Rounded Rectangle 63"/>
+            <p:cNvSpPr/>
+            <p:nvPr/>
+          </p:nvSpPr>
+          <p:spPr>
+            <a:xfrm>
+              <a:off x="5975333" y="5646366"/>
+              <a:ext cx="331470" cy="331470"/>
+            </a:xfrm>
+            <a:prstGeom prst="roundRect">
+              <a:avLst/>
+            </a:prstGeom>
+          </p:spPr>
+          <p:style>
+            <a:lnRef idx="0">
+              <a:schemeClr val="accent3"/>
+            </a:lnRef>
+            <a:fillRef idx="3">
+              <a:schemeClr val="accent3"/>
+            </a:fillRef>
+            <a:effectRef idx="3">
+              <a:schemeClr val="accent3"/>
+            </a:effectRef>
+            <a:fontRef idx="minor">
+              <a:schemeClr val="lt1"/>
+            </a:fontRef>
+          </p:style>
+          <p:txBody>
+            <a:bodyPr rtlCol="0" anchor="ctr"/>
+            <a:lstStyle/>
+            <a:p>
+              <a:pPr algn="ctr"/>
+              <a:r>
+                <a:rPr lang="en-US" dirty="0" smtClean="0"/>
+                <a:t>e</a:t>
+              </a:r>
+              <a:endParaRPr lang="en-US" dirty="0"/>
+            </a:p>
+          </p:txBody>
+        </p:sp>
+        <p:sp>
+          <p:nvSpPr>
+            <p:cNvPr id="65" name="Rounded Rectangle 64"/>
+            <p:cNvSpPr/>
+            <p:nvPr/>
+          </p:nvSpPr>
+          <p:spPr>
+            <a:xfrm>
+              <a:off x="6472538" y="6254763"/>
+              <a:ext cx="331470" cy="331470"/>
+            </a:xfrm>
+            <a:prstGeom prst="roundRect">
+              <a:avLst/>
+            </a:prstGeom>
+          </p:spPr>
+          <p:style>
+            <a:lnRef idx="0">
+              <a:schemeClr val="accent3"/>
+            </a:lnRef>
+            <a:fillRef idx="3">
+              <a:schemeClr val="accent3"/>
+            </a:fillRef>
+            <a:effectRef idx="3">
+              <a:schemeClr val="accent3"/>
+            </a:effectRef>
+            <a:fontRef idx="minor">
+              <a:schemeClr val="lt1"/>
+            </a:fontRef>
+          </p:style>
+          <p:txBody>
+            <a:bodyPr rtlCol="0" anchor="ctr"/>
+            <a:lstStyle/>
+            <a:p>
+              <a:pPr algn="ctr"/>
+              <a:r>
+                <a:rPr lang="en-US" dirty="0" smtClean="0"/>
+                <a:t>e</a:t>
+              </a:r>
+              <a:endParaRPr lang="en-US" dirty="0"/>
+            </a:p>
+          </p:txBody>
+        </p:sp>
+        <p:sp>
+          <p:nvSpPr>
+            <p:cNvPr id="66" name="Rounded Rectangle 65"/>
+            <p:cNvSpPr/>
+            <p:nvPr/>
+          </p:nvSpPr>
+          <p:spPr>
+            <a:xfrm>
+              <a:off x="5919932" y="4834086"/>
+              <a:ext cx="331470" cy="331470"/>
+            </a:xfrm>
+            <a:prstGeom prst="roundRect">
+              <a:avLst/>
+            </a:prstGeom>
+          </p:spPr>
+          <p:style>
+            <a:lnRef idx="0">
+              <a:schemeClr val="accent3"/>
+            </a:lnRef>
+            <a:fillRef idx="3">
+              <a:schemeClr val="accent3"/>
+            </a:fillRef>
+            <a:effectRef idx="3">
+              <a:schemeClr val="accent3"/>
+            </a:effectRef>
+            <a:fontRef idx="minor">
+              <a:schemeClr val="lt1"/>
+            </a:fontRef>
+          </p:style>
+          <p:txBody>
+            <a:bodyPr rtlCol="0" anchor="ctr"/>
+            <a:lstStyle/>
+            <a:p>
+              <a:pPr algn="ctr"/>
+              <a:r>
+                <a:rPr lang="en-US" dirty="0" smtClean="0"/>
+                <a:t>e</a:t>
+              </a:r>
+              <a:endParaRPr lang="en-US" dirty="0"/>
+            </a:p>
+          </p:txBody>
+        </p:sp>
+        <p:sp>
+          <p:nvSpPr>
+            <p:cNvPr id="67" name="Rounded Rectangle 66"/>
+            <p:cNvSpPr/>
+            <p:nvPr/>
+          </p:nvSpPr>
+          <p:spPr>
+            <a:xfrm>
+              <a:off x="6930463" y="5200623"/>
+              <a:ext cx="331470" cy="331470"/>
+            </a:xfrm>
+            <a:prstGeom prst="roundRect">
+              <a:avLst/>
+            </a:prstGeom>
+          </p:spPr>
+          <p:style>
+            <a:lnRef idx="0">
+              <a:schemeClr val="accent3"/>
+            </a:lnRef>
+            <a:fillRef idx="3">
+              <a:schemeClr val="accent3"/>
+            </a:fillRef>
+            <a:effectRef idx="3">
+              <a:schemeClr val="accent3"/>
+            </a:effectRef>
+            <a:fontRef idx="minor">
+              <a:schemeClr val="lt1"/>
+            </a:fontRef>
+          </p:style>
+          <p:txBody>
+            <a:bodyPr rtlCol="0" anchor="ctr"/>
+            <a:lstStyle/>
+            <a:p>
+              <a:pPr algn="ctr"/>
+              <a:r>
+                <a:rPr lang="en-US" dirty="0" smtClean="0"/>
+                <a:t>e</a:t>
+              </a:r>
+              <a:endParaRPr lang="en-US" dirty="0"/>
+            </a:p>
+          </p:txBody>
+        </p:sp>
+        <p:cxnSp>
+          <p:nvCxnSpPr>
+            <p:cNvPr id="68" name="Straight Connector 67"/>
+            <p:cNvCxnSpPr/>
+            <p:nvPr/>
+          </p:nvCxnSpPr>
+          <p:spPr>
+            <a:xfrm flipV="1">
+              <a:off x="4827294" y="5246883"/>
+              <a:ext cx="241756" cy="480810"/>
+            </a:xfrm>
+            <a:prstGeom prst="line">
+              <a:avLst/>
+            </a:prstGeom>
+            <a:ln>
+              <a:solidFill>
+                <a:srgbClr val="00FA00"/>
+              </a:solidFill>
+              <a:prstDash val="dash"/>
+              <a:tailEnd type="none"/>
+            </a:ln>
+          </p:spPr>
+          <p:style>
+            <a:lnRef idx="1">
+              <a:schemeClr val="accent1"/>
+            </a:lnRef>
+            <a:fillRef idx="0">
+              <a:schemeClr val="accent1"/>
+            </a:fillRef>
+            <a:effectRef idx="0">
+              <a:schemeClr val="accent1"/>
+            </a:effectRef>
+            <a:fontRef idx="minor">
+              <a:schemeClr val="tx1"/>
+            </a:fontRef>
+          </p:style>
+        </p:cxnSp>
+        <p:cxnSp>
+          <p:nvCxnSpPr>
+            <p:cNvPr id="70" name="Straight Connector 69"/>
+            <p:cNvCxnSpPr/>
+            <p:nvPr/>
+          </p:nvCxnSpPr>
+          <p:spPr>
+            <a:xfrm flipV="1">
+              <a:off x="5234785" y="4999821"/>
+              <a:ext cx="685147" cy="81327"/>
+            </a:xfrm>
+            <a:prstGeom prst="line">
+              <a:avLst/>
+            </a:prstGeom>
+            <a:ln>
+              <a:solidFill>
+                <a:srgbClr val="00FA00"/>
+              </a:solidFill>
+              <a:prstDash val="dash"/>
+              <a:tailEnd type="none"/>
+            </a:ln>
+          </p:spPr>
+          <p:style>
+            <a:lnRef idx="1">
+              <a:schemeClr val="accent1"/>
+            </a:lnRef>
+            <a:fillRef idx="0">
+              <a:schemeClr val="accent1"/>
+            </a:fillRef>
+            <a:effectRef idx="0">
+              <a:schemeClr val="accent1"/>
+            </a:effectRef>
+            <a:fontRef idx="minor">
+              <a:schemeClr val="tx1"/>
+            </a:fontRef>
+          </p:style>
+        </p:cxnSp>
+        <p:cxnSp>
+          <p:nvCxnSpPr>
+            <p:cNvPr id="74" name="Straight Connector 73"/>
+            <p:cNvCxnSpPr/>
+            <p:nvPr/>
+          </p:nvCxnSpPr>
+          <p:spPr>
+            <a:xfrm>
+              <a:off x="6251402" y="4999821"/>
+              <a:ext cx="679061" cy="366537"/>
+            </a:xfrm>
+            <a:prstGeom prst="line">
+              <a:avLst/>
+            </a:prstGeom>
+            <a:ln>
+              <a:solidFill>
+                <a:srgbClr val="00FA00"/>
+              </a:solidFill>
+              <a:prstDash val="dash"/>
+              <a:tailEnd type="none"/>
+            </a:ln>
+          </p:spPr>
+          <p:style>
+            <a:lnRef idx="1">
+              <a:schemeClr val="accent1"/>
+            </a:lnRef>
+            <a:fillRef idx="0">
+              <a:schemeClr val="accent1"/>
+            </a:fillRef>
+            <a:effectRef idx="0">
+              <a:schemeClr val="accent1"/>
+            </a:effectRef>
+            <a:fontRef idx="minor">
+              <a:schemeClr val="tx1"/>
+            </a:fontRef>
+          </p:style>
+        </p:cxnSp>
+        <p:cxnSp>
+          <p:nvCxnSpPr>
+            <p:cNvPr id="75" name="Straight Connector 74"/>
+            <p:cNvCxnSpPr/>
+            <p:nvPr/>
+          </p:nvCxnSpPr>
+          <p:spPr>
+            <a:xfrm flipV="1">
+              <a:off x="6638273" y="5532093"/>
+              <a:ext cx="457925" cy="722670"/>
+            </a:xfrm>
+            <a:prstGeom prst="line">
+              <a:avLst/>
+            </a:prstGeom>
+            <a:ln>
+              <a:solidFill>
+                <a:srgbClr val="00FA00"/>
+              </a:solidFill>
+              <a:prstDash val="dash"/>
+              <a:tailEnd type="none"/>
+            </a:ln>
+          </p:spPr>
+          <p:style>
+            <a:lnRef idx="1">
+              <a:schemeClr val="accent1"/>
+            </a:lnRef>
+            <a:fillRef idx="0">
+              <a:schemeClr val="accent1"/>
+            </a:fillRef>
+            <a:effectRef idx="0">
+              <a:schemeClr val="accent1"/>
+            </a:effectRef>
+            <a:fontRef idx="minor">
+              <a:schemeClr val="tx1"/>
+            </a:fontRef>
+          </p:style>
+        </p:cxnSp>
+        <p:cxnSp>
+          <p:nvCxnSpPr>
+            <p:cNvPr id="83" name="Straight Connector 82"/>
+            <p:cNvCxnSpPr/>
+            <p:nvPr/>
+          </p:nvCxnSpPr>
+          <p:spPr>
+            <a:xfrm>
+              <a:off x="6141068" y="5977836"/>
+              <a:ext cx="497205" cy="276927"/>
+            </a:xfrm>
+            <a:prstGeom prst="line">
+              <a:avLst/>
+            </a:prstGeom>
+            <a:ln>
+              <a:solidFill>
+                <a:srgbClr val="00FA00"/>
+              </a:solidFill>
+              <a:prstDash val="dash"/>
+              <a:tailEnd type="none"/>
+            </a:ln>
+          </p:spPr>
+          <p:style>
+            <a:lnRef idx="1">
+              <a:schemeClr val="accent1"/>
+            </a:lnRef>
+            <a:fillRef idx="0">
+              <a:schemeClr val="accent1"/>
+            </a:fillRef>
+            <a:effectRef idx="0">
+              <a:schemeClr val="accent1"/>
+            </a:effectRef>
+            <a:fontRef idx="minor">
+              <a:schemeClr val="tx1"/>
+            </a:fontRef>
+          </p:style>
+        </p:cxnSp>
+        <p:cxnSp>
+          <p:nvCxnSpPr>
+            <p:cNvPr id="84" name="Straight Connector 83"/>
+            <p:cNvCxnSpPr/>
+            <p:nvPr/>
+          </p:nvCxnSpPr>
+          <p:spPr>
+            <a:xfrm>
+              <a:off x="4827294" y="6059163"/>
+              <a:ext cx="501488" cy="200741"/>
+            </a:xfrm>
+            <a:prstGeom prst="line">
+              <a:avLst/>
+            </a:prstGeom>
+            <a:ln>
+              <a:solidFill>
+                <a:srgbClr val="00FA00"/>
+              </a:solidFill>
+              <a:prstDash val="dash"/>
+              <a:tailEnd type="none"/>
+            </a:ln>
+          </p:spPr>
+          <p:style>
+            <a:lnRef idx="1">
+              <a:schemeClr val="accent1"/>
+            </a:lnRef>
+            <a:fillRef idx="0">
+              <a:schemeClr val="accent1"/>
+            </a:fillRef>
+            <a:effectRef idx="0">
+              <a:schemeClr val="accent1"/>
+            </a:effectRef>
+            <a:fontRef idx="minor">
+              <a:schemeClr val="tx1"/>
+            </a:fontRef>
+          </p:style>
+        </p:cxnSp>
+        <p:cxnSp>
+          <p:nvCxnSpPr>
+            <p:cNvPr id="85" name="Straight Arrow Connector 84"/>
+            <p:cNvCxnSpPr/>
+            <p:nvPr/>
+          </p:nvCxnSpPr>
+          <p:spPr>
+            <a:xfrm flipV="1">
+              <a:off x="5660252" y="5977836"/>
+              <a:ext cx="480816" cy="282068"/>
+            </a:xfrm>
+            <a:prstGeom prst="straightConnector1">
+              <a:avLst/>
+            </a:prstGeom>
+            <a:ln>
+              <a:solidFill>
+                <a:srgbClr val="00FA00"/>
+              </a:solidFill>
+              <a:prstDash val="dash"/>
+              <a:tailEnd type="none"/>
+            </a:ln>
+          </p:spPr>
+          <p:style>
+            <a:lnRef idx="1">
+              <a:schemeClr val="accent1"/>
+            </a:lnRef>
+            <a:fillRef idx="0">
+              <a:schemeClr val="accent1"/>
+            </a:fillRef>
+            <a:effectRef idx="0">
+              <a:schemeClr val="accent1"/>
+            </a:effectRef>
+            <a:fontRef idx="minor">
+              <a:schemeClr val="tx1"/>
+            </a:fontRef>
+          </p:style>
+        </p:cxnSp>
+        <p:cxnSp>
+          <p:nvCxnSpPr>
+            <p:cNvPr id="87" name="Straight Connector 86"/>
+            <p:cNvCxnSpPr/>
+            <p:nvPr/>
+          </p:nvCxnSpPr>
+          <p:spPr>
+            <a:xfrm flipH="1" flipV="1">
+              <a:off x="5069050" y="5246883"/>
+              <a:ext cx="906283" cy="565218"/>
+            </a:xfrm>
+            <a:prstGeom prst="line">
+              <a:avLst/>
+            </a:prstGeom>
+            <a:ln>
+              <a:solidFill>
+                <a:srgbClr val="00FA00"/>
+              </a:solidFill>
+              <a:prstDash val="dash"/>
+              <a:tailEnd type="none"/>
+            </a:ln>
+          </p:spPr>
+          <p:style>
+            <a:lnRef idx="1">
+              <a:schemeClr val="accent1"/>
+            </a:lnRef>
+            <a:fillRef idx="0">
+              <a:schemeClr val="accent1"/>
+            </a:fillRef>
+            <a:effectRef idx="0">
+              <a:schemeClr val="accent1"/>
+            </a:effectRef>
+            <a:fontRef idx="minor">
+              <a:schemeClr val="tx1"/>
+            </a:fontRef>
+          </p:style>
+        </p:cxnSp>
+        <p:cxnSp>
+          <p:nvCxnSpPr>
+            <p:cNvPr id="89" name="Straight Connector 88"/>
+            <p:cNvCxnSpPr/>
+            <p:nvPr/>
+          </p:nvCxnSpPr>
+          <p:spPr>
+            <a:xfrm flipV="1">
+              <a:off x="4993029" y="5812101"/>
+              <a:ext cx="982304" cy="81327"/>
+            </a:xfrm>
+            <a:prstGeom prst="line">
+              <a:avLst/>
+            </a:prstGeom>
+            <a:ln>
+              <a:solidFill>
+                <a:srgbClr val="00FA00"/>
+              </a:solidFill>
+              <a:prstDash val="dash"/>
+              <a:tailEnd type="none"/>
+            </a:ln>
+          </p:spPr>
+          <p:style>
+            <a:lnRef idx="1">
+              <a:schemeClr val="accent1"/>
+            </a:lnRef>
+            <a:fillRef idx="0">
+              <a:schemeClr val="accent1"/>
+            </a:fillRef>
+            <a:effectRef idx="0">
+              <a:schemeClr val="accent1"/>
+            </a:effectRef>
+            <a:fontRef idx="minor">
+              <a:schemeClr val="tx1"/>
+            </a:fontRef>
+          </p:style>
+        </p:cxnSp>
+        <p:cxnSp>
+          <p:nvCxnSpPr>
+            <p:cNvPr id="91" name="Straight Connector 90"/>
+            <p:cNvCxnSpPr/>
+            <p:nvPr/>
+          </p:nvCxnSpPr>
+          <p:spPr>
+            <a:xfrm flipV="1">
+              <a:off x="4993029" y="4999821"/>
+              <a:ext cx="926903" cy="893607"/>
+            </a:xfrm>
+            <a:prstGeom prst="line">
+              <a:avLst/>
+            </a:prstGeom>
+            <a:ln>
+              <a:solidFill>
+                <a:srgbClr val="00FA00"/>
+              </a:solidFill>
+              <a:prstDash val="dash"/>
+              <a:tailEnd type="none"/>
+            </a:ln>
+          </p:spPr>
+          <p:style>
+            <a:lnRef idx="1">
+              <a:schemeClr val="accent1"/>
+            </a:lnRef>
+            <a:fillRef idx="0">
+              <a:schemeClr val="accent1"/>
+            </a:fillRef>
+            <a:effectRef idx="0">
+              <a:schemeClr val="accent1"/>
+            </a:effectRef>
+            <a:fontRef idx="minor">
+              <a:schemeClr val="tx1"/>
+            </a:fontRef>
+          </p:style>
+        </p:cxnSp>
+        <p:cxnSp>
+          <p:nvCxnSpPr>
+            <p:cNvPr id="93" name="Straight Connector 92"/>
+            <p:cNvCxnSpPr/>
+            <p:nvPr/>
+          </p:nvCxnSpPr>
+          <p:spPr>
+            <a:xfrm flipH="1" flipV="1">
+              <a:off x="5069050" y="5246883"/>
+              <a:ext cx="425467" cy="847286"/>
+            </a:xfrm>
+            <a:prstGeom prst="line">
+              <a:avLst/>
+            </a:prstGeom>
+            <a:ln>
+              <a:solidFill>
+                <a:srgbClr val="00FA00"/>
+              </a:solidFill>
+              <a:prstDash val="dash"/>
+              <a:tailEnd type="none"/>
+            </a:ln>
+          </p:spPr>
+          <p:style>
+            <a:lnRef idx="1">
+              <a:schemeClr val="accent1"/>
+            </a:lnRef>
+            <a:fillRef idx="0">
+              <a:schemeClr val="accent1"/>
+            </a:fillRef>
+            <a:effectRef idx="0">
+              <a:schemeClr val="accent1"/>
+            </a:effectRef>
+            <a:fontRef idx="minor">
+              <a:schemeClr val="tx1"/>
+            </a:fontRef>
+          </p:style>
+        </p:cxnSp>
+        <p:cxnSp>
+          <p:nvCxnSpPr>
+            <p:cNvPr id="95" name="Straight Connector 94"/>
+            <p:cNvCxnSpPr/>
+            <p:nvPr/>
+          </p:nvCxnSpPr>
+          <p:spPr>
+            <a:xfrm>
+              <a:off x="6085667" y="5165556"/>
+              <a:ext cx="55401" cy="480810"/>
+            </a:xfrm>
+            <a:prstGeom prst="line">
+              <a:avLst/>
+            </a:prstGeom>
+            <a:ln>
+              <a:solidFill>
+                <a:srgbClr val="00FA00"/>
+              </a:solidFill>
+              <a:prstDash val="dash"/>
+              <a:tailEnd type="none"/>
+            </a:ln>
+          </p:spPr>
+          <p:style>
+            <a:lnRef idx="1">
+              <a:schemeClr val="accent1"/>
+            </a:lnRef>
+            <a:fillRef idx="0">
+              <a:schemeClr val="accent1"/>
+            </a:fillRef>
+            <a:effectRef idx="0">
+              <a:schemeClr val="accent1"/>
+            </a:effectRef>
+            <a:fontRef idx="minor">
+              <a:schemeClr val="tx1"/>
+            </a:fontRef>
+          </p:style>
+        </p:cxnSp>
+        <p:cxnSp>
+          <p:nvCxnSpPr>
+            <p:cNvPr id="97" name="Straight Connector 96"/>
+            <p:cNvCxnSpPr/>
+            <p:nvPr/>
+          </p:nvCxnSpPr>
+          <p:spPr>
+            <a:xfrm flipH="1" flipV="1">
+              <a:off x="5660252" y="6259904"/>
+              <a:ext cx="812286" cy="160594"/>
+            </a:xfrm>
+            <a:prstGeom prst="line">
+              <a:avLst/>
+            </a:prstGeom>
+            <a:ln>
+              <a:solidFill>
+                <a:srgbClr val="00FA00"/>
+              </a:solidFill>
+              <a:prstDash val="dash"/>
+              <a:tailEnd type="none"/>
+            </a:ln>
+          </p:spPr>
+          <p:style>
+            <a:lnRef idx="1">
+              <a:schemeClr val="accent1"/>
+            </a:lnRef>
+            <a:fillRef idx="0">
+              <a:schemeClr val="accent1"/>
+            </a:fillRef>
+            <a:effectRef idx="0">
+              <a:schemeClr val="accent1"/>
+            </a:effectRef>
+            <a:fontRef idx="minor">
+              <a:schemeClr val="tx1"/>
+            </a:fontRef>
+          </p:style>
+        </p:cxnSp>
+        <p:cxnSp>
+          <p:nvCxnSpPr>
+            <p:cNvPr id="98" name="Straight Connector 97"/>
+            <p:cNvCxnSpPr/>
+            <p:nvPr/>
+          </p:nvCxnSpPr>
+          <p:spPr>
+            <a:xfrm flipV="1">
+              <a:off x="6306803" y="5366358"/>
+              <a:ext cx="623660" cy="445743"/>
+            </a:xfrm>
+            <a:prstGeom prst="line">
+              <a:avLst/>
+            </a:prstGeom>
+            <a:ln>
+              <a:solidFill>
+                <a:srgbClr val="00FA00"/>
+              </a:solidFill>
+              <a:prstDash val="dash"/>
+              <a:tailEnd type="none"/>
+            </a:ln>
+          </p:spPr>
+          <p:style>
+            <a:lnRef idx="1">
+              <a:schemeClr val="accent1"/>
+            </a:lnRef>
+            <a:fillRef idx="0">
+              <a:schemeClr val="accent1"/>
+            </a:fillRef>
+            <a:effectRef idx="0">
+              <a:schemeClr val="accent1"/>
+            </a:effectRef>
+            <a:fontRef idx="minor">
+              <a:schemeClr val="tx1"/>
+            </a:fontRef>
+          </p:style>
+        </p:cxnSp>
+      </p:grpSp>
+      <p:pic>
+        <p:nvPicPr>
+          <p:cNvPr id="44" name="Picture 43"/>
+          <p:cNvPicPr>
+            <a:picLocks noChangeAspect="1"/>
+          </p:cNvPicPr>
+          <p:nvPr/>
+        </p:nvPicPr>
+        <p:blipFill>
+          <a:blip r:embed="rId6"/>
+          <a:stretch>
+            <a:fillRect/>
+          </a:stretch>
+        </p:blipFill>
+        <p:spPr>
+          <a:xfrm>
+            <a:off x="2394884" y="3835416"/>
+            <a:ext cx="1124911" cy="913990"/>
+          </a:xfrm>
+          <a:prstGeom prst="rect">
+            <a:avLst/>
+          </a:prstGeom>
+        </p:spPr>
+      </p:pic>
+      <p:pic>
+        <p:nvPicPr>
+          <p:cNvPr id="45" name="Picture 44"/>
+          <p:cNvPicPr>
+            <a:picLocks noChangeAspect="1"/>
+          </p:cNvPicPr>
+          <p:nvPr/>
+        </p:nvPicPr>
+        <p:blipFill>
+          <a:blip r:embed="rId6"/>
+          <a:stretch>
+            <a:fillRect/>
+          </a:stretch>
+        </p:blipFill>
+        <p:spPr>
+          <a:xfrm>
+            <a:off x="3368545" y="3691541"/>
+            <a:ext cx="1124911" cy="913990"/>
+          </a:xfrm>
+          <a:prstGeom prst="rect">
+            <a:avLst/>
+          </a:prstGeom>
+        </p:spPr>
+      </p:pic>
+      <p:cxnSp>
+        <p:nvCxnSpPr>
+          <p:cNvPr id="46" name="Straight Arrow Connector 45"/>
+          <p:cNvCxnSpPr/>
+          <p:nvPr/>
+        </p:nvCxnSpPr>
+        <p:spPr>
+          <a:xfrm>
+            <a:off x="5798680" y="2902893"/>
+            <a:ext cx="0" cy="691045"/>
+          </a:xfrm>
+          <a:prstGeom prst="straightConnector1">
+            <a:avLst/>
+          </a:prstGeom>
+          <a:ln>
+            <a:solidFill>
+              <a:srgbClr val="00FA00"/>
+            </a:solidFill>
+            <a:tailEnd type="triangle"/>
+          </a:ln>
+        </p:spPr>
+        <p:style>
+          <a:lnRef idx="1">
+            <a:schemeClr val="accent1"/>
+          </a:lnRef>
+          <a:fillRef idx="0">
+            <a:schemeClr val="accent1"/>
+          </a:fillRef>
+          <a:effectRef idx="0">
+            <a:schemeClr val="accent1"/>
+          </a:effectRef>
+          <a:fontRef idx="minor">
+            <a:schemeClr val="tx1"/>
+          </a:fontRef>
+        </p:style>
+      </p:cxnSp>
+      <p:cxnSp>
+        <p:nvCxnSpPr>
+          <p:cNvPr id="48" name="Straight Arrow Connector 47"/>
+          <p:cNvCxnSpPr/>
+          <p:nvPr/>
+        </p:nvCxnSpPr>
+        <p:spPr>
+          <a:xfrm flipV="1">
+            <a:off x="5965756" y="2913478"/>
+            <a:ext cx="2500" cy="605874"/>
+          </a:xfrm>
+          <a:prstGeom prst="straightConnector1">
+            <a:avLst/>
+          </a:prstGeom>
+          <a:ln>
+            <a:solidFill>
+              <a:srgbClr val="00FA00"/>
+            </a:solidFill>
+            <a:prstDash val="dash"/>
+            <a:tailEnd type="triangle"/>
+          </a:ln>
+        </p:spPr>
+        <p:style>
+          <a:lnRef idx="1">
+            <a:schemeClr val="accent1"/>
+          </a:lnRef>
+          <a:fillRef idx="0">
+            <a:schemeClr val="accent1"/>
+          </a:fillRef>
+          <a:effectRef idx="0">
+            <a:schemeClr val="accent1"/>
+          </a:effectRef>
+          <a:fontRef idx="minor">
+            <a:schemeClr val="tx1"/>
+          </a:fontRef>
+        </p:style>
+      </p:cxnSp>
+      <p:cxnSp>
+        <p:nvCxnSpPr>
+          <p:cNvPr id="52" name="Straight Arrow Connector 51"/>
+          <p:cNvCxnSpPr/>
+          <p:nvPr/>
+        </p:nvCxnSpPr>
+        <p:spPr>
+          <a:xfrm flipH="1">
+            <a:off x="7055371" y="2493486"/>
+            <a:ext cx="1418879" cy="0"/>
+          </a:xfrm>
+          <a:prstGeom prst="straightConnector1">
+            <a:avLst/>
+          </a:prstGeom>
+          <a:ln>
+            <a:solidFill>
+              <a:srgbClr val="00FA00"/>
+            </a:solidFill>
+            <a:tailEnd type="triangle"/>
+          </a:ln>
+        </p:spPr>
+        <p:style>
+          <a:lnRef idx="1">
+            <a:schemeClr val="accent1"/>
+          </a:lnRef>
+          <a:fillRef idx="0">
+            <a:schemeClr val="accent1"/>
+          </a:fillRef>
+          <a:effectRef idx="0">
+            <a:schemeClr val="accent1"/>
+          </a:effectRef>
+          <a:fontRef idx="minor">
+            <a:schemeClr val="tx1"/>
+          </a:fontRef>
+        </p:style>
+      </p:cxnSp>
+      <p:cxnSp>
+        <p:nvCxnSpPr>
+          <p:cNvPr id="53" name="Straight Arrow Connector 52"/>
+          <p:cNvCxnSpPr/>
+          <p:nvPr/>
+        </p:nvCxnSpPr>
+        <p:spPr>
+          <a:xfrm>
+            <a:off x="7055371" y="2297547"/>
+            <a:ext cx="1418879" cy="0"/>
+          </a:xfrm>
+          <a:prstGeom prst="straightConnector1">
+            <a:avLst/>
+          </a:prstGeom>
+          <a:ln>
+            <a:solidFill>
+              <a:srgbClr val="00FA00"/>
+            </a:solidFill>
+            <a:prstDash val="dash"/>
+            <a:tailEnd type="triangle"/>
+          </a:ln>
+        </p:spPr>
+        <p:style>
+          <a:lnRef idx="1">
+            <a:schemeClr val="accent1"/>
+          </a:lnRef>
+          <a:fillRef idx="0">
+            <a:schemeClr val="accent1"/>
+          </a:fillRef>
+          <a:effectRef idx="0">
+            <a:schemeClr val="accent1"/>
+          </a:effectRef>
+          <a:fontRef idx="minor">
+            <a:schemeClr val="tx1"/>
+          </a:fontRef>
+        </p:style>
+      </p:cxnSp>
+      <p:cxnSp>
+        <p:nvCxnSpPr>
+          <p:cNvPr id="54" name="Straight Arrow Connector 53"/>
+          <p:cNvCxnSpPr/>
+          <p:nvPr/>
+        </p:nvCxnSpPr>
+        <p:spPr>
+          <a:xfrm flipH="1">
+            <a:off x="3473497" y="2493486"/>
+            <a:ext cx="1683746" cy="0"/>
+          </a:xfrm>
+          <a:prstGeom prst="straightConnector1">
+            <a:avLst/>
+          </a:prstGeom>
+          <a:ln>
+            <a:solidFill>
+              <a:srgbClr val="00FA00"/>
+            </a:solidFill>
+            <a:tailEnd type="triangle"/>
+          </a:ln>
+        </p:spPr>
+        <p:style>
+          <a:lnRef idx="1">
+            <a:schemeClr val="accent1"/>
+          </a:lnRef>
+          <a:fillRef idx="0">
+            <a:schemeClr val="accent1"/>
+          </a:fillRef>
+          <a:effectRef idx="0">
+            <a:schemeClr val="accent1"/>
+          </a:effectRef>
+          <a:fontRef idx="minor">
+            <a:schemeClr val="tx1"/>
+          </a:fontRef>
+        </p:style>
+      </p:cxnSp>
+      <p:cxnSp>
+        <p:nvCxnSpPr>
+          <p:cNvPr id="56" name="Straight Arrow Connector 55"/>
+          <p:cNvCxnSpPr/>
+          <p:nvPr/>
+        </p:nvCxnSpPr>
+        <p:spPr>
+          <a:xfrm>
+            <a:off x="3519795" y="2297547"/>
+            <a:ext cx="1637447" cy="0"/>
+          </a:xfrm>
+          <a:prstGeom prst="straightConnector1">
+            <a:avLst/>
+          </a:prstGeom>
+          <a:ln>
+            <a:solidFill>
+              <a:srgbClr val="00FA00"/>
+            </a:solidFill>
+            <a:prstDash val="dash"/>
+            <a:tailEnd type="triangle"/>
+          </a:ln>
+        </p:spPr>
+        <p:style>
+          <a:lnRef idx="1">
+            <a:schemeClr val="accent1"/>
+          </a:lnRef>
+          <a:fillRef idx="0">
+            <a:schemeClr val="accent1"/>
+          </a:fillRef>
+          <a:effectRef idx="0">
+            <a:schemeClr val="accent1"/>
+          </a:effectRef>
+          <a:fontRef idx="minor">
+            <a:schemeClr val="tx1"/>
+          </a:fontRef>
+        </p:style>
+      </p:cxnSp>
+      <p:cxnSp>
+        <p:nvCxnSpPr>
+          <p:cNvPr id="57" name="Straight Arrow Connector 56"/>
+          <p:cNvCxnSpPr/>
+          <p:nvPr/>
+        </p:nvCxnSpPr>
+        <p:spPr>
+          <a:xfrm flipH="1">
+            <a:off x="2038735" y="2874071"/>
+            <a:ext cx="973566" cy="591403"/>
+          </a:xfrm>
+          <a:prstGeom prst="straightConnector1">
+            <a:avLst/>
+          </a:prstGeom>
+          <a:ln>
+            <a:solidFill>
+              <a:srgbClr val="00FA00"/>
+            </a:solidFill>
+            <a:tailEnd type="triangle"/>
+          </a:ln>
+        </p:spPr>
+        <p:style>
+          <a:lnRef idx="1">
+            <a:schemeClr val="accent1"/>
+          </a:lnRef>
+          <a:fillRef idx="0">
+            <a:schemeClr val="accent1"/>
+          </a:fillRef>
+          <a:effectRef idx="0">
+            <a:schemeClr val="accent1"/>
+          </a:effectRef>
+          <a:fontRef idx="minor">
+            <a:schemeClr val="tx1"/>
+          </a:fontRef>
+        </p:style>
+      </p:cxnSp>
+      <p:cxnSp>
+        <p:nvCxnSpPr>
+          <p:cNvPr id="58" name="Straight Arrow Connector 57"/>
+          <p:cNvCxnSpPr/>
+          <p:nvPr/>
+        </p:nvCxnSpPr>
+        <p:spPr>
+          <a:xfrm flipH="1">
+            <a:off x="2957340" y="2849785"/>
+            <a:ext cx="58654" cy="985631"/>
+          </a:xfrm>
+          <a:prstGeom prst="straightConnector1">
+            <a:avLst/>
+          </a:prstGeom>
+          <a:ln>
+            <a:solidFill>
+              <a:srgbClr val="00FA00"/>
+            </a:solidFill>
+            <a:tailEnd type="triangle"/>
+          </a:ln>
+        </p:spPr>
+        <p:style>
+          <a:lnRef idx="1">
+            <a:schemeClr val="accent1"/>
+          </a:lnRef>
+          <a:fillRef idx="0">
+            <a:schemeClr val="accent1"/>
+          </a:fillRef>
+          <a:effectRef idx="0">
+            <a:schemeClr val="accent1"/>
+          </a:effectRef>
+          <a:fontRef idx="minor">
+            <a:schemeClr val="tx1"/>
+          </a:fontRef>
+        </p:style>
+      </p:cxnSp>
+      <p:cxnSp>
+        <p:nvCxnSpPr>
+          <p:cNvPr id="59" name="Straight Arrow Connector 58"/>
+          <p:cNvCxnSpPr/>
+          <p:nvPr/>
+        </p:nvCxnSpPr>
+        <p:spPr>
+          <a:xfrm>
+            <a:off x="3015994" y="2860307"/>
+            <a:ext cx="915007" cy="831234"/>
+          </a:xfrm>
+          <a:prstGeom prst="straightConnector1">
+            <a:avLst/>
+          </a:prstGeom>
+          <a:ln>
+            <a:solidFill>
+              <a:srgbClr val="00FA00"/>
+            </a:solidFill>
+            <a:tailEnd type="triangle"/>
+          </a:ln>
+        </p:spPr>
+        <p:style>
+          <a:lnRef idx="1">
+            <a:schemeClr val="accent1"/>
+          </a:lnRef>
+          <a:fillRef idx="0">
+            <a:schemeClr val="accent1"/>
+          </a:fillRef>
+          <a:effectRef idx="0">
+            <a:schemeClr val="accent1"/>
+          </a:effectRef>
+          <a:fontRef idx="minor">
+            <a:schemeClr val="tx1"/>
+          </a:fontRef>
+        </p:style>
+      </p:cxnSp>
+      <p:sp>
+        <p:nvSpPr>
+          <p:cNvPr id="60" name="TextBox 59"/>
+          <p:cNvSpPr txBox="1"/>
+          <p:nvPr/>
+        </p:nvSpPr>
+        <p:spPr>
+          <a:xfrm>
+            <a:off x="8297032" y="2819754"/>
+            <a:ext cx="1795811" cy="369332"/>
+          </a:xfrm>
+          <a:prstGeom prst="rect">
+            <a:avLst/>
+          </a:prstGeom>
+          <a:noFill/>
+        </p:spPr>
+        <p:txBody>
+          <a:bodyPr wrap="square" rtlCol="0">
+            <a:spAutoFit/>
+          </a:bodyPr>
+          <a:lstStyle/>
+          <a:p>
+            <a:pPr algn="ctr"/>
+            <a:r>
+              <a:rPr lang="en-US" dirty="0" smtClean="0"/>
+              <a:t>Web interface</a:t>
+            </a:r>
+          </a:p>
+        </p:txBody>
+      </p:sp>
+      <p:cxnSp>
+        <p:nvCxnSpPr>
+          <p:cNvPr id="3" name="Straight Arrow Connector 2"/>
+          <p:cNvCxnSpPr>
+            <a:stCxn id="25" idx="1"/>
+          </p:cNvCxnSpPr>
+          <p:nvPr/>
+        </p:nvCxnSpPr>
+        <p:spPr>
+          <a:xfrm flipH="1" flipV="1">
+            <a:off x="7076617" y="2706130"/>
+            <a:ext cx="1555410" cy="892837"/>
+          </a:xfrm>
+          <a:prstGeom prst="straightConnector1">
+            <a:avLst/>
+          </a:prstGeom>
+          <a:ln>
+            <a:solidFill>
+              <a:srgbClr val="00FA00"/>
+            </a:solidFill>
+            <a:tailEnd type="triangle"/>
+          </a:ln>
+        </p:spPr>
+        <p:style>
+          <a:lnRef idx="1">
+            <a:schemeClr val="accent1"/>
+          </a:lnRef>
+          <a:fillRef idx="0">
+            <a:schemeClr val="accent1"/>
+          </a:fillRef>
+          <a:effectRef idx="0">
+            <a:schemeClr val="accent1"/>
+          </a:effectRef>
+          <a:fontRef idx="minor">
+            <a:schemeClr val="tx1"/>
+          </a:fontRef>
+        </p:style>
+      </p:cxnSp>
+      <p:cxnSp>
+        <p:nvCxnSpPr>
+          <p:cNvPr id="6" name="Straight Arrow Connector 5"/>
+          <p:cNvCxnSpPr>
+            <a:stCxn id="73" idx="0"/>
+          </p:cNvCxnSpPr>
+          <p:nvPr/>
+        </p:nvCxnSpPr>
+        <p:spPr>
+          <a:xfrm flipH="1" flipV="1">
+            <a:off x="6910882" y="2902893"/>
+            <a:ext cx="1024676" cy="1452285"/>
+          </a:xfrm>
+          <a:prstGeom prst="straightConnector1">
+            <a:avLst/>
+          </a:prstGeom>
+          <a:ln>
+            <a:solidFill>
+              <a:srgbClr val="00FA00"/>
+            </a:solidFill>
+            <a:tailEnd type="triangle"/>
+          </a:ln>
+        </p:spPr>
+        <p:style>
+          <a:lnRef idx="1">
+            <a:schemeClr val="accent1"/>
+          </a:lnRef>
+          <a:fillRef idx="0">
+            <a:schemeClr val="accent1"/>
+          </a:fillRef>
+          <a:effectRef idx="0">
+            <a:schemeClr val="accent1"/>
+          </a:effectRef>
+          <a:fontRef idx="minor">
+            <a:schemeClr val="tx1"/>
+          </a:fontRef>
+        </p:style>
+      </p:cxnSp>
+      <p:sp>
+        <p:nvSpPr>
+          <p:cNvPr id="99" name="TextBox 98"/>
+          <p:cNvSpPr txBox="1"/>
+          <p:nvPr/>
+        </p:nvSpPr>
+        <p:spPr>
+          <a:xfrm>
+            <a:off x="4641979" y="5467380"/>
+            <a:ext cx="2137006" cy="646331"/>
+          </a:xfrm>
+          <a:prstGeom prst="rect">
+            <a:avLst/>
+          </a:prstGeom>
+          <a:noFill/>
+        </p:spPr>
+        <p:txBody>
+          <a:bodyPr wrap="square" rtlCol="0">
+            <a:spAutoFit/>
+          </a:bodyPr>
+          <a:lstStyle/>
+          <a:p>
+            <a:pPr algn="ctr"/>
+            <a:r>
+              <a:rPr lang="en-US" dirty="0" err="1" smtClean="0"/>
+              <a:t>Blockchain</a:t>
+            </a:r>
+            <a:r>
+              <a:rPr lang="en-US" dirty="0" smtClean="0"/>
+              <a:t> on </a:t>
+            </a:r>
+            <a:r>
+              <a:rPr lang="en-US" dirty="0" err="1" smtClean="0"/>
+              <a:t>Raspberri</a:t>
+            </a:r>
+            <a:r>
+              <a:rPr lang="en-US" dirty="0" smtClean="0"/>
+              <a:t> Pi cluster</a:t>
+            </a:r>
+          </a:p>
+        </p:txBody>
+      </p:sp>
+      <p:grpSp>
+        <p:nvGrpSpPr>
+          <p:cNvPr id="8" name="Group 7"/>
+          <p:cNvGrpSpPr/>
+          <p:nvPr/>
+        </p:nvGrpSpPr>
+        <p:grpSpPr>
+          <a:xfrm>
+            <a:off x="4928239" y="1720649"/>
+            <a:ext cx="2127132" cy="1129136"/>
+            <a:chOff x="4928239" y="1720649"/>
+            <a:chExt cx="2127132" cy="1129136"/>
+          </a:xfrm>
+        </p:grpSpPr>
+        <p:sp>
+          <p:nvSpPr>
+            <p:cNvPr id="101" name="Rounded Rectangle 100"/>
+            <p:cNvSpPr/>
+            <p:nvPr/>
+          </p:nvSpPr>
+          <p:spPr>
+            <a:xfrm>
+              <a:off x="4928239" y="1720649"/>
+              <a:ext cx="1898129" cy="889169"/>
+            </a:xfrm>
+            <a:prstGeom prst="roundRect">
+              <a:avLst/>
+            </a:prstGeom>
+            <a:solidFill>
+              <a:schemeClr val="bg1"/>
+            </a:solidFill>
+            <a:ln>
+              <a:solidFill>
+                <a:srgbClr val="00FA00"/>
+              </a:solidFill>
+            </a:ln>
+          </p:spPr>
+          <p:style>
+            <a:lnRef idx="2">
+              <a:schemeClr val="accent1">
+                <a:shade val="50000"/>
+              </a:schemeClr>
+            </a:lnRef>
+            <a:fillRef idx="1">
+              <a:schemeClr val="accent1"/>
+            </a:fillRef>
+            <a:effectRef idx="0">
+              <a:schemeClr val="accent1"/>
+            </a:effectRef>
+            <a:fontRef idx="minor">
+              <a:schemeClr val="lt1"/>
+            </a:fontRef>
+          </p:style>
+          <p:txBody>
+            <a:bodyPr rtlCol="0" anchor="ctr"/>
+            <a:lstStyle/>
+            <a:p>
+              <a:pPr algn="ctr"/>
+              <a:endParaRPr lang="en-US" dirty="0"/>
+            </a:p>
+          </p:txBody>
+        </p:sp>
+        <p:sp>
+          <p:nvSpPr>
+            <p:cNvPr id="100" name="Rounded Rectangle 99"/>
+            <p:cNvSpPr/>
+            <p:nvPr/>
+          </p:nvSpPr>
+          <p:spPr>
+            <a:xfrm>
+              <a:off x="5049469" y="1849659"/>
+              <a:ext cx="1898129" cy="889169"/>
+            </a:xfrm>
+            <a:prstGeom prst="roundRect">
+              <a:avLst/>
+            </a:prstGeom>
+            <a:solidFill>
+              <a:schemeClr val="bg1"/>
+            </a:solidFill>
+            <a:ln>
+              <a:solidFill>
+                <a:srgbClr val="00FA00"/>
+              </a:solidFill>
+            </a:ln>
+          </p:spPr>
+          <p:style>
+            <a:lnRef idx="2">
+              <a:schemeClr val="accent1">
+                <a:shade val="50000"/>
+              </a:schemeClr>
+            </a:lnRef>
+            <a:fillRef idx="1">
+              <a:schemeClr val="accent1"/>
+            </a:fillRef>
+            <a:effectRef idx="0">
+              <a:schemeClr val="accent1"/>
+            </a:effectRef>
+            <a:fontRef idx="minor">
+              <a:schemeClr val="lt1"/>
+            </a:fontRef>
+          </p:style>
+          <p:txBody>
+            <a:bodyPr rtlCol="0" anchor="ctr"/>
+            <a:lstStyle/>
+            <a:p>
+              <a:pPr algn="ctr"/>
+              <a:endParaRPr lang="en-US" dirty="0"/>
+            </a:p>
+          </p:txBody>
+        </p:sp>
+        <p:sp>
+          <p:nvSpPr>
+            <p:cNvPr id="43" name="Rounded Rectangle 42"/>
+            <p:cNvSpPr/>
+            <p:nvPr/>
+          </p:nvSpPr>
+          <p:spPr>
+            <a:xfrm>
+              <a:off x="5157242" y="1960616"/>
+              <a:ext cx="1898129" cy="889169"/>
+            </a:xfrm>
+            <a:prstGeom prst="roundRect">
+              <a:avLst/>
+            </a:prstGeom>
+            <a:solidFill>
+              <a:schemeClr val="bg1"/>
+            </a:solidFill>
+            <a:ln>
+              <a:solidFill>
+                <a:srgbClr val="00FA00"/>
+              </a:solidFill>
+            </a:ln>
+          </p:spPr>
+          <p:style>
+            <a:lnRef idx="2">
+              <a:schemeClr val="accent1">
+                <a:shade val="50000"/>
+              </a:schemeClr>
+            </a:lnRef>
+            <a:fillRef idx="1">
+              <a:schemeClr val="accent1"/>
+            </a:fillRef>
+            <a:effectRef idx="0">
+              <a:schemeClr val="accent1"/>
+            </a:effectRef>
+            <a:fontRef idx="minor">
+              <a:schemeClr val="lt1"/>
+            </a:fontRef>
+          </p:style>
+          <p:txBody>
+            <a:bodyPr rtlCol="0" anchor="ctr"/>
+            <a:lstStyle/>
+            <a:p>
+              <a:pPr algn="ctr"/>
+              <a:r>
+                <a:rPr lang="en-US" dirty="0" smtClean="0"/>
+                <a:t>User Servers</a:t>
+              </a:r>
+              <a:endParaRPr lang="en-US" dirty="0"/>
+            </a:p>
+          </p:txBody>
+        </p:sp>
+      </p:grpSp>
+      <p:sp>
+        <p:nvSpPr>
+          <p:cNvPr id="102" name="Oval 101"/>
+          <p:cNvSpPr/>
+          <p:nvPr/>
+        </p:nvSpPr>
+        <p:spPr>
+          <a:xfrm>
+            <a:off x="8626648" y="3593588"/>
+            <a:ext cx="1077380" cy="1077380"/>
+          </a:xfrm>
+          <a:prstGeom prst="ellipse">
+            <a:avLst/>
+          </a:prstGeom>
+          <a:blipFill>
+            <a:blip r:embed="rId4"/>
+            <a:srcRect/>
+            <a:stretch>
+              <a:fillRect l="-18672" r="-51328" b="1575"/>
+            </a:stretch>
+          </a:blipFill>
+          <a:ln>
+            <a:solidFill>
+              <a:srgbClr val="00FA00"/>
+            </a:solidFill>
+          </a:ln>
+        </p:spPr>
+        <p:style>
+          <a:lnRef idx="2">
+            <a:schemeClr val="accent1">
+              <a:shade val="50000"/>
+            </a:schemeClr>
+          </a:lnRef>
+          <a:fillRef idx="1">
+            <a:schemeClr val="accent1"/>
+          </a:fillRef>
+          <a:effectRef idx="0">
+            <a:schemeClr val="accent1"/>
+          </a:effectRef>
+          <a:fontRef idx="minor">
+            <a:schemeClr val="lt1"/>
+          </a:fontRef>
+        </p:style>
+        <p:txBody>
+          <a:bodyPr rtlCol="0" anchor="ctr"/>
+          <a:lstStyle/>
+          <a:p>
+            <a:pPr algn="ctr"/>
+            <a:endParaRPr lang="en-US" dirty="0"/>
+          </a:p>
+        </p:txBody>
+      </p:sp>
+      <p:sp>
+        <p:nvSpPr>
+          <p:cNvPr id="25" name="Oval 24"/>
+          <p:cNvSpPr/>
+          <p:nvPr/>
+        </p:nvSpPr>
+        <p:spPr>
+          <a:xfrm>
+            <a:off x="8474248" y="3441188"/>
+            <a:ext cx="1077380" cy="1077380"/>
+          </a:xfrm>
+          <a:prstGeom prst="ellipse">
+            <a:avLst/>
+          </a:prstGeom>
+          <a:blipFill>
+            <a:blip r:embed="rId4"/>
+            <a:srcRect/>
+            <a:stretch>
+              <a:fillRect l="-18672" r="-51328" b="1575"/>
+            </a:stretch>
+          </a:blipFill>
+          <a:ln>
+            <a:solidFill>
+              <a:srgbClr val="00FA00"/>
+            </a:solidFill>
+          </a:ln>
+        </p:spPr>
+        <p:style>
+          <a:lnRef idx="2">
+            <a:schemeClr val="accent1">
+              <a:shade val="50000"/>
+            </a:schemeClr>
+          </a:lnRef>
+          <a:fillRef idx="1">
+            <a:schemeClr val="accent1"/>
+          </a:fillRef>
+          <a:effectRef idx="0">
+            <a:schemeClr val="accent1"/>
+          </a:effectRef>
+          <a:fontRef idx="minor">
+            <a:schemeClr val="lt1"/>
+          </a:fontRef>
+        </p:style>
+        <p:txBody>
+          <a:bodyPr rtlCol="0" anchor="ctr"/>
+          <a:lstStyle/>
+          <a:p>
+            <a:pPr algn="ctr"/>
+            <a:endParaRPr lang="en-US" dirty="0"/>
+          </a:p>
+        </p:txBody>
+      </p:sp>
+      <p:sp>
+        <p:nvSpPr>
+          <p:cNvPr id="106" name="Oval 105"/>
+          <p:cNvSpPr/>
+          <p:nvPr/>
+        </p:nvSpPr>
+        <p:spPr>
+          <a:xfrm>
+            <a:off x="7549268" y="4507578"/>
+            <a:ext cx="1077380" cy="1077380"/>
+          </a:xfrm>
+          <a:prstGeom prst="ellipse">
+            <a:avLst/>
+          </a:prstGeom>
+          <a:blipFill>
+            <a:blip r:embed="rId3"/>
+            <a:srcRect/>
+            <a:stretch>
+              <a:fillRect l="-20784" r="-39216" b="1575"/>
+            </a:stretch>
+          </a:blipFill>
+          <a:ln>
+            <a:solidFill>
+              <a:srgbClr val="00FA00"/>
+            </a:solidFill>
+          </a:ln>
+        </p:spPr>
+        <p:style>
+          <a:lnRef idx="2">
+            <a:schemeClr val="accent1">
+              <a:shade val="50000"/>
+            </a:schemeClr>
+          </a:lnRef>
+          <a:fillRef idx="1">
+            <a:schemeClr val="accent1"/>
+          </a:fillRef>
+          <a:effectRef idx="0">
+            <a:schemeClr val="accent1"/>
+          </a:effectRef>
+          <a:fontRef idx="minor">
+            <a:schemeClr val="lt1"/>
+          </a:fontRef>
+        </p:style>
+        <p:txBody>
+          <a:bodyPr rtlCol="0" anchor="ctr"/>
+          <a:lstStyle/>
+          <a:p>
+            <a:pPr algn="ctr"/>
+            <a:endParaRPr lang="en-US" dirty="0"/>
+          </a:p>
+        </p:txBody>
+      </p:sp>
+      <p:sp>
+        <p:nvSpPr>
+          <p:cNvPr id="73" name="Oval 72"/>
+          <p:cNvSpPr/>
+          <p:nvPr/>
+        </p:nvSpPr>
+        <p:spPr>
+          <a:xfrm>
+            <a:off x="7396868" y="4355178"/>
+            <a:ext cx="1077380" cy="1077380"/>
+          </a:xfrm>
+          <a:prstGeom prst="ellipse">
+            <a:avLst/>
+          </a:prstGeom>
+          <a:blipFill>
+            <a:blip r:embed="rId3"/>
+            <a:srcRect/>
+            <a:stretch>
+              <a:fillRect l="-20784" r="-39216" b="1575"/>
+            </a:stretch>
+          </a:blipFill>
+          <a:ln>
+            <a:solidFill>
+              <a:srgbClr val="00FA00"/>
+            </a:solidFill>
+          </a:ln>
+        </p:spPr>
+        <p:style>
+          <a:lnRef idx="2">
+            <a:schemeClr val="accent1">
+              <a:shade val="50000"/>
+            </a:schemeClr>
+          </a:lnRef>
+          <a:fillRef idx="1">
+            <a:schemeClr val="accent1"/>
+          </a:fillRef>
+          <a:effectRef idx="0">
+            <a:schemeClr val="accent1"/>
+          </a:effectRef>
+          <a:fontRef idx="minor">
+            <a:schemeClr val="lt1"/>
+          </a:fontRef>
+        </p:style>
+        <p:txBody>
+          <a:bodyPr rtlCol="0" anchor="ctr"/>
+          <a:lstStyle/>
+          <a:p>
+            <a:pPr algn="ctr"/>
+            <a:endParaRPr lang="en-US" dirty="0"/>
+          </a:p>
+        </p:txBody>
+      </p:sp>
+      <p:sp>
+        <p:nvSpPr>
+          <p:cNvPr id="10" name="TextBox 9"/>
+          <p:cNvSpPr txBox="1"/>
+          <p:nvPr/>
+        </p:nvSpPr>
+        <p:spPr>
+          <a:xfrm>
+            <a:off x="9876909" y="4143583"/>
+            <a:ext cx="1002505" cy="646331"/>
+          </a:xfrm>
+          <a:prstGeom prst="rect">
+            <a:avLst/>
+          </a:prstGeom>
+          <a:noFill/>
+        </p:spPr>
+        <p:txBody>
+          <a:bodyPr wrap="square" rtlCol="0">
+            <a:spAutoFit/>
+          </a:bodyPr>
+          <a:lstStyle/>
+          <a:p>
+            <a:r>
+              <a:rPr lang="en-US" smtClean="0"/>
+              <a:t>Brand devices</a:t>
+            </a:r>
+            <a:endParaRPr lang="en-US"/>
+          </a:p>
+        </p:txBody>
+      </p:sp>
+      <p:sp>
+        <p:nvSpPr>
+          <p:cNvPr id="110" name="TextBox 109"/>
+          <p:cNvSpPr txBox="1"/>
+          <p:nvPr/>
+        </p:nvSpPr>
+        <p:spPr>
+          <a:xfrm>
+            <a:off x="8797631" y="5193941"/>
+            <a:ext cx="1192343" cy="646331"/>
+          </a:xfrm>
+          <a:prstGeom prst="rect">
+            <a:avLst/>
+          </a:prstGeom>
+          <a:noFill/>
+        </p:spPr>
+        <p:txBody>
+          <a:bodyPr wrap="square" rtlCol="0">
+            <a:spAutoFit/>
+          </a:bodyPr>
+          <a:lstStyle/>
+          <a:p>
+            <a:r>
+              <a:rPr lang="en-US" smtClean="0"/>
+              <a:t>Non-brand </a:t>
+            </a:r>
+            <a:r>
+              <a:rPr lang="en-US" dirty="0" smtClean="0"/>
+              <a:t>devices</a:t>
+            </a:r>
+            <a:endParaRPr lang="en-US" dirty="0"/>
+          </a:p>
+        </p:txBody>
+      </p:sp>
+    </p:spTree>
+    <p:extLst>
+      <p:ext uri="{BB962C8B-B14F-4D97-AF65-F5344CB8AC3E}">
+        <p14:creationId xmlns:p14="http://schemas.microsoft.com/office/powerpoint/2010/main" val="630516562"/>
+      </p:ext>
+    </p:extLst>
+  </p:cSld>
+  <p:clrMapOvr>
+    <a:masterClrMapping/>
+  </p:clrMapOvr>
+  <p:timing>
+    <p:tnLst>
+      <p:par>
+        <p:cTn id="1" dur="indefinite" restart="never" nodeType="tmRoot"/>
+      </p:par>
+    </p:tnLst>
+  </p:timing>
+</p:sld>
+</file>
+
+<file path=ppt/slides/slide3.xml><?xml version="1.0" encoding="utf-8"?>
+<p:sld xmlns:a="http://schemas.openxmlformats.org/drawingml/2006/main" xmlns:r="http://schemas.openxmlformats.org/officeDocument/2006/relationships" xmlns:p="http://schemas.openxmlformats.org/presentationml/2006/main">
+  <p:cSld>
+    <p:spTree>
+      <p:nvGrpSpPr>
+        <p:cNvPr id="1" name=""/>
+        <p:cNvGrpSpPr/>
+        <p:nvPr/>
+      </p:nvGrpSpPr>
+      <p:grpSpPr>
+        <a:xfrm>
+          <a:off x="0" y="0"/>
+          <a:ext cx="0" cy="0"/>
+          <a:chOff x="0" y="0"/>
+          <a:chExt cx="0" cy="0"/>
+        </a:xfrm>
+      </p:grpSpPr>
+      <p:sp>
+        <p:nvSpPr>
+          <p:cNvPr id="52" name="Rectangle 51"/>
+          <p:cNvSpPr/>
+          <p:nvPr/>
+        </p:nvSpPr>
+        <p:spPr>
+          <a:xfrm>
+            <a:off x="5165121" y="1390316"/>
+            <a:ext cx="2430684" cy="2407035"/>
+          </a:xfrm>
+          <a:prstGeom prst="rect">
+            <a:avLst/>
+          </a:prstGeom>
+          <a:noFill/>
+          <a:ln>
+            <a:solidFill>
+              <a:srgbClr val="00FA00"/>
+            </a:solidFill>
+          </a:ln>
+        </p:spPr>
+        <p:style>
+          <a:lnRef idx="2">
+            <a:schemeClr val="accent1">
+              <a:shade val="50000"/>
+            </a:schemeClr>
+          </a:lnRef>
+          <a:fillRef idx="1">
+            <a:schemeClr val="accent1"/>
+          </a:fillRef>
+          <a:effectRef idx="0">
+            <a:schemeClr val="accent1"/>
+          </a:effectRef>
+          <a:fontRef idx="minor">
+            <a:schemeClr val="lt1"/>
+          </a:fontRef>
+        </p:style>
+        <p:txBody>
+          <a:bodyPr rtlCol="0" anchor="ctr"/>
+          <a:lstStyle/>
+          <a:p>
+            <a:pPr algn="ctr"/>
+            <a:endParaRPr lang="en-US">
+              <a:latin typeface="+mj-lt"/>
+            </a:endParaRPr>
+          </a:p>
+        </p:txBody>
+      </p:sp>
       <p:grpSp>
         <p:nvGrpSpPr>
           <p:cNvPr id="12" name="Group 11"/>
@@ -3076,7 +7535,13 @@
                 <a:rPr lang="en-US" dirty="0" smtClean="0">
                   <a:latin typeface="+mj-lt"/>
                 </a:rPr>
-                <a:t>HTTP client using REQUESTS</a:t>
+                <a:t>HTTP </a:t>
+              </a:r>
+              <a:r>
+                <a:rPr lang="en-US" dirty="0" smtClean="0">
+                  <a:latin typeface="+mj-lt"/>
+                </a:rPr>
+                <a:t>client</a:t>
               </a:r>
               <a:endParaRPr lang="en-US" dirty="0">
                 <a:latin typeface="+mj-lt"/>
@@ -3243,7 +7708,13 @@
                 <a:rPr lang="en-US" dirty="0" smtClean="0">
                   <a:latin typeface="+mj-lt"/>
                 </a:rPr>
-                <a:t>HTTP client using REQUESTS</a:t>
+                <a:t>HTTP </a:t>
+              </a:r>
+              <a:r>
+                <a:rPr lang="en-US" dirty="0" smtClean="0">
+                  <a:latin typeface="+mj-lt"/>
+                </a:rPr>
+                <a:t>client</a:t>
               </a:r>
               <a:endParaRPr lang="en-US" dirty="0">
                 <a:latin typeface="+mj-lt"/>
@@ -3980,44 +8451,6 @@
           </a:fontRef>
         </p:style>
       </p:cxnSp>
-      <p:sp>
-        <p:nvSpPr>
-          <p:cNvPr id="55" name="TextBox 54"/>
-          <p:cNvSpPr txBox="1"/>
-          <p:nvPr/>
-        </p:nvSpPr>
-        <p:spPr>
-          <a:xfrm>
-            <a:off x="6961205" y="4997120"/>
-            <a:ext cx="677121" cy="369332"/>
-          </a:xfrm>
-          <a:prstGeom prst="rect">
-            <a:avLst/>
-          </a:prstGeom>
-          <a:noFill/>
-          <a:ln>
-            <a:noFill/>
-          </a:ln>
-        </p:spPr>
-        <p:txBody>
-          <a:bodyPr wrap="square" rtlCol="0">
-            <a:spAutoFit/>
-          </a:bodyPr>
-          <a:lstStyle/>
-          <a:p>
-            <a:pPr algn="ctr"/>
-            <a:r>
-              <a:rPr lang="en-US" smtClean="0">
-                <a:latin typeface="+mj-lt"/>
-              </a:rPr>
-              <a:t>RPC</a:t>
-            </a:r>
-            <a:endParaRPr lang="en-US" dirty="0">
-              <a:latin typeface="+mj-lt"/>
-            </a:endParaRPr>
-          </a:p>
-        </p:txBody>
-      </p:sp>
       <p:grpSp>
         <p:nvGrpSpPr>
           <p:cNvPr id="57" name="Group 56"/>
@@ -4060,7 +8493,9 @@
               <a:prstGeom prst="rect">
                 <a:avLst/>
               </a:prstGeom>
-              <a:noFill/>
+              <a:solidFill>
+                <a:schemeClr val="bg1"/>
+              </a:solidFill>
               <a:ln>
                 <a:solidFill>
                   <a:srgbClr val="00FA00"/>
@@ -4194,7 +8629,7 @@
                   <a:rPr lang="en-US" dirty="0" smtClean="0">
                     <a:latin typeface="+mj-lt"/>
                   </a:rPr>
-                  <a:t>App using Contract</a:t>
+                  <a:t>Contract App</a:t>
                 </a:r>
                 <a:endParaRPr lang="en-US" dirty="0">
                   <a:latin typeface="+mj-lt"/>
@@ -4232,7 +8667,7 @@
                   <a:rPr lang="en-US" dirty="0" smtClean="0">
                     <a:latin typeface="+mj-lt"/>
                   </a:rPr>
-                  <a:t>Brand Server</a:t>
+                  <a:t>User Servers</a:t>
                 </a:r>
                 <a:endParaRPr lang="en-US" dirty="0">
                   <a:latin typeface="+mj-lt"/>
@@ -4287,291 +8722,7 @@
                 <a:rPr lang="en-US" dirty="0" smtClean="0">
                   <a:latin typeface="+mj-lt"/>
                 </a:rPr>
-                <a:t>RESTful App </a:t>
-              </a:r>
-              <a:r>
-                <a:rPr lang="en-US" smtClean="0">
-                  <a:latin typeface="+mj-lt"/>
-                </a:rPr>
-                <a:t>for Brand devices</a:t>
-              </a:r>
-              <a:endParaRPr lang="en-US" dirty="0">
-                <a:latin typeface="+mj-lt"/>
-              </a:endParaRPr>
-            </a:p>
-          </p:txBody>
-        </p:sp>
-      </p:grpSp>
-      <p:grpSp>
-        <p:nvGrpSpPr>
-          <p:cNvPr id="66" name="Group 65"/>
-          <p:cNvGrpSpPr/>
-          <p:nvPr/>
-        </p:nvGrpSpPr>
-        <p:grpSpPr>
-          <a:xfrm>
-            <a:off x="1221122" y="2144937"/>
-            <a:ext cx="2590322" cy="1796479"/>
-            <a:chOff x="1408728" y="1488183"/>
-            <a:chExt cx="2590322" cy="1796479"/>
-          </a:xfrm>
-        </p:grpSpPr>
-        <p:grpSp>
-          <p:nvGrpSpPr>
-            <p:cNvPr id="59" name="Group 58"/>
-            <p:cNvGrpSpPr/>
-            <p:nvPr/>
-          </p:nvGrpSpPr>
-          <p:grpSpPr>
-            <a:xfrm>
-              <a:off x="1408728" y="1488183"/>
-              <a:ext cx="2590322" cy="1796479"/>
-              <a:chOff x="4606725" y="1596706"/>
-              <a:chExt cx="2233569" cy="2431284"/>
-            </a:xfrm>
-          </p:grpSpPr>
-          <p:sp>
-            <p:nvSpPr>
-              <p:cNvPr id="60" name="Rectangle 59"/>
-              <p:cNvSpPr/>
-              <p:nvPr/>
-            </p:nvSpPr>
-            <p:spPr>
-              <a:xfrm>
-                <a:off x="4606725" y="2095017"/>
-                <a:ext cx="2233569" cy="1932973"/>
-              </a:xfrm>
-              <a:prstGeom prst="rect">
-                <a:avLst/>
-              </a:prstGeom>
-              <a:noFill/>
-              <a:ln>
-                <a:solidFill>
-                  <a:srgbClr val="00FA00"/>
-                </a:solidFill>
-              </a:ln>
-            </p:spPr>
-            <p:style>
-              <a:lnRef idx="2">
-                <a:schemeClr val="accent1">
-                  <a:shade val="50000"/>
-                </a:schemeClr>
-              </a:lnRef>
-              <a:fillRef idx="1">
-                <a:schemeClr val="accent1"/>
-              </a:fillRef>
-              <a:effectRef idx="0">
-                <a:schemeClr val="accent1"/>
-              </a:effectRef>
-              <a:fontRef idx="minor">
-                <a:schemeClr val="lt1"/>
-              </a:fontRef>
-            </p:style>
-            <p:txBody>
-              <a:bodyPr rtlCol="0" anchor="ctr"/>
-              <a:lstStyle/>
-              <a:p>
-                <a:pPr algn="ctr"/>
-                <a:endParaRPr lang="en-US">
-                  <a:latin typeface="+mj-lt"/>
-                </a:endParaRPr>
-              </a:p>
-            </p:txBody>
-          </p:sp>
-          <p:sp>
-            <p:nvSpPr>
-              <p:cNvPr id="61" name="Rectangle 60"/>
-              <p:cNvSpPr/>
-              <p:nvPr/>
-            </p:nvSpPr>
-            <p:spPr>
-              <a:xfrm>
-                <a:off x="4734045" y="2304325"/>
-                <a:ext cx="1672096" cy="1116188"/>
-              </a:xfrm>
-              <a:prstGeom prst="rect">
-                <a:avLst/>
-              </a:prstGeom>
-              <a:solidFill>
-                <a:schemeClr val="bg1"/>
-              </a:solidFill>
-              <a:ln>
-                <a:solidFill>
-                  <a:srgbClr val="00FA00"/>
-                </a:solidFill>
-              </a:ln>
-            </p:spPr>
-            <p:style>
-              <a:lnRef idx="2">
-                <a:schemeClr val="accent1">
-                  <a:shade val="50000"/>
-                </a:schemeClr>
-              </a:lnRef>
-              <a:fillRef idx="1">
-                <a:schemeClr val="accent1"/>
-              </a:fillRef>
-              <a:effectRef idx="0">
-                <a:schemeClr val="accent1"/>
-              </a:effectRef>
-              <a:fontRef idx="minor">
-                <a:schemeClr val="lt1"/>
-              </a:fontRef>
-            </p:style>
-            <p:txBody>
-              <a:bodyPr rtlCol="0" anchor="ctr"/>
-              <a:lstStyle/>
-              <a:p>
-                <a:pPr algn="ctr"/>
-                <a:endParaRPr lang="en-US" dirty="0">
-                  <a:latin typeface="+mj-lt"/>
-                </a:endParaRPr>
-              </a:p>
-            </p:txBody>
-          </p:sp>
-          <p:sp>
-            <p:nvSpPr>
-              <p:cNvPr id="62" name="TextBox 61"/>
-              <p:cNvSpPr txBox="1"/>
-              <p:nvPr/>
-            </p:nvSpPr>
-            <p:spPr>
-              <a:xfrm>
-                <a:off x="4639037" y="1596706"/>
-                <a:ext cx="2168945" cy="499839"/>
-              </a:xfrm>
-              <a:prstGeom prst="rect">
-                <a:avLst/>
-              </a:prstGeom>
-              <a:noFill/>
-              <a:ln>
-                <a:noFill/>
-              </a:ln>
-            </p:spPr>
-            <p:txBody>
-              <a:bodyPr wrap="square" rtlCol="0">
-                <a:spAutoFit/>
-              </a:bodyPr>
-              <a:lstStyle/>
-              <a:p>
-                <a:pPr algn="ctr"/>
-                <a:r>
-                  <a:rPr lang="en-US" dirty="0" smtClean="0">
-                    <a:latin typeface="+mj-lt"/>
-                  </a:rPr>
-                  <a:t>Brand devices network</a:t>
-                </a:r>
-                <a:endParaRPr lang="en-US" dirty="0">
-                  <a:latin typeface="+mj-lt"/>
-                </a:endParaRPr>
-              </a:p>
-            </p:txBody>
-          </p:sp>
-        </p:grpSp>
-        <p:sp>
-          <p:nvSpPr>
-            <p:cNvPr id="63" name="Rectangle 62"/>
-            <p:cNvSpPr/>
-            <p:nvPr/>
-          </p:nvSpPr>
-          <p:spPr>
-            <a:xfrm>
-              <a:off x="1708785" y="2163444"/>
-              <a:ext cx="1939169" cy="824753"/>
-            </a:xfrm>
-            <a:prstGeom prst="rect">
-              <a:avLst/>
-            </a:prstGeom>
-            <a:solidFill>
-              <a:schemeClr val="bg1"/>
-            </a:solidFill>
-            <a:ln>
-              <a:solidFill>
-                <a:srgbClr val="00FA00"/>
-              </a:solidFill>
-            </a:ln>
-          </p:spPr>
-          <p:style>
-            <a:lnRef idx="2">
-              <a:schemeClr val="accent1">
-                <a:shade val="50000"/>
-              </a:schemeClr>
-            </a:lnRef>
-            <a:fillRef idx="1">
-              <a:schemeClr val="accent1"/>
-            </a:fillRef>
-            <a:effectRef idx="0">
-              <a:schemeClr val="accent1"/>
-            </a:effectRef>
-            <a:fontRef idx="minor">
-              <a:schemeClr val="lt1"/>
-            </a:fontRef>
-          </p:style>
-          <p:txBody>
-            <a:bodyPr rtlCol="0" anchor="ctr"/>
-            <a:lstStyle/>
-            <a:p>
-              <a:pPr algn="ctr"/>
-              <a:r>
-                <a:rPr lang="en-US" dirty="0" smtClean="0">
-                  <a:latin typeface="+mj-lt"/>
-                </a:rPr>
-                <a:t>HUE device</a:t>
-              </a:r>
-              <a:endParaRPr lang="en-US" dirty="0">
-                <a:latin typeface="+mj-lt"/>
-              </a:endParaRPr>
-            </a:p>
-          </p:txBody>
-        </p:sp>
-        <p:sp>
-          <p:nvSpPr>
-            <p:cNvPr id="64" name="Rectangle 63"/>
-            <p:cNvSpPr/>
-            <p:nvPr/>
-          </p:nvSpPr>
-          <p:spPr>
-            <a:xfrm>
-              <a:off x="1861185" y="2315844"/>
-              <a:ext cx="1939169" cy="824753"/>
-            </a:xfrm>
-            <a:prstGeom prst="rect">
-              <a:avLst/>
-            </a:prstGeom>
-            <a:solidFill>
-              <a:schemeClr val="bg1"/>
-            </a:solidFill>
-            <a:ln>
-              <a:solidFill>
-                <a:srgbClr val="00FA00"/>
-              </a:solidFill>
-            </a:ln>
-          </p:spPr>
-          <p:style>
-            <a:lnRef idx="2">
-              <a:schemeClr val="accent1">
-                <a:shade val="50000"/>
-              </a:schemeClr>
-            </a:lnRef>
-            <a:fillRef idx="1">
-              <a:schemeClr val="accent1"/>
-            </a:fillRef>
-            <a:effectRef idx="0">
-              <a:schemeClr val="accent1"/>
-            </a:effectRef>
-            <a:fontRef idx="minor">
-              <a:schemeClr val="lt1"/>
-            </a:fontRef>
-          </p:style>
-          <p:txBody>
-            <a:bodyPr rtlCol="0" anchor="ctr"/>
-            <a:lstStyle/>
-            <a:p>
-              <a:pPr algn="ctr"/>
-              <a:r>
-                <a:rPr lang="en-US" dirty="0" smtClean="0">
-                  <a:latin typeface="+mj-lt"/>
-                </a:rPr>
-                <a:t>Brand device</a:t>
+                <a:t>HTTP client</a:t>
               </a:r>
               <a:endParaRPr lang="en-US" dirty="0">
                 <a:latin typeface="+mj-lt"/>
@@ -4583,13 +8734,15 @@
       <p:cxnSp>
         <p:nvCxnSpPr>
           <p:cNvPr id="68" name="Straight Arrow Connector 67"/>
-          <p:cNvCxnSpPr/>
+          <p:cNvCxnSpPr>
+            <a:stCxn id="50" idx="3"/>
+          </p:cNvCxnSpPr>
           <p:nvPr/>
         </p:nvCxnSpPr>
         <p:spPr>
           <a:xfrm flipV="1">
-            <a:off x="3807350" y="2682583"/>
-            <a:ext cx="1634674" cy="13555"/>
+            <a:off x="3064949" y="2683025"/>
+            <a:ext cx="2377075" cy="1"/>
           </a:xfrm>
           <a:prstGeom prst="straightConnector1">
             <a:avLst/>
@@ -4626,7 +8779,7 @@
         <p:spPr>
           <a:xfrm>
             <a:off x="416689" y="324091"/>
-            <a:ext cx="4375229" cy="1200329"/>
+            <a:ext cx="4375229" cy="461665"/>
           </a:xfrm>
           <a:prstGeom prst="rect">
             <a:avLst/>
@@ -4644,21 +8797,7 @@
           <a:p>
             <a:r>
               <a:rPr lang="en-US" sz="2400" dirty="0" smtClean="0"/>
-              <a:t>Affiliated Client Authentication using Private </a:t>
-            </a:r>
-            <a:r>
-              <a:rPr lang="en-US" sz="2400" dirty="0" err="1" smtClean="0"/>
-              <a:t>Blockchain</a:t>
-            </a:r>
-            <a:r>
-              <a:rPr lang="en-US" sz="2400" dirty="0" smtClean="0"/>
-              <a:t> – </a:t>
-            </a:r>
-          </a:p>
-          <a:p>
-            <a:r>
-              <a:rPr lang="en-US" sz="2400" dirty="0" smtClean="0"/>
-              <a:t>Demo Architecture</a:t>
+              <a:t>Demo architecture</a:t>
             </a:r>
             <a:endParaRPr lang="en-US" sz="2400" dirty="0"/>
           </a:p>
@@ -4672,11 +8811,13 @@
         </p:nvCxnSpPr>
         <p:spPr>
           <a:xfrm rot="10800000">
-            <a:off x="7637360" y="1903049"/>
+            <a:off x="7637360" y="1706279"/>
             <a:ext cx="1578014" cy="1320157"/>
           </a:xfrm>
           <a:prstGeom prst="bentConnector3">
-            <a:avLst/>
+            <a:avLst>
+              <a:gd name="adj1" fmla="val 34597"/>
+            </a:avLst>
           </a:prstGeom>
           <a:ln>
             <a:solidFill>
@@ -4701,10 +8842,2297 @@
           </a:fontRef>
         </p:style>
       </p:cxnSp>
+      <p:sp>
+        <p:nvSpPr>
+          <p:cNvPr id="81" name="Cloud 80"/>
+          <p:cNvSpPr/>
+          <p:nvPr/>
+        </p:nvSpPr>
+        <p:spPr>
+          <a:xfrm>
+            <a:off x="6812539" y="3921645"/>
+            <a:ext cx="1110931" cy="711372"/>
+          </a:xfrm>
+          <a:prstGeom prst="cloud">
+            <a:avLst/>
+          </a:prstGeom>
+          <a:solidFill>
+            <a:schemeClr val="bg1"/>
+          </a:solidFill>
+          <a:ln>
+            <a:solidFill>
+              <a:srgbClr val="00FA00"/>
+            </a:solidFill>
+            <a:prstDash val="dash"/>
+          </a:ln>
+        </p:spPr>
+        <p:style>
+          <a:lnRef idx="2">
+            <a:schemeClr val="accent1">
+              <a:shade val="50000"/>
+            </a:schemeClr>
+          </a:lnRef>
+          <a:fillRef idx="1">
+            <a:schemeClr val="accent1"/>
+          </a:fillRef>
+          <a:effectRef idx="0">
+            <a:schemeClr val="accent1"/>
+          </a:effectRef>
+          <a:fontRef idx="minor">
+            <a:schemeClr val="lt1"/>
+          </a:fontRef>
+        </p:style>
+        <p:txBody>
+          <a:bodyPr rtlCol="0" anchor="ctr"/>
+          <a:lstStyle/>
+          <a:p>
+            <a:pPr algn="ctr"/>
+            <a:endParaRPr lang="en-US"/>
+          </a:p>
+        </p:txBody>
+      </p:sp>
+      <p:grpSp>
+        <p:nvGrpSpPr>
+          <p:cNvPr id="54" name="Group 53"/>
+          <p:cNvGrpSpPr/>
+          <p:nvPr/>
+        </p:nvGrpSpPr>
+        <p:grpSpPr>
+          <a:xfrm>
+            <a:off x="8815081" y="4515851"/>
+            <a:ext cx="2430684" cy="1111536"/>
+            <a:chOff x="4606724" y="2095196"/>
+            <a:chExt cx="2430684" cy="1932794"/>
+          </a:xfrm>
+        </p:grpSpPr>
+        <p:sp>
+          <p:nvSpPr>
+            <p:cNvPr id="58" name="Rectangle 57"/>
+            <p:cNvSpPr/>
+            <p:nvPr/>
+          </p:nvSpPr>
+          <p:spPr>
+            <a:xfrm>
+              <a:off x="4606724" y="2738233"/>
+              <a:ext cx="2430684" cy="1289757"/>
+            </a:xfrm>
+            <a:prstGeom prst="rect">
+              <a:avLst/>
+            </a:prstGeom>
+            <a:noFill/>
+            <a:ln>
+              <a:solidFill>
+                <a:srgbClr val="00FA00"/>
+              </a:solidFill>
+            </a:ln>
+          </p:spPr>
+          <p:style>
+            <a:lnRef idx="2">
+              <a:schemeClr val="accent1">
+                <a:shade val="50000"/>
+              </a:schemeClr>
+            </a:lnRef>
+            <a:fillRef idx="1">
+              <a:schemeClr val="accent1"/>
+            </a:fillRef>
+            <a:effectRef idx="0">
+              <a:schemeClr val="accent1"/>
+            </a:effectRef>
+            <a:fontRef idx="minor">
+              <a:schemeClr val="lt1"/>
+            </a:fontRef>
+          </p:style>
+          <p:txBody>
+            <a:bodyPr rtlCol="0" anchor="ctr"/>
+            <a:lstStyle/>
+            <a:p>
+              <a:pPr algn="ctr"/>
+              <a:endParaRPr lang="en-US">
+                <a:latin typeface="+mj-lt"/>
+              </a:endParaRPr>
+            </a:p>
+          </p:txBody>
+        </p:sp>
+        <p:sp>
+          <p:nvSpPr>
+            <p:cNvPr id="65" name="Rectangle 64"/>
+            <p:cNvSpPr/>
+            <p:nvPr/>
+          </p:nvSpPr>
+          <p:spPr>
+            <a:xfrm>
+              <a:off x="4734045" y="2979752"/>
+              <a:ext cx="2176041" cy="806719"/>
+            </a:xfrm>
+            <a:prstGeom prst="rect">
+              <a:avLst/>
+            </a:prstGeom>
+            <a:noFill/>
+            <a:ln>
+              <a:solidFill>
+                <a:srgbClr val="00FA00"/>
+              </a:solidFill>
+            </a:ln>
+          </p:spPr>
+          <p:style>
+            <a:lnRef idx="2">
+              <a:schemeClr val="accent1">
+                <a:shade val="50000"/>
+              </a:schemeClr>
+            </a:lnRef>
+            <a:fillRef idx="1">
+              <a:schemeClr val="accent1"/>
+            </a:fillRef>
+            <a:effectRef idx="0">
+              <a:schemeClr val="accent1"/>
+            </a:effectRef>
+            <a:fontRef idx="minor">
+              <a:schemeClr val="lt1"/>
+            </a:fontRef>
+          </p:style>
+          <p:txBody>
+            <a:bodyPr rtlCol="0" anchor="ctr"/>
+            <a:lstStyle/>
+            <a:p>
+              <a:pPr algn="ctr"/>
+              <a:r>
+                <a:rPr lang="en-US" dirty="0" smtClean="0">
+                  <a:latin typeface="+mj-lt"/>
+                </a:rPr>
+                <a:t>HTTP client </a:t>
+              </a:r>
+              <a:endParaRPr lang="en-US" dirty="0">
+                <a:latin typeface="+mj-lt"/>
+              </a:endParaRPr>
+            </a:p>
+          </p:txBody>
+        </p:sp>
+        <p:sp>
+          <p:nvSpPr>
+            <p:cNvPr id="67" name="TextBox 66"/>
+            <p:cNvSpPr txBox="1"/>
+            <p:nvPr/>
+          </p:nvSpPr>
+          <p:spPr>
+            <a:xfrm>
+              <a:off x="4702696" y="2095196"/>
+              <a:ext cx="2238737" cy="642213"/>
+            </a:xfrm>
+            <a:prstGeom prst="rect">
+              <a:avLst/>
+            </a:prstGeom>
+            <a:noFill/>
+            <a:ln>
+              <a:noFill/>
+            </a:ln>
+          </p:spPr>
+          <p:txBody>
+            <a:bodyPr wrap="square" rtlCol="0">
+              <a:spAutoFit/>
+            </a:bodyPr>
+            <a:lstStyle/>
+            <a:p>
+              <a:pPr algn="ctr"/>
+              <a:r>
+                <a:rPr lang="en-US" dirty="0" smtClean="0">
+                  <a:latin typeface="+mj-lt"/>
+                </a:rPr>
+                <a:t>Admin UI</a:t>
+              </a:r>
+              <a:endParaRPr lang="en-US" dirty="0">
+                <a:latin typeface="+mj-lt"/>
+              </a:endParaRPr>
+            </a:p>
+          </p:txBody>
+        </p:sp>
+      </p:grpSp>
+      <p:cxnSp>
+        <p:nvCxnSpPr>
+          <p:cNvPr id="36" name="Elbow Connector 35"/>
+          <p:cNvCxnSpPr/>
+          <p:nvPr/>
+        </p:nvCxnSpPr>
+        <p:spPr>
+          <a:xfrm>
+            <a:off x="7637360" y="1841631"/>
+            <a:ext cx="1305042" cy="3507490"/>
+          </a:xfrm>
+          <a:prstGeom prst="bentConnector3">
+            <a:avLst>
+              <a:gd name="adj1" fmla="val 50000"/>
+            </a:avLst>
+          </a:prstGeom>
+          <a:ln>
+            <a:solidFill>
+              <a:srgbClr val="00FA00"/>
+            </a:solidFill>
+            <a:headEnd type="triangle"/>
+            <a:tailEnd type="triangle"/>
+          </a:ln>
+        </p:spPr>
+        <p:style>
+          <a:lnRef idx="1">
+            <a:schemeClr val="accent1"/>
+          </a:lnRef>
+          <a:fillRef idx="0">
+            <a:schemeClr val="accent1"/>
+          </a:fillRef>
+          <a:effectRef idx="0">
+            <a:schemeClr val="accent1"/>
+          </a:effectRef>
+          <a:fontRef idx="minor">
+            <a:schemeClr val="tx1"/>
+          </a:fontRef>
+        </p:style>
+      </p:cxnSp>
+      <p:grpSp>
+        <p:nvGrpSpPr>
+          <p:cNvPr id="3" name="Group 2"/>
+          <p:cNvGrpSpPr/>
+          <p:nvPr/>
+        </p:nvGrpSpPr>
+        <p:grpSpPr>
+          <a:xfrm>
+            <a:off x="796474" y="1889003"/>
+            <a:ext cx="2590322" cy="2488079"/>
+            <a:chOff x="796474" y="1841631"/>
+            <a:chExt cx="2590322" cy="2488079"/>
+          </a:xfrm>
+        </p:grpSpPr>
+        <p:grpSp>
+          <p:nvGrpSpPr>
+            <p:cNvPr id="66" name="Group 65"/>
+            <p:cNvGrpSpPr/>
+            <p:nvPr/>
+          </p:nvGrpSpPr>
+          <p:grpSpPr>
+            <a:xfrm>
+              <a:off x="796474" y="1841631"/>
+              <a:ext cx="2590322" cy="2488079"/>
+              <a:chOff x="1408728" y="1488183"/>
+              <a:chExt cx="2590322" cy="2488079"/>
+            </a:xfrm>
+          </p:grpSpPr>
+          <p:grpSp>
+            <p:nvGrpSpPr>
+              <p:cNvPr id="59" name="Group 58"/>
+              <p:cNvGrpSpPr/>
+              <p:nvPr/>
+            </p:nvGrpSpPr>
+            <p:grpSpPr>
+              <a:xfrm>
+                <a:off x="1408728" y="1488183"/>
+                <a:ext cx="2590322" cy="2488079"/>
+                <a:chOff x="4606725" y="1596706"/>
+                <a:chExt cx="2233569" cy="3367268"/>
+              </a:xfrm>
+            </p:grpSpPr>
+            <p:sp>
+              <p:nvSpPr>
+                <p:cNvPr id="60" name="Rectangle 59"/>
+                <p:cNvSpPr/>
+                <p:nvPr/>
+              </p:nvSpPr>
+              <p:spPr>
+                <a:xfrm>
+                  <a:off x="4606725" y="2095016"/>
+                  <a:ext cx="2233569" cy="2868958"/>
+                </a:xfrm>
+                <a:prstGeom prst="rect">
+                  <a:avLst/>
+                </a:prstGeom>
+                <a:noFill/>
+                <a:ln>
+                  <a:solidFill>
+                    <a:srgbClr val="00FA00"/>
+                  </a:solidFill>
+                </a:ln>
+              </p:spPr>
+              <p:style>
+                <a:lnRef idx="2">
+                  <a:schemeClr val="accent1">
+                    <a:shade val="50000"/>
+                  </a:schemeClr>
+                </a:lnRef>
+                <a:fillRef idx="1">
+                  <a:schemeClr val="accent1"/>
+                </a:fillRef>
+                <a:effectRef idx="0">
+                  <a:schemeClr val="accent1"/>
+                </a:effectRef>
+                <a:fontRef idx="minor">
+                  <a:schemeClr val="lt1"/>
+                </a:fontRef>
+              </p:style>
+              <p:txBody>
+                <a:bodyPr rtlCol="0" anchor="ctr"/>
+                <a:lstStyle/>
+                <a:p>
+                  <a:pPr algn="ctr"/>
+                  <a:endParaRPr lang="en-US">
+                    <a:latin typeface="+mj-lt"/>
+                  </a:endParaRPr>
+                </a:p>
+              </p:txBody>
+            </p:sp>
+            <p:sp>
+              <p:nvSpPr>
+                <p:cNvPr id="61" name="Rectangle 60"/>
+                <p:cNvSpPr/>
+                <p:nvPr/>
+              </p:nvSpPr>
+              <p:spPr>
+                <a:xfrm>
+                  <a:off x="4733660" y="3121259"/>
+                  <a:ext cx="1672096" cy="1116188"/>
+                </a:xfrm>
+                <a:prstGeom prst="rect">
+                  <a:avLst/>
+                </a:prstGeom>
+                <a:solidFill>
+                  <a:schemeClr val="bg1"/>
+                </a:solidFill>
+                <a:ln>
+                  <a:solidFill>
+                    <a:srgbClr val="00FA00"/>
+                  </a:solidFill>
+                </a:ln>
+              </p:spPr>
+              <p:style>
+                <a:lnRef idx="2">
+                  <a:schemeClr val="accent1">
+                    <a:shade val="50000"/>
+                  </a:schemeClr>
+                </a:lnRef>
+                <a:fillRef idx="1">
+                  <a:schemeClr val="accent1"/>
+                </a:fillRef>
+                <a:effectRef idx="0">
+                  <a:schemeClr val="accent1"/>
+                </a:effectRef>
+                <a:fontRef idx="minor">
+                  <a:schemeClr val="lt1"/>
+                </a:fontRef>
+              </p:style>
+              <p:txBody>
+                <a:bodyPr rtlCol="0" anchor="ctr"/>
+                <a:lstStyle/>
+                <a:p>
+                  <a:pPr algn="ctr"/>
+                  <a:endParaRPr lang="en-US" dirty="0">
+                    <a:latin typeface="+mj-lt"/>
+                  </a:endParaRPr>
+                </a:p>
+              </p:txBody>
+            </p:sp>
+            <p:sp>
+              <p:nvSpPr>
+                <p:cNvPr id="62" name="TextBox 61"/>
+                <p:cNvSpPr txBox="1"/>
+                <p:nvPr/>
+              </p:nvSpPr>
+              <p:spPr>
+                <a:xfrm>
+                  <a:off x="4639037" y="1596706"/>
+                  <a:ext cx="2168945" cy="499839"/>
+                </a:xfrm>
+                <a:prstGeom prst="rect">
+                  <a:avLst/>
+                </a:prstGeom>
+                <a:noFill/>
+                <a:ln>
+                  <a:noFill/>
+                </a:ln>
+              </p:spPr>
+              <p:txBody>
+                <a:bodyPr wrap="square" rtlCol="0">
+                  <a:spAutoFit/>
+                </a:bodyPr>
+                <a:lstStyle/>
+                <a:p>
+                  <a:pPr algn="ctr"/>
+                  <a:r>
+                    <a:rPr lang="en-US" dirty="0" smtClean="0">
+                      <a:latin typeface="+mj-lt"/>
+                    </a:rPr>
+                    <a:t>Brand devices network</a:t>
+                  </a:r>
+                  <a:endParaRPr lang="en-US" dirty="0">
+                    <a:latin typeface="+mj-lt"/>
+                  </a:endParaRPr>
+                </a:p>
+              </p:txBody>
+            </p:sp>
+          </p:grpSp>
+          <p:sp>
+            <p:nvSpPr>
+              <p:cNvPr id="63" name="Rectangle 62"/>
+              <p:cNvSpPr/>
+              <p:nvPr/>
+            </p:nvSpPr>
+            <p:spPr>
+              <a:xfrm>
+                <a:off x="1708338" y="2767077"/>
+                <a:ext cx="1939169" cy="824753"/>
+              </a:xfrm>
+              <a:prstGeom prst="rect">
+                <a:avLst/>
+              </a:prstGeom>
+              <a:solidFill>
+                <a:schemeClr val="bg1"/>
+              </a:solidFill>
+              <a:ln>
+                <a:solidFill>
+                  <a:srgbClr val="00FA00"/>
+                </a:solidFill>
+              </a:ln>
+            </p:spPr>
+            <p:style>
+              <a:lnRef idx="2">
+                <a:schemeClr val="accent1">
+                  <a:shade val="50000"/>
+                </a:schemeClr>
+              </a:lnRef>
+              <a:fillRef idx="1">
+                <a:schemeClr val="accent1"/>
+              </a:fillRef>
+              <a:effectRef idx="0">
+                <a:schemeClr val="accent1"/>
+              </a:effectRef>
+              <a:fontRef idx="minor">
+                <a:schemeClr val="lt1"/>
+              </a:fontRef>
+            </p:style>
+            <p:txBody>
+              <a:bodyPr rtlCol="0" anchor="ctr"/>
+              <a:lstStyle/>
+              <a:p>
+                <a:pPr algn="ctr"/>
+                <a:r>
+                  <a:rPr lang="en-US" dirty="0" smtClean="0">
+                    <a:latin typeface="+mj-lt"/>
+                  </a:rPr>
+                  <a:t>HUE device</a:t>
+                </a:r>
+                <a:endParaRPr lang="en-US" dirty="0">
+                  <a:latin typeface="+mj-lt"/>
+                </a:endParaRPr>
+              </a:p>
+            </p:txBody>
+          </p:sp>
+          <p:sp>
+            <p:nvSpPr>
+              <p:cNvPr id="64" name="Rectangle 63"/>
+              <p:cNvSpPr/>
+              <p:nvPr/>
+            </p:nvSpPr>
+            <p:spPr>
+              <a:xfrm>
+                <a:off x="1860738" y="2919477"/>
+                <a:ext cx="1939169" cy="824753"/>
+              </a:xfrm>
+              <a:prstGeom prst="rect">
+                <a:avLst/>
+              </a:prstGeom>
+              <a:solidFill>
+                <a:schemeClr val="bg1"/>
+              </a:solidFill>
+              <a:ln>
+                <a:solidFill>
+                  <a:srgbClr val="00FA00"/>
+                </a:solidFill>
+              </a:ln>
+            </p:spPr>
+            <p:style>
+              <a:lnRef idx="2">
+                <a:schemeClr val="accent1">
+                  <a:shade val="50000"/>
+                </a:schemeClr>
+              </a:lnRef>
+              <a:fillRef idx="1">
+                <a:schemeClr val="accent1"/>
+              </a:fillRef>
+              <a:effectRef idx="0">
+                <a:schemeClr val="accent1"/>
+              </a:effectRef>
+              <a:fontRef idx="minor">
+                <a:schemeClr val="lt1"/>
+              </a:fontRef>
+            </p:style>
+            <p:txBody>
+              <a:bodyPr rtlCol="0" anchor="ctr"/>
+              <a:lstStyle/>
+              <a:p>
+                <a:pPr algn="ctr"/>
+                <a:r>
+                  <a:rPr lang="en-US" dirty="0" smtClean="0">
+                    <a:latin typeface="+mj-lt"/>
+                  </a:rPr>
+                  <a:t>Brand device</a:t>
+                </a:r>
+                <a:endParaRPr lang="en-US" dirty="0">
+                  <a:latin typeface="+mj-lt"/>
+                </a:endParaRPr>
+              </a:p>
+            </p:txBody>
+          </p:sp>
+        </p:grpSp>
+        <p:sp>
+          <p:nvSpPr>
+            <p:cNvPr id="50" name="Rectangle 49"/>
+            <p:cNvSpPr/>
+            <p:nvPr/>
+          </p:nvSpPr>
+          <p:spPr>
+            <a:xfrm>
+              <a:off x="1125780" y="2423602"/>
+              <a:ext cx="1939169" cy="424103"/>
+            </a:xfrm>
+            <a:prstGeom prst="rect">
+              <a:avLst/>
+            </a:prstGeom>
+            <a:solidFill>
+              <a:schemeClr val="bg1"/>
+            </a:solidFill>
+            <a:ln>
+              <a:solidFill>
+                <a:srgbClr val="00FA00"/>
+              </a:solidFill>
+            </a:ln>
+          </p:spPr>
+          <p:style>
+            <a:lnRef idx="2">
+              <a:schemeClr val="accent1">
+                <a:shade val="50000"/>
+              </a:schemeClr>
+            </a:lnRef>
+            <a:fillRef idx="1">
+              <a:schemeClr val="accent1"/>
+            </a:fillRef>
+            <a:effectRef idx="0">
+              <a:schemeClr val="accent1"/>
+            </a:effectRef>
+            <a:fontRef idx="minor">
+              <a:schemeClr val="lt1"/>
+            </a:fontRef>
+          </p:style>
+          <p:txBody>
+            <a:bodyPr rtlCol="0" anchor="ctr"/>
+            <a:lstStyle/>
+            <a:p>
+              <a:pPr algn="ctr"/>
+              <a:r>
+                <a:rPr lang="en-US" dirty="0" smtClean="0">
+                  <a:latin typeface="+mj-lt"/>
+                </a:rPr>
+                <a:t>Brand bridge</a:t>
+              </a:r>
+              <a:endParaRPr lang="en-US" dirty="0">
+                <a:latin typeface="+mj-lt"/>
+              </a:endParaRPr>
+            </a:p>
+          </p:txBody>
+        </p:sp>
+      </p:grpSp>
     </p:spTree>
     <p:extLst>
       <p:ext uri="{BB962C8B-B14F-4D97-AF65-F5344CB8AC3E}">
-        <p14:creationId xmlns:p14="http://schemas.microsoft.com/office/powerpoint/2010/main" val="645878058"/>
+        <p14:creationId xmlns:p14="http://schemas.microsoft.com/office/powerpoint/2010/main" val="1185432457"/>
+      </p:ext>
+    </p:extLst>
+  </p:cSld>
+  <p:clrMapOvr>
+    <a:masterClrMapping/>
+  </p:clrMapOvr>
+  <p:timing>
+    <p:tnLst>
+      <p:par>
+        <p:cTn id="1" dur="indefinite" restart="never" nodeType="tmRoot"/>
+      </p:par>
+    </p:tnLst>
+  </p:timing>
+</p:sld>
+</file>
+
+<file path=ppt/slides/slide4.xml><?xml version="1.0" encoding="utf-8"?>
+<p:sld xmlns:a="http://schemas.openxmlformats.org/drawingml/2006/main" xmlns:r="http://schemas.openxmlformats.org/officeDocument/2006/relationships" xmlns:p="http://schemas.openxmlformats.org/presentationml/2006/main">
+  <p:cSld>
+    <p:spTree>
+      <p:nvGrpSpPr>
+        <p:cNvPr id="1" name=""/>
+        <p:cNvGrpSpPr/>
+        <p:nvPr/>
+      </p:nvGrpSpPr>
+      <p:grpSpPr>
+        <a:xfrm>
+          <a:off x="0" y="0"/>
+          <a:ext cx="0" cy="0"/>
+          <a:chOff x="0" y="0"/>
+          <a:chExt cx="0" cy="0"/>
+        </a:xfrm>
+      </p:grpSpPr>
+      <p:sp>
+        <p:nvSpPr>
+          <p:cNvPr id="69" name="TextBox 68"/>
+          <p:cNvSpPr txBox="1"/>
+          <p:nvPr/>
+        </p:nvSpPr>
+        <p:spPr>
+          <a:xfrm>
+            <a:off x="416689" y="324091"/>
+            <a:ext cx="5131440" cy="461665"/>
+          </a:xfrm>
+          <a:prstGeom prst="rect">
+            <a:avLst/>
+          </a:prstGeom>
+          <a:noFill/>
+          <a:ln>
+            <a:noFill/>
+          </a:ln>
+        </p:spPr>
+        <p:txBody>
+          <a:bodyPr wrap="square" rtlCol="0">
+            <a:spAutoFit/>
+          </a:bodyPr>
+          <a:lstStyle/>
+          <a:p>
+            <a:r>
+              <a:rPr lang="en-US" sz="2400" dirty="0" smtClean="0"/>
+              <a:t>Device registration</a:t>
+            </a:r>
+            <a:endParaRPr lang="en-US" sz="2400" dirty="0"/>
+          </a:p>
+        </p:txBody>
+      </p:sp>
+      <p:grpSp>
+        <p:nvGrpSpPr>
+          <p:cNvPr id="130" name="Group 129"/>
+          <p:cNvGrpSpPr/>
+          <p:nvPr/>
+        </p:nvGrpSpPr>
+        <p:grpSpPr>
+          <a:xfrm>
+            <a:off x="600933" y="1841644"/>
+            <a:ext cx="11079548" cy="2994516"/>
+            <a:chOff x="550133" y="1099964"/>
+            <a:chExt cx="11079548" cy="2994516"/>
+          </a:xfrm>
+        </p:grpSpPr>
+        <p:grpSp>
+          <p:nvGrpSpPr>
+            <p:cNvPr id="4" name="Group 3"/>
+            <p:cNvGrpSpPr/>
+            <p:nvPr/>
+          </p:nvGrpSpPr>
+          <p:grpSpPr>
+            <a:xfrm>
+              <a:off x="550133" y="1544199"/>
+              <a:ext cx="1333687" cy="2550281"/>
+              <a:chOff x="703157" y="1388259"/>
+              <a:chExt cx="1539181" cy="2550281"/>
+            </a:xfrm>
+          </p:grpSpPr>
+          <p:sp>
+            <p:nvSpPr>
+              <p:cNvPr id="50" name="Rectangle 49"/>
+              <p:cNvSpPr/>
+              <p:nvPr/>
+            </p:nvSpPr>
+            <p:spPr>
+              <a:xfrm>
+                <a:off x="703157" y="1388259"/>
+                <a:ext cx="1539181" cy="553741"/>
+              </a:xfrm>
+              <a:prstGeom prst="rect">
+                <a:avLst/>
+              </a:prstGeom>
+              <a:noFill/>
+              <a:ln>
+                <a:solidFill>
+                  <a:srgbClr val="00FA00"/>
+                </a:solidFill>
+              </a:ln>
+            </p:spPr>
+            <p:style>
+              <a:lnRef idx="2">
+                <a:schemeClr val="accent1">
+                  <a:shade val="50000"/>
+                </a:schemeClr>
+              </a:lnRef>
+              <a:fillRef idx="1">
+                <a:schemeClr val="accent1"/>
+              </a:fillRef>
+              <a:effectRef idx="0">
+                <a:schemeClr val="accent1"/>
+              </a:effectRef>
+              <a:fontRef idx="minor">
+                <a:schemeClr val="lt1"/>
+              </a:fontRef>
+            </p:style>
+            <p:txBody>
+              <a:bodyPr rtlCol="0" anchor="ctr"/>
+              <a:lstStyle/>
+              <a:p>
+                <a:pPr algn="ctr"/>
+                <a:r>
+                  <a:rPr lang="en-US" sz="1400" dirty="0" smtClean="0">
+                    <a:latin typeface="+mj-lt"/>
+                  </a:rPr>
+                  <a:t>Device reg. interface</a:t>
+                </a:r>
+                <a:endParaRPr lang="en-US" sz="1400" dirty="0">
+                  <a:latin typeface="+mj-lt"/>
+                </a:endParaRPr>
+              </a:p>
+            </p:txBody>
+          </p:sp>
+          <p:cxnSp>
+            <p:nvCxnSpPr>
+              <p:cNvPr id="3" name="Straight Connector 2"/>
+              <p:cNvCxnSpPr>
+                <a:stCxn id="50" idx="2"/>
+              </p:cNvCxnSpPr>
+              <p:nvPr/>
+            </p:nvCxnSpPr>
+            <p:spPr>
+              <a:xfrm>
+                <a:off x="1472748" y="1942000"/>
+                <a:ext cx="0" cy="1996540"/>
+              </a:xfrm>
+              <a:prstGeom prst="line">
+                <a:avLst/>
+              </a:prstGeom>
+              <a:ln>
+                <a:solidFill>
+                  <a:srgbClr val="00FA00"/>
+                </a:solidFill>
+              </a:ln>
+            </p:spPr>
+            <p:style>
+              <a:lnRef idx="1">
+                <a:schemeClr val="accent1"/>
+              </a:lnRef>
+              <a:fillRef idx="0">
+                <a:schemeClr val="accent1"/>
+              </a:fillRef>
+              <a:effectRef idx="0">
+                <a:schemeClr val="accent1"/>
+              </a:effectRef>
+              <a:fontRef idx="minor">
+                <a:schemeClr val="tx1"/>
+              </a:fontRef>
+            </p:style>
+          </p:cxnSp>
+        </p:grpSp>
+        <p:grpSp>
+          <p:nvGrpSpPr>
+            <p:cNvPr id="10" name="Group 9"/>
+            <p:cNvGrpSpPr/>
+            <p:nvPr/>
+          </p:nvGrpSpPr>
+          <p:grpSpPr>
+            <a:xfrm>
+              <a:off x="4610039" y="1544199"/>
+              <a:ext cx="1192655" cy="2550281"/>
+              <a:chOff x="2611048" y="1388259"/>
+              <a:chExt cx="1634930" cy="2550281"/>
+            </a:xfrm>
+          </p:grpSpPr>
+          <p:sp>
+            <p:nvSpPr>
+              <p:cNvPr id="51" name="Rectangle 50"/>
+              <p:cNvSpPr/>
+              <p:nvPr/>
+            </p:nvSpPr>
+            <p:spPr>
+              <a:xfrm>
+                <a:off x="2611048" y="1388259"/>
+                <a:ext cx="1634930" cy="553741"/>
+              </a:xfrm>
+              <a:prstGeom prst="rect">
+                <a:avLst/>
+              </a:prstGeom>
+              <a:noFill/>
+              <a:ln>
+                <a:solidFill>
+                  <a:srgbClr val="00FA00"/>
+                </a:solidFill>
+              </a:ln>
+            </p:spPr>
+            <p:style>
+              <a:lnRef idx="2">
+                <a:schemeClr val="accent1">
+                  <a:shade val="50000"/>
+                </a:schemeClr>
+              </a:lnRef>
+              <a:fillRef idx="1">
+                <a:schemeClr val="accent1"/>
+              </a:fillRef>
+              <a:effectRef idx="0">
+                <a:schemeClr val="accent1"/>
+              </a:effectRef>
+              <a:fontRef idx="minor">
+                <a:schemeClr val="lt1"/>
+              </a:fontRef>
+            </p:style>
+            <p:txBody>
+              <a:bodyPr rtlCol="0" anchor="ctr"/>
+              <a:lstStyle/>
+              <a:p>
+                <a:pPr algn="ctr"/>
+                <a:r>
+                  <a:rPr lang="en-US" sz="1400" dirty="0" smtClean="0">
+                    <a:latin typeface="+mj-lt"/>
+                  </a:rPr>
+                  <a:t>Contract</a:t>
+                </a:r>
+              </a:p>
+              <a:p>
+                <a:pPr algn="ctr"/>
+                <a:r>
+                  <a:rPr lang="en-US" sz="1400" dirty="0" smtClean="0">
+                    <a:latin typeface="+mj-lt"/>
+                  </a:rPr>
+                  <a:t>App</a:t>
+                </a:r>
+              </a:p>
+            </p:txBody>
+          </p:sp>
+          <p:cxnSp>
+            <p:nvCxnSpPr>
+              <p:cNvPr id="55" name="Straight Connector 54"/>
+              <p:cNvCxnSpPr/>
+              <p:nvPr/>
+            </p:nvCxnSpPr>
+            <p:spPr>
+              <a:xfrm>
+                <a:off x="3410914" y="1942000"/>
+                <a:ext cx="14120" cy="1996540"/>
+              </a:xfrm>
+              <a:prstGeom prst="line">
+                <a:avLst/>
+              </a:prstGeom>
+              <a:ln>
+                <a:solidFill>
+                  <a:srgbClr val="00FA00"/>
+                </a:solidFill>
+              </a:ln>
+            </p:spPr>
+            <p:style>
+              <a:lnRef idx="1">
+                <a:schemeClr val="accent1"/>
+              </a:lnRef>
+              <a:fillRef idx="0">
+                <a:schemeClr val="accent1"/>
+              </a:fillRef>
+              <a:effectRef idx="0">
+                <a:schemeClr val="accent1"/>
+              </a:effectRef>
+              <a:fontRef idx="minor">
+                <a:schemeClr val="tx1"/>
+              </a:fontRef>
+            </p:style>
+          </p:cxnSp>
+        </p:grpSp>
+        <p:grpSp>
+          <p:nvGrpSpPr>
+            <p:cNvPr id="70" name="Group 69"/>
+            <p:cNvGrpSpPr/>
+            <p:nvPr/>
+          </p:nvGrpSpPr>
+          <p:grpSpPr>
+            <a:xfrm>
+              <a:off x="6508251" y="1544199"/>
+              <a:ext cx="1240423" cy="2550281"/>
+              <a:chOff x="2611048" y="1388259"/>
+              <a:chExt cx="1634930" cy="2550281"/>
+            </a:xfrm>
+          </p:grpSpPr>
+          <p:sp>
+            <p:nvSpPr>
+              <p:cNvPr id="71" name="Rectangle 70"/>
+              <p:cNvSpPr/>
+              <p:nvPr/>
+            </p:nvSpPr>
+            <p:spPr>
+              <a:xfrm>
+                <a:off x="2611048" y="1388259"/>
+                <a:ext cx="1634930" cy="553741"/>
+              </a:xfrm>
+              <a:prstGeom prst="rect">
+                <a:avLst/>
+              </a:prstGeom>
+              <a:noFill/>
+              <a:ln>
+                <a:solidFill>
+                  <a:srgbClr val="00FA00"/>
+                </a:solidFill>
+              </a:ln>
+            </p:spPr>
+            <p:style>
+              <a:lnRef idx="2">
+                <a:schemeClr val="accent1">
+                  <a:shade val="50000"/>
+                </a:schemeClr>
+              </a:lnRef>
+              <a:fillRef idx="1">
+                <a:schemeClr val="accent1"/>
+              </a:fillRef>
+              <a:effectRef idx="0">
+                <a:schemeClr val="accent1"/>
+              </a:effectRef>
+              <a:fontRef idx="minor">
+                <a:schemeClr val="lt1"/>
+              </a:fontRef>
+            </p:style>
+            <p:txBody>
+              <a:bodyPr rtlCol="0" anchor="ctr"/>
+              <a:lstStyle/>
+              <a:p>
+                <a:pPr algn="ctr"/>
+                <a:r>
+                  <a:rPr lang="en-US" sz="1400" dirty="0" smtClean="0">
+                    <a:latin typeface="+mj-lt"/>
+                  </a:rPr>
+                  <a:t>HTTP client</a:t>
+                </a:r>
+              </a:p>
+            </p:txBody>
+          </p:sp>
+          <p:cxnSp>
+            <p:nvCxnSpPr>
+              <p:cNvPr id="72" name="Straight Connector 71"/>
+              <p:cNvCxnSpPr/>
+              <p:nvPr/>
+            </p:nvCxnSpPr>
+            <p:spPr>
+              <a:xfrm>
+                <a:off x="3410914" y="1942000"/>
+                <a:ext cx="14119" cy="1996540"/>
+              </a:xfrm>
+              <a:prstGeom prst="line">
+                <a:avLst/>
+              </a:prstGeom>
+              <a:ln>
+                <a:solidFill>
+                  <a:srgbClr val="00FA00"/>
+                </a:solidFill>
+              </a:ln>
+            </p:spPr>
+            <p:style>
+              <a:lnRef idx="1">
+                <a:schemeClr val="accent1"/>
+              </a:lnRef>
+              <a:fillRef idx="0">
+                <a:schemeClr val="accent1"/>
+              </a:fillRef>
+              <a:effectRef idx="0">
+                <a:schemeClr val="accent1"/>
+              </a:effectRef>
+              <a:fontRef idx="minor">
+                <a:schemeClr val="tx1"/>
+              </a:fontRef>
+            </p:style>
+          </p:cxnSp>
+        </p:grpSp>
+        <p:grpSp>
+          <p:nvGrpSpPr>
+            <p:cNvPr id="73" name="Group 72"/>
+            <p:cNvGrpSpPr/>
+            <p:nvPr/>
+          </p:nvGrpSpPr>
+          <p:grpSpPr>
+            <a:xfrm>
+              <a:off x="2595929" y="1544199"/>
+              <a:ext cx="1305042" cy="2550281"/>
+              <a:chOff x="2611048" y="1388259"/>
+              <a:chExt cx="1634930" cy="2595952"/>
+            </a:xfrm>
+          </p:grpSpPr>
+          <p:sp>
+            <p:nvSpPr>
+              <p:cNvPr id="74" name="Rectangle 73"/>
+              <p:cNvSpPr/>
+              <p:nvPr/>
+            </p:nvSpPr>
+            <p:spPr>
+              <a:xfrm>
+                <a:off x="2611048" y="1388259"/>
+                <a:ext cx="1634930" cy="553741"/>
+              </a:xfrm>
+              <a:prstGeom prst="rect">
+                <a:avLst/>
+              </a:prstGeom>
+              <a:noFill/>
+              <a:ln>
+                <a:solidFill>
+                  <a:srgbClr val="00FA00"/>
+                </a:solidFill>
+              </a:ln>
+            </p:spPr>
+            <p:style>
+              <a:lnRef idx="2">
+                <a:schemeClr val="accent1">
+                  <a:shade val="50000"/>
+                </a:schemeClr>
+              </a:lnRef>
+              <a:fillRef idx="1">
+                <a:schemeClr val="accent1"/>
+              </a:fillRef>
+              <a:effectRef idx="0">
+                <a:schemeClr val="accent1"/>
+              </a:effectRef>
+              <a:fontRef idx="minor">
+                <a:schemeClr val="lt1"/>
+              </a:fontRef>
+            </p:style>
+            <p:txBody>
+              <a:bodyPr rtlCol="0" anchor="ctr"/>
+              <a:lstStyle/>
+              <a:p>
+                <a:pPr algn="ctr"/>
+                <a:r>
+                  <a:rPr lang="en-US" sz="1400" dirty="0" smtClean="0">
+                    <a:latin typeface="+mj-lt"/>
+                  </a:rPr>
+                  <a:t>Web server</a:t>
+                </a:r>
+                <a:endParaRPr lang="en-US" sz="1400" dirty="0">
+                  <a:latin typeface="+mj-lt"/>
+                </a:endParaRPr>
+              </a:p>
+            </p:txBody>
+          </p:sp>
+          <p:cxnSp>
+            <p:nvCxnSpPr>
+              <p:cNvPr id="76" name="Straight Connector 75"/>
+              <p:cNvCxnSpPr/>
+              <p:nvPr/>
+            </p:nvCxnSpPr>
+            <p:spPr>
+              <a:xfrm>
+                <a:off x="3410914" y="1942000"/>
+                <a:ext cx="6765" cy="2042211"/>
+              </a:xfrm>
+              <a:prstGeom prst="line">
+                <a:avLst/>
+              </a:prstGeom>
+              <a:ln>
+                <a:solidFill>
+                  <a:srgbClr val="00FA00"/>
+                </a:solidFill>
+              </a:ln>
+            </p:spPr>
+            <p:style>
+              <a:lnRef idx="1">
+                <a:schemeClr val="accent1"/>
+              </a:lnRef>
+              <a:fillRef idx="0">
+                <a:schemeClr val="accent1"/>
+              </a:fillRef>
+              <a:effectRef idx="0">
+                <a:schemeClr val="accent1"/>
+              </a:effectRef>
+              <a:fontRef idx="minor">
+                <a:schemeClr val="tx1"/>
+              </a:fontRef>
+            </p:style>
+          </p:cxnSp>
+        </p:grpSp>
+        <p:grpSp>
+          <p:nvGrpSpPr>
+            <p:cNvPr id="79" name="Group 78"/>
+            <p:cNvGrpSpPr/>
+            <p:nvPr/>
+          </p:nvGrpSpPr>
+          <p:grpSpPr>
+            <a:xfrm>
+              <a:off x="8450580" y="1544199"/>
+              <a:ext cx="1240423" cy="2550281"/>
+              <a:chOff x="2611048" y="1388259"/>
+              <a:chExt cx="1634930" cy="2550281"/>
+            </a:xfrm>
+          </p:grpSpPr>
+          <p:sp>
+            <p:nvSpPr>
+              <p:cNvPr id="80" name="Rectangle 79"/>
+              <p:cNvSpPr/>
+              <p:nvPr/>
+            </p:nvSpPr>
+            <p:spPr>
+              <a:xfrm>
+                <a:off x="2611048" y="1388259"/>
+                <a:ext cx="1634930" cy="553741"/>
+              </a:xfrm>
+              <a:prstGeom prst="rect">
+                <a:avLst/>
+              </a:prstGeom>
+              <a:noFill/>
+              <a:ln>
+                <a:solidFill>
+                  <a:srgbClr val="00FA00"/>
+                </a:solidFill>
+              </a:ln>
+            </p:spPr>
+            <p:style>
+              <a:lnRef idx="2">
+                <a:schemeClr val="accent1">
+                  <a:shade val="50000"/>
+                </a:schemeClr>
+              </a:lnRef>
+              <a:fillRef idx="1">
+                <a:schemeClr val="accent1"/>
+              </a:fillRef>
+              <a:effectRef idx="0">
+                <a:schemeClr val="accent1"/>
+              </a:effectRef>
+              <a:fontRef idx="minor">
+                <a:schemeClr val="lt1"/>
+              </a:fontRef>
+            </p:style>
+            <p:txBody>
+              <a:bodyPr rtlCol="0" anchor="ctr"/>
+              <a:lstStyle/>
+              <a:p>
+                <a:pPr algn="ctr"/>
+                <a:r>
+                  <a:rPr lang="en-US" sz="1400" dirty="0" smtClean="0">
+                    <a:latin typeface="+mj-lt"/>
+                  </a:rPr>
+                  <a:t>Private </a:t>
+                </a:r>
+              </a:p>
+              <a:p>
+                <a:pPr algn="ctr"/>
+                <a:r>
+                  <a:rPr lang="en-US" sz="1400" dirty="0" err="1" smtClean="0">
+                    <a:latin typeface="+mj-lt"/>
+                  </a:rPr>
+                  <a:t>blockchain</a:t>
+                </a:r>
+                <a:endParaRPr lang="en-US" sz="1400" dirty="0" smtClean="0">
+                  <a:latin typeface="+mj-lt"/>
+                </a:endParaRPr>
+              </a:p>
+            </p:txBody>
+          </p:sp>
+          <p:cxnSp>
+            <p:nvCxnSpPr>
+              <p:cNvPr id="82" name="Straight Connector 81"/>
+              <p:cNvCxnSpPr/>
+              <p:nvPr/>
+            </p:nvCxnSpPr>
+            <p:spPr>
+              <a:xfrm flipH="1">
+                <a:off x="3406103" y="1942000"/>
+                <a:ext cx="4811" cy="1996540"/>
+              </a:xfrm>
+              <a:prstGeom prst="line">
+                <a:avLst/>
+              </a:prstGeom>
+              <a:ln>
+                <a:solidFill>
+                  <a:srgbClr val="00FA00"/>
+                </a:solidFill>
+              </a:ln>
+            </p:spPr>
+            <p:style>
+              <a:lnRef idx="1">
+                <a:schemeClr val="accent1"/>
+              </a:lnRef>
+              <a:fillRef idx="0">
+                <a:schemeClr val="accent1"/>
+              </a:fillRef>
+              <a:effectRef idx="0">
+                <a:schemeClr val="accent1"/>
+              </a:effectRef>
+              <a:fontRef idx="minor">
+                <a:schemeClr val="tx1"/>
+              </a:fontRef>
+            </p:style>
+          </p:cxnSp>
+        </p:grpSp>
+        <p:grpSp>
+          <p:nvGrpSpPr>
+            <p:cNvPr id="83" name="Group 82"/>
+            <p:cNvGrpSpPr/>
+            <p:nvPr/>
+          </p:nvGrpSpPr>
+          <p:grpSpPr>
+            <a:xfrm>
+              <a:off x="10389258" y="1544199"/>
+              <a:ext cx="1240423" cy="2550281"/>
+              <a:chOff x="2611048" y="1388259"/>
+              <a:chExt cx="1634930" cy="2550281"/>
+            </a:xfrm>
+          </p:grpSpPr>
+          <p:sp>
+            <p:nvSpPr>
+              <p:cNvPr id="84" name="Rectangle 83"/>
+              <p:cNvSpPr/>
+              <p:nvPr/>
+            </p:nvSpPr>
+            <p:spPr>
+              <a:xfrm>
+                <a:off x="2611048" y="1388259"/>
+                <a:ext cx="1634930" cy="553741"/>
+              </a:xfrm>
+              <a:prstGeom prst="rect">
+                <a:avLst/>
+              </a:prstGeom>
+              <a:noFill/>
+              <a:ln>
+                <a:solidFill>
+                  <a:srgbClr val="00FA00"/>
+                </a:solidFill>
+              </a:ln>
+            </p:spPr>
+            <p:style>
+              <a:lnRef idx="2">
+                <a:schemeClr val="accent1">
+                  <a:shade val="50000"/>
+                </a:schemeClr>
+              </a:lnRef>
+              <a:fillRef idx="1">
+                <a:schemeClr val="accent1"/>
+              </a:fillRef>
+              <a:effectRef idx="0">
+                <a:schemeClr val="accent1"/>
+              </a:effectRef>
+              <a:fontRef idx="minor">
+                <a:schemeClr val="lt1"/>
+              </a:fontRef>
+            </p:style>
+            <p:txBody>
+              <a:bodyPr rtlCol="0" anchor="ctr"/>
+              <a:lstStyle/>
+              <a:p>
+                <a:pPr algn="ctr"/>
+                <a:r>
+                  <a:rPr lang="en-US" sz="1400" dirty="0" smtClean="0">
+                    <a:latin typeface="+mj-lt"/>
+                  </a:rPr>
+                  <a:t>Brand bridge</a:t>
+                </a:r>
+              </a:p>
+            </p:txBody>
+          </p:sp>
+          <p:cxnSp>
+            <p:nvCxnSpPr>
+              <p:cNvPr id="85" name="Straight Connector 84"/>
+              <p:cNvCxnSpPr/>
+              <p:nvPr/>
+            </p:nvCxnSpPr>
+            <p:spPr>
+              <a:xfrm>
+                <a:off x="3410914" y="1942000"/>
+                <a:ext cx="14119" cy="1996540"/>
+              </a:xfrm>
+              <a:prstGeom prst="line">
+                <a:avLst/>
+              </a:prstGeom>
+              <a:ln>
+                <a:solidFill>
+                  <a:srgbClr val="00FA00"/>
+                </a:solidFill>
+              </a:ln>
+            </p:spPr>
+            <p:style>
+              <a:lnRef idx="1">
+                <a:schemeClr val="accent1"/>
+              </a:lnRef>
+              <a:fillRef idx="0">
+                <a:schemeClr val="accent1"/>
+              </a:fillRef>
+              <a:effectRef idx="0">
+                <a:schemeClr val="accent1"/>
+              </a:effectRef>
+              <a:fontRef idx="minor">
+                <a:schemeClr val="tx1"/>
+              </a:fontRef>
+            </p:style>
+          </p:cxnSp>
+        </p:grpSp>
+        <p:grpSp>
+          <p:nvGrpSpPr>
+            <p:cNvPr id="15" name="Group 14"/>
+            <p:cNvGrpSpPr/>
+            <p:nvPr/>
+          </p:nvGrpSpPr>
+          <p:grpSpPr>
+            <a:xfrm>
+              <a:off x="2444405" y="1099964"/>
+              <a:ext cx="5495827" cy="1133950"/>
+              <a:chOff x="2444405" y="1099964"/>
+              <a:chExt cx="5495827" cy="1133950"/>
+            </a:xfrm>
+          </p:grpSpPr>
+          <p:sp>
+            <p:nvSpPr>
+              <p:cNvPr id="77" name="Rectangle 76"/>
+              <p:cNvSpPr/>
+              <p:nvPr/>
+            </p:nvSpPr>
+            <p:spPr>
+              <a:xfrm>
+                <a:off x="2444405" y="1415785"/>
+                <a:ext cx="5495827" cy="818129"/>
+              </a:xfrm>
+              <a:prstGeom prst="rect">
+                <a:avLst/>
+              </a:prstGeom>
+              <a:noFill/>
+              <a:ln>
+                <a:solidFill>
+                  <a:srgbClr val="00FA00"/>
+                </a:solidFill>
+                <a:prstDash val="dash"/>
+              </a:ln>
+            </p:spPr>
+            <p:style>
+              <a:lnRef idx="2">
+                <a:schemeClr val="accent1">
+                  <a:shade val="50000"/>
+                </a:schemeClr>
+              </a:lnRef>
+              <a:fillRef idx="1">
+                <a:schemeClr val="accent1"/>
+              </a:fillRef>
+              <a:effectRef idx="0">
+                <a:schemeClr val="accent1"/>
+              </a:effectRef>
+              <a:fontRef idx="minor">
+                <a:schemeClr val="lt1"/>
+              </a:fontRef>
+            </p:style>
+            <p:txBody>
+              <a:bodyPr rtlCol="0" anchor="ctr"/>
+              <a:lstStyle/>
+              <a:p>
+                <a:pPr algn="ctr"/>
+                <a:endParaRPr lang="en-US" sz="1400" dirty="0">
+                  <a:latin typeface="+mj-lt"/>
+                </a:endParaRPr>
+              </a:p>
+            </p:txBody>
+          </p:sp>
+          <p:sp>
+            <p:nvSpPr>
+              <p:cNvPr id="86" name="Rectangle 85"/>
+              <p:cNvSpPr/>
+              <p:nvPr/>
+            </p:nvSpPr>
+            <p:spPr>
+              <a:xfrm>
+                <a:off x="4198552" y="1099964"/>
+                <a:ext cx="1987531" cy="247834"/>
+              </a:xfrm>
+              <a:prstGeom prst="rect">
+                <a:avLst/>
+              </a:prstGeom>
+              <a:noFill/>
+              <a:ln>
+                <a:noFill/>
+              </a:ln>
+            </p:spPr>
+            <p:style>
+              <a:lnRef idx="2">
+                <a:schemeClr val="accent1">
+                  <a:shade val="50000"/>
+                </a:schemeClr>
+              </a:lnRef>
+              <a:fillRef idx="1">
+                <a:schemeClr val="accent1"/>
+              </a:fillRef>
+              <a:effectRef idx="0">
+                <a:schemeClr val="accent1"/>
+              </a:effectRef>
+              <a:fontRef idx="minor">
+                <a:schemeClr val="lt1"/>
+              </a:fontRef>
+            </p:style>
+            <p:txBody>
+              <a:bodyPr rtlCol="0" anchor="ctr"/>
+              <a:lstStyle/>
+              <a:p>
+                <a:pPr algn="ctr"/>
+                <a:r>
+                  <a:rPr lang="en-US" sz="1400" dirty="0" smtClean="0">
+                    <a:latin typeface="+mj-lt"/>
+                  </a:rPr>
+                  <a:t>Brand Server</a:t>
+                </a:r>
+              </a:p>
+            </p:txBody>
+          </p:sp>
+        </p:grpSp>
+        <p:cxnSp>
+          <p:nvCxnSpPr>
+            <p:cNvPr id="25" name="Straight Arrow Connector 24"/>
+            <p:cNvCxnSpPr/>
+            <p:nvPr/>
+          </p:nvCxnSpPr>
+          <p:spPr>
+            <a:xfrm>
+              <a:off x="1216976" y="2674620"/>
+              <a:ext cx="2029553" cy="0"/>
+            </a:xfrm>
+            <a:prstGeom prst="straightConnector1">
+              <a:avLst/>
+            </a:prstGeom>
+            <a:ln>
+              <a:solidFill>
+                <a:srgbClr val="00FA00"/>
+              </a:solidFill>
+              <a:tailEnd type="triangle"/>
+            </a:ln>
+          </p:spPr>
+          <p:style>
+            <a:lnRef idx="1">
+              <a:schemeClr val="accent1"/>
+            </a:lnRef>
+            <a:fillRef idx="0">
+              <a:schemeClr val="accent1"/>
+            </a:fillRef>
+            <a:effectRef idx="0">
+              <a:schemeClr val="accent1"/>
+            </a:effectRef>
+            <a:fontRef idx="minor">
+              <a:schemeClr val="tx1"/>
+            </a:fontRef>
+          </p:style>
+        </p:cxnSp>
+        <p:sp>
+          <p:nvSpPr>
+            <p:cNvPr id="87" name="Rectangle 86"/>
+            <p:cNvSpPr/>
+            <p:nvPr/>
+          </p:nvSpPr>
+          <p:spPr>
+            <a:xfrm>
+              <a:off x="1181071" y="2414729"/>
+              <a:ext cx="1987531" cy="247834"/>
+            </a:xfrm>
+            <a:prstGeom prst="rect">
+              <a:avLst/>
+            </a:prstGeom>
+            <a:noFill/>
+            <a:ln>
+              <a:noFill/>
+            </a:ln>
+          </p:spPr>
+          <p:style>
+            <a:lnRef idx="2">
+              <a:schemeClr val="accent1">
+                <a:shade val="50000"/>
+              </a:schemeClr>
+            </a:lnRef>
+            <a:fillRef idx="1">
+              <a:schemeClr val="accent1"/>
+            </a:fillRef>
+            <a:effectRef idx="0">
+              <a:schemeClr val="accent1"/>
+            </a:effectRef>
+            <a:fontRef idx="minor">
+              <a:schemeClr val="lt1"/>
+            </a:fontRef>
+          </p:style>
+          <p:txBody>
+            <a:bodyPr rtlCol="0" anchor="ctr"/>
+            <a:lstStyle/>
+            <a:p>
+              <a:pPr algn="ctr"/>
+              <a:r>
+                <a:rPr lang="en-US" sz="1400" dirty="0" smtClean="0">
+                  <a:latin typeface="+mj-lt"/>
+                </a:rPr>
+                <a:t>Register(</a:t>
+              </a:r>
+              <a:r>
+                <a:rPr lang="en-US" sz="1400" dirty="0" err="1" smtClean="0">
+                  <a:latin typeface="+mj-lt"/>
+                </a:rPr>
+                <a:t>dev,acc</a:t>
+              </a:r>
+              <a:r>
+                <a:rPr lang="en-US" sz="1400" dirty="0" smtClean="0">
+                  <a:latin typeface="+mj-lt"/>
+                </a:rPr>
+                <a:t>)</a:t>
+              </a:r>
+            </a:p>
+          </p:txBody>
+        </p:sp>
+        <p:cxnSp>
+          <p:nvCxnSpPr>
+            <p:cNvPr id="27" name="Straight Arrow Connector 26"/>
+            <p:cNvCxnSpPr/>
+            <p:nvPr/>
+          </p:nvCxnSpPr>
+          <p:spPr>
+            <a:xfrm>
+              <a:off x="3234402" y="2662563"/>
+              <a:ext cx="1957915" cy="12057"/>
+            </a:xfrm>
+            <a:prstGeom prst="straightConnector1">
+              <a:avLst/>
+            </a:prstGeom>
+            <a:ln>
+              <a:solidFill>
+                <a:srgbClr val="00FA00"/>
+              </a:solidFill>
+              <a:tailEnd type="triangle"/>
+            </a:ln>
+          </p:spPr>
+          <p:style>
+            <a:lnRef idx="1">
+              <a:schemeClr val="accent1"/>
+            </a:lnRef>
+            <a:fillRef idx="0">
+              <a:schemeClr val="accent1"/>
+            </a:fillRef>
+            <a:effectRef idx="0">
+              <a:schemeClr val="accent1"/>
+            </a:effectRef>
+            <a:fontRef idx="minor">
+              <a:schemeClr val="tx1"/>
+            </a:fontRef>
+          </p:style>
+        </p:cxnSp>
+        <p:sp>
+          <p:nvSpPr>
+            <p:cNvPr id="88" name="Rectangle 87"/>
+            <p:cNvSpPr/>
+            <p:nvPr/>
+          </p:nvSpPr>
+          <p:spPr>
+            <a:xfrm>
+              <a:off x="3258657" y="2403847"/>
+              <a:ext cx="1987531" cy="247834"/>
+            </a:xfrm>
+            <a:prstGeom prst="rect">
+              <a:avLst/>
+            </a:prstGeom>
+            <a:noFill/>
+            <a:ln>
+              <a:noFill/>
+            </a:ln>
+          </p:spPr>
+          <p:style>
+            <a:lnRef idx="2">
+              <a:schemeClr val="accent1">
+                <a:shade val="50000"/>
+              </a:schemeClr>
+            </a:lnRef>
+            <a:fillRef idx="1">
+              <a:schemeClr val="accent1"/>
+            </a:fillRef>
+            <a:effectRef idx="0">
+              <a:schemeClr val="accent1"/>
+            </a:effectRef>
+            <a:fontRef idx="minor">
+              <a:schemeClr val="lt1"/>
+            </a:fontRef>
+          </p:style>
+          <p:txBody>
+            <a:bodyPr rtlCol="0" anchor="ctr"/>
+            <a:lstStyle/>
+            <a:p>
+              <a:pPr algn="ctr"/>
+              <a:r>
+                <a:rPr lang="en-US" sz="1400" dirty="0" err="1" smtClean="0">
+                  <a:latin typeface="+mj-lt"/>
+                </a:rPr>
+                <a:t>Register_bc</a:t>
+              </a:r>
+              <a:r>
+                <a:rPr lang="en-US" sz="1400" dirty="0" smtClean="0">
+                  <a:latin typeface="+mj-lt"/>
+                </a:rPr>
+                <a:t>(</a:t>
+              </a:r>
+              <a:r>
+                <a:rPr lang="en-US" sz="1400" dirty="0" err="1" smtClean="0">
+                  <a:latin typeface="+mj-lt"/>
+                </a:rPr>
+                <a:t>dev,acc</a:t>
+              </a:r>
+              <a:r>
+                <a:rPr lang="en-US" sz="1400" dirty="0" smtClean="0">
+                  <a:latin typeface="+mj-lt"/>
+                </a:rPr>
+                <a:t>)</a:t>
+              </a:r>
+            </a:p>
+          </p:txBody>
+        </p:sp>
+        <p:sp>
+          <p:nvSpPr>
+            <p:cNvPr id="89" name="Rectangle 88"/>
+            <p:cNvSpPr/>
+            <p:nvPr/>
+          </p:nvSpPr>
+          <p:spPr>
+            <a:xfrm>
+              <a:off x="5141859" y="2426786"/>
+              <a:ext cx="1987531" cy="247834"/>
+            </a:xfrm>
+            <a:prstGeom prst="rect">
+              <a:avLst/>
+            </a:prstGeom>
+            <a:noFill/>
+            <a:ln>
+              <a:noFill/>
+            </a:ln>
+          </p:spPr>
+          <p:style>
+            <a:lnRef idx="2">
+              <a:schemeClr val="accent1">
+                <a:shade val="50000"/>
+              </a:schemeClr>
+            </a:lnRef>
+            <a:fillRef idx="1">
+              <a:schemeClr val="accent1"/>
+            </a:fillRef>
+            <a:effectRef idx="0">
+              <a:schemeClr val="accent1"/>
+            </a:effectRef>
+            <a:fontRef idx="minor">
+              <a:schemeClr val="lt1"/>
+            </a:fontRef>
+          </p:style>
+          <p:txBody>
+            <a:bodyPr rtlCol="0" anchor="ctr"/>
+            <a:lstStyle/>
+            <a:p>
+              <a:pPr algn="ctr"/>
+              <a:r>
+                <a:rPr lang="en-US" sz="1400" dirty="0" smtClean="0">
+                  <a:latin typeface="+mj-lt"/>
+                </a:rPr>
+                <a:t>Register(</a:t>
+              </a:r>
+              <a:r>
+                <a:rPr lang="en-US" sz="1400" dirty="0" err="1" smtClean="0">
+                  <a:latin typeface="+mj-lt"/>
+                </a:rPr>
+                <a:t>dev,acc</a:t>
+              </a:r>
+              <a:r>
+                <a:rPr lang="en-US" sz="1400" dirty="0" smtClean="0">
+                  <a:latin typeface="+mj-lt"/>
+                </a:rPr>
+                <a:t>)</a:t>
+              </a:r>
+            </a:p>
+          </p:txBody>
+        </p:sp>
+        <p:cxnSp>
+          <p:nvCxnSpPr>
+            <p:cNvPr id="38" name="Straight Arrow Connector 37"/>
+            <p:cNvCxnSpPr/>
+            <p:nvPr/>
+          </p:nvCxnSpPr>
+          <p:spPr>
+            <a:xfrm>
+              <a:off x="5215694" y="2674620"/>
+              <a:ext cx="3841745" cy="0"/>
+            </a:xfrm>
+            <a:prstGeom prst="straightConnector1">
+              <a:avLst/>
+            </a:prstGeom>
+            <a:ln>
+              <a:solidFill>
+                <a:srgbClr val="00FA00"/>
+              </a:solidFill>
+              <a:tailEnd type="triangle"/>
+            </a:ln>
+          </p:spPr>
+          <p:style>
+            <a:lnRef idx="1">
+              <a:schemeClr val="accent1"/>
+            </a:lnRef>
+            <a:fillRef idx="0">
+              <a:schemeClr val="accent1"/>
+            </a:fillRef>
+            <a:effectRef idx="0">
+              <a:schemeClr val="accent1"/>
+            </a:effectRef>
+            <a:fontRef idx="minor">
+              <a:schemeClr val="tx1"/>
+            </a:fontRef>
+          </p:style>
+        </p:cxnSp>
+        <p:cxnSp>
+          <p:nvCxnSpPr>
+            <p:cNvPr id="42" name="Straight Arrow Connector 41"/>
+            <p:cNvCxnSpPr/>
+            <p:nvPr/>
+          </p:nvCxnSpPr>
+          <p:spPr>
+            <a:xfrm flipH="1">
+              <a:off x="5215694" y="2987040"/>
+              <a:ext cx="3841745" cy="0"/>
+            </a:xfrm>
+            <a:prstGeom prst="straightConnector1">
+              <a:avLst/>
+            </a:prstGeom>
+            <a:ln>
+              <a:solidFill>
+                <a:srgbClr val="00FA00"/>
+              </a:solidFill>
+              <a:prstDash val="dash"/>
+              <a:tailEnd type="triangle"/>
+            </a:ln>
+          </p:spPr>
+          <p:style>
+            <a:lnRef idx="1">
+              <a:schemeClr val="accent1"/>
+            </a:lnRef>
+            <a:fillRef idx="0">
+              <a:schemeClr val="accent1"/>
+            </a:fillRef>
+            <a:effectRef idx="0">
+              <a:schemeClr val="accent1"/>
+            </a:effectRef>
+            <a:fontRef idx="minor">
+              <a:schemeClr val="tx1"/>
+            </a:fontRef>
+          </p:style>
+        </p:cxnSp>
+        <p:cxnSp>
+          <p:nvCxnSpPr>
+            <p:cNvPr id="90" name="Straight Connector 89"/>
+            <p:cNvCxnSpPr/>
+            <p:nvPr/>
+          </p:nvCxnSpPr>
+          <p:spPr>
+            <a:xfrm flipH="1">
+              <a:off x="1243170" y="2674620"/>
+              <a:ext cx="1" cy="1087773"/>
+            </a:xfrm>
+            <a:prstGeom prst="line">
+              <a:avLst/>
+            </a:prstGeom>
+            <a:ln w="38100">
+              <a:solidFill>
+                <a:srgbClr val="00FA00"/>
+              </a:solidFill>
+            </a:ln>
+          </p:spPr>
+          <p:style>
+            <a:lnRef idx="1">
+              <a:schemeClr val="accent1"/>
+            </a:lnRef>
+            <a:fillRef idx="0">
+              <a:schemeClr val="accent1"/>
+            </a:fillRef>
+            <a:effectRef idx="0">
+              <a:schemeClr val="accent1"/>
+            </a:effectRef>
+            <a:fontRef idx="minor">
+              <a:schemeClr val="tx1"/>
+            </a:fontRef>
+          </p:style>
+        </p:cxnSp>
+        <p:cxnSp>
+          <p:nvCxnSpPr>
+            <p:cNvPr id="91" name="Straight Connector 90"/>
+            <p:cNvCxnSpPr/>
+            <p:nvPr/>
+          </p:nvCxnSpPr>
+          <p:spPr>
+            <a:xfrm flipH="1">
+              <a:off x="9053789" y="2697560"/>
+              <a:ext cx="1" cy="289480"/>
+            </a:xfrm>
+            <a:prstGeom prst="line">
+              <a:avLst/>
+            </a:prstGeom>
+            <a:ln w="38100">
+              <a:solidFill>
+                <a:srgbClr val="00FA00"/>
+              </a:solidFill>
+            </a:ln>
+          </p:spPr>
+          <p:style>
+            <a:lnRef idx="1">
+              <a:schemeClr val="accent1"/>
+            </a:lnRef>
+            <a:fillRef idx="0">
+              <a:schemeClr val="accent1"/>
+            </a:fillRef>
+            <a:effectRef idx="0">
+              <a:schemeClr val="accent1"/>
+            </a:effectRef>
+            <a:fontRef idx="minor">
+              <a:schemeClr val="tx1"/>
+            </a:fontRef>
+          </p:style>
+        </p:cxnSp>
+        <p:cxnSp>
+          <p:nvCxnSpPr>
+            <p:cNvPr id="92" name="Straight Connector 91"/>
+            <p:cNvCxnSpPr/>
+            <p:nvPr/>
+          </p:nvCxnSpPr>
+          <p:spPr>
+            <a:xfrm flipH="1">
+              <a:off x="5227219" y="2677239"/>
+              <a:ext cx="1" cy="289480"/>
+            </a:xfrm>
+            <a:prstGeom prst="line">
+              <a:avLst/>
+            </a:prstGeom>
+            <a:ln w="38100">
+              <a:solidFill>
+                <a:srgbClr val="00FA00"/>
+              </a:solidFill>
+            </a:ln>
+          </p:spPr>
+          <p:style>
+            <a:lnRef idx="1">
+              <a:schemeClr val="accent1"/>
+            </a:lnRef>
+            <a:fillRef idx="0">
+              <a:schemeClr val="accent1"/>
+            </a:fillRef>
+            <a:effectRef idx="0">
+              <a:schemeClr val="accent1"/>
+            </a:effectRef>
+            <a:fontRef idx="minor">
+              <a:schemeClr val="tx1"/>
+            </a:fontRef>
+          </p:style>
+        </p:cxnSp>
+        <p:cxnSp>
+          <p:nvCxnSpPr>
+            <p:cNvPr id="93" name="Straight Arrow Connector 92"/>
+            <p:cNvCxnSpPr/>
+            <p:nvPr/>
+          </p:nvCxnSpPr>
+          <p:spPr>
+            <a:xfrm flipH="1">
+              <a:off x="3246529" y="2987040"/>
+              <a:ext cx="1945789" cy="0"/>
+            </a:xfrm>
+            <a:prstGeom prst="straightConnector1">
+              <a:avLst/>
+            </a:prstGeom>
+            <a:ln>
+              <a:solidFill>
+                <a:srgbClr val="00FA00"/>
+              </a:solidFill>
+              <a:prstDash val="dash"/>
+              <a:tailEnd type="triangle"/>
+            </a:ln>
+          </p:spPr>
+          <p:style>
+            <a:lnRef idx="1">
+              <a:schemeClr val="accent1"/>
+            </a:lnRef>
+            <a:fillRef idx="0">
+              <a:schemeClr val="accent1"/>
+            </a:fillRef>
+            <a:effectRef idx="0">
+              <a:schemeClr val="accent1"/>
+            </a:effectRef>
+            <a:fontRef idx="minor">
+              <a:schemeClr val="tx1"/>
+            </a:fontRef>
+          </p:style>
+        </p:cxnSp>
+        <p:cxnSp>
+          <p:nvCxnSpPr>
+            <p:cNvPr id="94" name="Straight Connector 93"/>
+            <p:cNvCxnSpPr/>
+            <p:nvPr/>
+          </p:nvCxnSpPr>
+          <p:spPr>
+            <a:xfrm>
+              <a:off x="3245993" y="2677240"/>
+              <a:ext cx="5759" cy="1074271"/>
+            </a:xfrm>
+            <a:prstGeom prst="line">
+              <a:avLst/>
+            </a:prstGeom>
+            <a:ln w="38100">
+              <a:solidFill>
+                <a:srgbClr val="00FA00"/>
+              </a:solidFill>
+            </a:ln>
+          </p:spPr>
+          <p:style>
+            <a:lnRef idx="1">
+              <a:schemeClr val="accent1"/>
+            </a:lnRef>
+            <a:fillRef idx="0">
+              <a:schemeClr val="accent1"/>
+            </a:fillRef>
+            <a:effectRef idx="0">
+              <a:schemeClr val="accent1"/>
+            </a:effectRef>
+            <a:fontRef idx="minor">
+              <a:schemeClr val="tx1"/>
+            </a:fontRef>
+          </p:style>
+        </p:cxnSp>
+        <p:cxnSp>
+          <p:nvCxnSpPr>
+            <p:cNvPr id="95" name="Straight Arrow Connector 94"/>
+            <p:cNvCxnSpPr/>
+            <p:nvPr/>
+          </p:nvCxnSpPr>
+          <p:spPr>
+            <a:xfrm flipV="1">
+              <a:off x="3234402" y="3462031"/>
+              <a:ext cx="3880708" cy="10882"/>
+            </a:xfrm>
+            <a:prstGeom prst="straightConnector1">
+              <a:avLst/>
+            </a:prstGeom>
+            <a:ln>
+              <a:solidFill>
+                <a:srgbClr val="00FA00"/>
+              </a:solidFill>
+              <a:tailEnd type="triangle"/>
+            </a:ln>
+          </p:spPr>
+          <p:style>
+            <a:lnRef idx="1">
+              <a:schemeClr val="accent1"/>
+            </a:lnRef>
+            <a:fillRef idx="0">
+              <a:schemeClr val="accent1"/>
+            </a:fillRef>
+            <a:effectRef idx="0">
+              <a:schemeClr val="accent1"/>
+            </a:effectRef>
+            <a:fontRef idx="minor">
+              <a:schemeClr val="tx1"/>
+            </a:fontRef>
+          </p:style>
+        </p:cxnSp>
+        <p:sp>
+          <p:nvSpPr>
+            <p:cNvPr id="96" name="Rectangle 95"/>
+            <p:cNvSpPr/>
+            <p:nvPr/>
+          </p:nvSpPr>
+          <p:spPr>
+            <a:xfrm>
+              <a:off x="3258657" y="3214197"/>
+              <a:ext cx="1987531" cy="247834"/>
+            </a:xfrm>
+            <a:prstGeom prst="rect">
+              <a:avLst/>
+            </a:prstGeom>
+            <a:noFill/>
+            <a:ln>
+              <a:noFill/>
+            </a:ln>
+          </p:spPr>
+          <p:style>
+            <a:lnRef idx="2">
+              <a:schemeClr val="accent1">
+                <a:shade val="50000"/>
+              </a:schemeClr>
+            </a:lnRef>
+            <a:fillRef idx="1">
+              <a:schemeClr val="accent1"/>
+            </a:fillRef>
+            <a:effectRef idx="0">
+              <a:schemeClr val="accent1"/>
+            </a:effectRef>
+            <a:fontRef idx="minor">
+              <a:schemeClr val="lt1"/>
+            </a:fontRef>
+          </p:style>
+          <p:txBody>
+            <a:bodyPr rtlCol="0" anchor="ctr"/>
+            <a:lstStyle/>
+            <a:p>
+              <a:pPr algn="ctr"/>
+              <a:r>
+                <a:rPr lang="en-US" sz="1400" dirty="0" smtClean="0">
+                  <a:latin typeface="+mj-lt"/>
+                </a:rPr>
+                <a:t>Register(dev)</a:t>
+              </a:r>
+            </a:p>
+          </p:txBody>
+        </p:sp>
+        <p:cxnSp>
+          <p:nvCxnSpPr>
+            <p:cNvPr id="99" name="Straight Arrow Connector 98"/>
+            <p:cNvCxnSpPr/>
+            <p:nvPr/>
+          </p:nvCxnSpPr>
+          <p:spPr>
+            <a:xfrm flipV="1">
+              <a:off x="7145604" y="3451149"/>
+              <a:ext cx="3873567" cy="10882"/>
+            </a:xfrm>
+            <a:prstGeom prst="straightConnector1">
+              <a:avLst/>
+            </a:prstGeom>
+            <a:ln>
+              <a:solidFill>
+                <a:srgbClr val="00FA00"/>
+              </a:solidFill>
+              <a:tailEnd type="triangle"/>
+            </a:ln>
+          </p:spPr>
+          <p:style>
+            <a:lnRef idx="1">
+              <a:schemeClr val="accent1"/>
+            </a:lnRef>
+            <a:fillRef idx="0">
+              <a:schemeClr val="accent1"/>
+            </a:fillRef>
+            <a:effectRef idx="0">
+              <a:schemeClr val="accent1"/>
+            </a:effectRef>
+            <a:fontRef idx="minor">
+              <a:schemeClr val="tx1"/>
+            </a:fontRef>
+          </p:style>
+        </p:cxnSp>
+        <p:sp>
+          <p:nvSpPr>
+            <p:cNvPr id="100" name="Rectangle 99"/>
+            <p:cNvSpPr/>
+            <p:nvPr/>
+          </p:nvSpPr>
+          <p:spPr>
+            <a:xfrm>
+              <a:off x="7169859" y="3203315"/>
+              <a:ext cx="1987531" cy="247834"/>
+            </a:xfrm>
+            <a:prstGeom prst="rect">
+              <a:avLst/>
+            </a:prstGeom>
+            <a:noFill/>
+            <a:ln>
+              <a:noFill/>
+            </a:ln>
+          </p:spPr>
+          <p:style>
+            <a:lnRef idx="2">
+              <a:schemeClr val="accent1">
+                <a:shade val="50000"/>
+              </a:schemeClr>
+            </a:lnRef>
+            <a:fillRef idx="1">
+              <a:schemeClr val="accent1"/>
+            </a:fillRef>
+            <a:effectRef idx="0">
+              <a:schemeClr val="accent1"/>
+            </a:effectRef>
+            <a:fontRef idx="minor">
+              <a:schemeClr val="lt1"/>
+            </a:fontRef>
+          </p:style>
+          <p:txBody>
+            <a:bodyPr rtlCol="0" anchor="ctr"/>
+            <a:lstStyle/>
+            <a:p>
+              <a:pPr algn="ctr"/>
+              <a:r>
+                <a:rPr lang="en-US" sz="1400" dirty="0" smtClean="0">
+                  <a:latin typeface="+mj-lt"/>
+                </a:rPr>
+                <a:t>Register(dev)</a:t>
+              </a:r>
+            </a:p>
+          </p:txBody>
+        </p:sp>
+        <p:cxnSp>
+          <p:nvCxnSpPr>
+            <p:cNvPr id="114" name="Straight Connector 113"/>
+            <p:cNvCxnSpPr/>
+            <p:nvPr/>
+          </p:nvCxnSpPr>
+          <p:spPr>
+            <a:xfrm flipH="1">
+              <a:off x="11030369" y="3462031"/>
+              <a:ext cx="1" cy="289480"/>
+            </a:xfrm>
+            <a:prstGeom prst="line">
+              <a:avLst/>
+            </a:prstGeom>
+            <a:ln w="38100">
+              <a:solidFill>
+                <a:srgbClr val="00FA00"/>
+              </a:solidFill>
+            </a:ln>
+          </p:spPr>
+          <p:style>
+            <a:lnRef idx="1">
+              <a:schemeClr val="accent1"/>
+            </a:lnRef>
+            <a:fillRef idx="0">
+              <a:schemeClr val="accent1"/>
+            </a:fillRef>
+            <a:effectRef idx="0">
+              <a:schemeClr val="accent1"/>
+            </a:effectRef>
+            <a:fontRef idx="minor">
+              <a:schemeClr val="tx1"/>
+            </a:fontRef>
+          </p:style>
+        </p:cxnSp>
+        <p:cxnSp>
+          <p:nvCxnSpPr>
+            <p:cNvPr id="116" name="Straight Arrow Connector 115"/>
+            <p:cNvCxnSpPr/>
+            <p:nvPr/>
+          </p:nvCxnSpPr>
+          <p:spPr>
+            <a:xfrm flipH="1">
+              <a:off x="7115110" y="3751511"/>
+              <a:ext cx="3915259" cy="0"/>
+            </a:xfrm>
+            <a:prstGeom prst="straightConnector1">
+              <a:avLst/>
+            </a:prstGeom>
+            <a:ln>
+              <a:solidFill>
+                <a:srgbClr val="00FA00"/>
+              </a:solidFill>
+              <a:prstDash val="dash"/>
+              <a:tailEnd type="triangle"/>
+            </a:ln>
+          </p:spPr>
+          <p:style>
+            <a:lnRef idx="1">
+              <a:schemeClr val="accent1"/>
+            </a:lnRef>
+            <a:fillRef idx="0">
+              <a:schemeClr val="accent1"/>
+            </a:fillRef>
+            <a:effectRef idx="0">
+              <a:schemeClr val="accent1"/>
+            </a:effectRef>
+            <a:fontRef idx="minor">
+              <a:schemeClr val="tx1"/>
+            </a:fontRef>
+          </p:style>
+        </p:cxnSp>
+        <p:cxnSp>
+          <p:nvCxnSpPr>
+            <p:cNvPr id="117" name="Straight Connector 116"/>
+            <p:cNvCxnSpPr/>
+            <p:nvPr/>
+          </p:nvCxnSpPr>
+          <p:spPr>
+            <a:xfrm flipH="1">
+              <a:off x="7134968" y="3472913"/>
+              <a:ext cx="1" cy="289480"/>
+            </a:xfrm>
+            <a:prstGeom prst="line">
+              <a:avLst/>
+            </a:prstGeom>
+            <a:ln w="38100">
+              <a:solidFill>
+                <a:srgbClr val="00FA00"/>
+              </a:solidFill>
+            </a:ln>
+          </p:spPr>
+          <p:style>
+            <a:lnRef idx="1">
+              <a:schemeClr val="accent1"/>
+            </a:lnRef>
+            <a:fillRef idx="0">
+              <a:schemeClr val="accent1"/>
+            </a:fillRef>
+            <a:effectRef idx="0">
+              <a:schemeClr val="accent1"/>
+            </a:effectRef>
+            <a:fontRef idx="minor">
+              <a:schemeClr val="tx1"/>
+            </a:fontRef>
+          </p:style>
+        </p:cxnSp>
+        <p:cxnSp>
+          <p:nvCxnSpPr>
+            <p:cNvPr id="119" name="Straight Arrow Connector 118"/>
+            <p:cNvCxnSpPr/>
+            <p:nvPr/>
+          </p:nvCxnSpPr>
+          <p:spPr>
+            <a:xfrm flipH="1">
+              <a:off x="3245993" y="3762393"/>
+              <a:ext cx="3899611" cy="0"/>
+            </a:xfrm>
+            <a:prstGeom prst="straightConnector1">
+              <a:avLst/>
+            </a:prstGeom>
+            <a:ln>
+              <a:solidFill>
+                <a:srgbClr val="00FA00"/>
+              </a:solidFill>
+              <a:prstDash val="dash"/>
+              <a:tailEnd type="triangle"/>
+            </a:ln>
+          </p:spPr>
+          <p:style>
+            <a:lnRef idx="1">
+              <a:schemeClr val="accent1"/>
+            </a:lnRef>
+            <a:fillRef idx="0">
+              <a:schemeClr val="accent1"/>
+            </a:fillRef>
+            <a:effectRef idx="0">
+              <a:schemeClr val="accent1"/>
+            </a:effectRef>
+            <a:fontRef idx="minor">
+              <a:schemeClr val="tx1"/>
+            </a:fontRef>
+          </p:style>
+        </p:cxnSp>
+        <p:cxnSp>
+          <p:nvCxnSpPr>
+            <p:cNvPr id="121" name="Straight Arrow Connector 120"/>
+            <p:cNvCxnSpPr/>
+            <p:nvPr/>
+          </p:nvCxnSpPr>
+          <p:spPr>
+            <a:xfrm flipH="1">
+              <a:off x="1243169" y="3762393"/>
+              <a:ext cx="2002824" cy="0"/>
+            </a:xfrm>
+            <a:prstGeom prst="straightConnector1">
+              <a:avLst/>
+            </a:prstGeom>
+            <a:ln>
+              <a:solidFill>
+                <a:srgbClr val="00FA00"/>
+              </a:solidFill>
+              <a:prstDash val="dash"/>
+              <a:tailEnd type="triangle"/>
+            </a:ln>
+          </p:spPr>
+          <p:style>
+            <a:lnRef idx="1">
+              <a:schemeClr val="accent1"/>
+            </a:lnRef>
+            <a:fillRef idx="0">
+              <a:schemeClr val="accent1"/>
+            </a:fillRef>
+            <a:effectRef idx="0">
+              <a:schemeClr val="accent1"/>
+            </a:effectRef>
+            <a:fontRef idx="minor">
+              <a:schemeClr val="tx1"/>
+            </a:fontRef>
+          </p:style>
+        </p:cxnSp>
+      </p:grpSp>
+    </p:spTree>
+    <p:extLst>
+      <p:ext uri="{BB962C8B-B14F-4D97-AF65-F5344CB8AC3E}">
+        <p14:creationId xmlns:p14="http://schemas.microsoft.com/office/powerpoint/2010/main" val="1609188142"/>
       </p:ext>
     </p:extLst>
   </p:cSld>
@@ -4972,7 +11400,34 @@
       </a:bgFillStyleLst>
     </a:fmtScheme>
   </a:themeElements>
-  <a:objectDefaults/>
+  <a:objectDefaults>
+    <a:lnDef>
+      <a:spPr>
+        <a:ln>
+          <a:solidFill>
+            <a:srgbClr val="00FA00"/>
+          </a:solidFill>
+          <a:tailEnd type="triangle"/>
+        </a:ln>
+      </a:spPr>
+      <a:bodyPr/>
+      <a:lstStyle/>
+      <a:style>
+        <a:lnRef idx="1">
+          <a:schemeClr val="accent1"/>
+        </a:lnRef>
+        <a:fillRef idx="0">
+          <a:schemeClr val="accent1"/>
+        </a:fillRef>
+        <a:effectRef idx="0">
+          <a:schemeClr val="accent1"/>
+        </a:effectRef>
+        <a:fontRef idx="minor">
+          <a:schemeClr val="tx1"/>
+        </a:fontRef>
+      </a:style>
+    </a:lnDef>
+  </a:objectDefaults>
   <a:extraClrSchemeLst/>
   <a:extLst>
     <a:ext uri="{05A4C25C-085E-4340-85A3-A5531E510DB2}">
@@ -4980,4 +11435,265 @@
     </a:ext>
   </a:extLst>
 </a:theme>
+</file>
+
+<file path=ppt/theme/theme2.xml><?xml version="1.0" encoding="utf-8"?>
+<a:theme xmlns:a="http://schemas.openxmlformats.org/drawingml/2006/main" name="Office Theme">
+  <a:themeElements>
+    <a:clrScheme name="Office">
+      <a:dk1>
+        <a:sysClr val="windowText" lastClr="000000"/>
+      </a:dk1>
+      <a:lt1>
+        <a:sysClr val="window" lastClr="FFFFFF"/>
+      </a:lt1>
+      <a:dk2>
+        <a:srgbClr val="44546A"/>
+      </a:dk2>
+      <a:lt2>
+        <a:srgbClr val="E7E6E6"/>
+      </a:lt2>
+      <a:accent1>
+        <a:srgbClr val="5B9BD5"/>
+      </a:accent1>
+      <a:accent2>
+        <a:srgbClr val="ED7D31"/>
+      </a:accent2>
+      <a:accent3>
+        <a:srgbClr val="A5A5A5"/>
+      </a:accent3>
+      <a:accent4>
+        <a:srgbClr val="FFC000"/>
+      </a:accent4>
+      <a:accent5>
+        <a:srgbClr val="4472C4"/>
+      </a:accent5>
+      <a:accent6>
+        <a:srgbClr val="70AD47"/>
+      </a:accent6>
+      <a:hlink>
+        <a:srgbClr val="0563C1"/>
+      </a:hlink>
+      <a:folHlink>
+        <a:srgbClr val="954F72"/>
+      </a:folHlink>
+    </a:clrScheme>
+    <a:fontScheme name="Office">
+      <a:majorFont>
+        <a:latin typeface="Calibri Light" panose="020F0302020204030204"/>
+        <a:ea typeface=""/>
+        <a:cs typeface=""/>
+        <a:font script="Jpan" typeface="Yu Gothic Light"/>
+        <a:font script="Hang" typeface="맑은 고딕"/>
+        <a:font script="Hans" typeface="DengXian Light"/>
+        <a:font script="Hant" typeface="新細明體"/>
+        <a:font script="Arab" typeface="Times New Roman"/>
+        <a:font script="Hebr" typeface="Times New Roman"/>
+        <a:font script="Thai" typeface="Angsana New"/>
+        <a:font script="Ethi" typeface="Nyala"/>
+        <a:font script="Beng" typeface="Vrinda"/>
+        <a:font script="Gujr" typeface="Shruti"/>
+        <a:font script="Khmr" typeface="MoolBoran"/>
+        <a:font script="Knda" typeface="Tunga"/>
+        <a:font script="Guru" typeface="Raavi"/>
+        <a:font script="Cans" typeface="Euphemia"/>
+        <a:font script="Cher" typeface="Plantagenet Cherokee"/>
+        <a:font script="Yiii" typeface="Microsoft Yi Baiti"/>
+        <a:font script="Tibt" typeface="Microsoft Himalaya"/>
+        <a:font script="Thaa" typeface="MV Boli"/>
+        <a:font script="Deva" typeface="Mangal"/>
+        <a:font script="Telu" typeface="Gautami"/>
+        <a:font script="Taml" typeface="Latha"/>
+        <a:font script="Syrc" typeface="Estrangelo Edessa"/>
+        <a:font script="Orya" typeface="Kalinga"/>
+        <a:font script="Mlym" typeface="Kartika"/>
+        <a:font script="Laoo" typeface="DokChampa"/>
+        <a:font script="Sinh" typeface="Iskoola Pota"/>
+        <a:font script="Mong" typeface="Mongolian Baiti"/>
+        <a:font script="Viet" typeface="Times New Roman"/>
+        <a:font script="Uigh" typeface="Microsoft Uighur"/>
+        <a:font script="Geor" typeface="Sylfaen"/>
+      </a:majorFont>
+      <a:minorFont>
+        <a:latin typeface="Calibri" panose="020F0502020204030204"/>
+        <a:ea typeface=""/>
+        <a:cs typeface=""/>
+        <a:font script="Jpan" typeface="Yu Gothic"/>
+        <a:font script="Hang" typeface="맑은 고딕"/>
+        <a:font script="Hans" typeface="DengXian"/>
+        <a:font script="Hant" typeface="新細明體"/>
+        <a:font script="Arab" typeface="Arial"/>
+        <a:font script="Hebr" typeface="Arial"/>
+        <a:font script="Thai" typeface="Cordia New"/>
+        <a:font script="Ethi" typeface="Nyala"/>
+        <a:font script="Beng" typeface="Vrinda"/>
+        <a:font script="Gujr" typeface="Shruti"/>
+        <a:font script="Khmr" typeface="DaunPenh"/>
+        <a:font script="Knda" typeface="Tunga"/>
+        <a:font script="Guru" typeface="Raavi"/>
+        <a:font script="Cans" typeface="Euphemia"/>
+        <a:font script="Cher" typeface="Plantagenet Cherokee"/>
+        <a:font script="Yiii" typeface="Microsoft Yi Baiti"/>
+        <a:font script="Tibt" typeface="Microsoft Himalaya"/>
+        <a:font script="Thaa" typeface="MV Boli"/>
+        <a:font script="Deva" typeface="Mangal"/>
+        <a:font script="Telu" typeface="Gautami"/>
+        <a:font script="Taml" typeface="Latha"/>
+        <a:font script="Syrc" typeface="Estrangelo Edessa"/>
+        <a:font script="Orya" typeface="Kalinga"/>
+        <a:font script="Mlym" typeface="Kartika"/>
+        <a:font script="Laoo" typeface="DokChampa"/>
+        <a:font script="Sinh" typeface="Iskoola Pota"/>
+        <a:font script="Mong" typeface="Mongolian Baiti"/>
+        <a:font script="Viet" typeface="Arial"/>
+        <a:font script="Uigh" typeface="Microsoft Uighur"/>
+        <a:font script="Geor" typeface="Sylfaen"/>
+      </a:minorFont>
+    </a:fontScheme>
+    <a:fmtScheme name="Office">
+      <a:fillStyleLst>
+        <a:solidFill>
+          <a:schemeClr val="phClr"/>
+        </a:solidFill>
+        <a:gradFill rotWithShape="1">
+          <a:gsLst>
+            <a:gs pos="0">
+              <a:schemeClr val="phClr">
+                <a:lumMod val="110000"/>
+                <a:satMod val="105000"/>
+                <a:tint val="67000"/>
+              </a:schemeClr>
+            </a:gs>
+            <a:gs pos="50000">
+              <a:schemeClr val="phClr">
+                <a:lumMod val="105000"/>
+                <a:satMod val="103000"/>
+                <a:tint val="73000"/>
+              </a:schemeClr>
+            </a:gs>
+            <a:gs pos="100000">
+              <a:schemeClr val="phClr">
+                <a:lumMod val="105000"/>
+                <a:satMod val="109000"/>
+                <a:tint val="81000"/>
+              </a:schemeClr>
+            </a:gs>
+          </a:gsLst>
+          <a:lin ang="5400000" scaled="0"/>
+        </a:gradFill>
+        <a:gradFill rotWithShape="1">
+          <a:gsLst>
+            <a:gs pos="0">
+              <a:schemeClr val="phClr">
+                <a:satMod val="103000"/>
+                <a:lumMod val="102000"/>
+                <a:tint val="94000"/>
+              </a:schemeClr>
+            </a:gs>
+            <a:gs pos="50000">
+              <a:schemeClr val="phClr">
+                <a:satMod val="110000"/>
+                <a:lumMod val="100000"/>
+                <a:shade val="100000"/>
+              </a:schemeClr>
+            </a:gs>
+            <a:gs pos="100000">
+              <a:schemeClr val="phClr">
+                <a:lumMod val="99000"/>
+                <a:satMod val="120000"/>
+                <a:shade val="78000"/>
+              </a:schemeClr>
+            </a:gs>
+          </a:gsLst>
+          <a:lin ang="5400000" scaled="0"/>
+        </a:gradFill>
+      </a:fillStyleLst>
+      <a:lnStyleLst>
+        <a:ln w="6350" cap="flat" cmpd="sng" algn="ctr">
+          <a:solidFill>
+            <a:schemeClr val="phClr"/>
+          </a:solidFill>
+          <a:prstDash val="solid"/>
+          <a:miter lim="800000"/>
+        </a:ln>
+        <a:ln w="12700" cap="flat" cmpd="sng" algn="ctr">
+          <a:solidFill>
+            <a:schemeClr val="phClr"/>
+          </a:solidFill>
+          <a:prstDash val="solid"/>
+          <a:miter lim="800000"/>
+        </a:ln>
+        <a:ln w="19050" cap="flat" cmpd="sng" algn="ctr">
+          <a:solidFill>
+            <a:schemeClr val="phClr"/>
+          </a:solidFill>
+          <a:prstDash val="solid"/>
+          <a:miter lim="800000"/>
+        </a:ln>
+      </a:lnStyleLst>
+      <a:effectStyleLst>
+        <a:effectStyle>
+          <a:effectLst/>
+        </a:effectStyle>
+        <a:effectStyle>
+          <a:effectLst/>
+        </a:effectStyle>
+        <a:effectStyle>
+          <a:effectLst>
+            <a:outerShdw blurRad="57150" dist="19050" dir="5400000" algn="ctr" rotWithShape="0">
+              <a:srgbClr val="000000">
+                <a:alpha val="63000"/>
+              </a:srgbClr>
+            </a:outerShdw>
+          </a:effectLst>
+        </a:effectStyle>
+      </a:effectStyleLst>
+      <a:bgFillStyleLst>
+        <a:solidFill>
+          <a:schemeClr val="phClr"/>
+        </a:solidFill>
+        <a:solidFill>
+          <a:schemeClr val="phClr">
+            <a:tint val="95000"/>
+            <a:satMod val="170000"/>
+          </a:schemeClr>
+        </a:solidFill>
+        <a:gradFill rotWithShape="1">
+          <a:gsLst>
+            <a:gs pos="0">
+              <a:schemeClr val="phClr">
+                <a:tint val="93000"/>
+                <a:satMod val="150000"/>
+                <a:shade val="98000"/>
+                <a:lumMod val="102000"/>
+              </a:schemeClr>
+            </a:gs>
+            <a:gs pos="50000">
+              <a:schemeClr val="phClr">
+                <a:tint val="98000"/>
+                <a:satMod val="130000"/>
+                <a:shade val="90000"/>
+                <a:lumMod val="103000"/>
+              </a:schemeClr>
+            </a:gs>
+            <a:gs pos="100000">
+              <a:schemeClr val="phClr">
+                <a:shade val="63000"/>
+                <a:satMod val="120000"/>
+              </a:schemeClr>
+            </a:gs>
+          </a:gsLst>
+          <a:lin ang="5400000" scaled="0"/>
+        </a:gradFill>
+      </a:bgFillStyleLst>
+    </a:fmtScheme>
+  </a:themeElements>
+  <a:objectDefaults/>
+  <a:extraClrSchemeLst/>
+  <a:extLst>
+    <a:ext uri="{05A4C25C-085E-4340-85A3-A5531E510DB2}">
+      <thm15:themeFamily xmlns:thm15="http://schemas.microsoft.com/office/thememl/2012/main" name="Office Theme" id="{62F939B6-93AF-4DB8-9C6B-D6C7DFDC589F}" vid="{4A3C46E8-61CC-4603-A589-7422A47A8E4A}"/>
+    </a:ext>
+  </a:extLst>
+</a:theme>
 </file>